--- a/bigdata/学习Hbase.pptx
+++ b/bigdata/学习Hbase.pptx
@@ -5,35 +5,35 @@
     <p:sldMasterId id="2147483648" r:id="rId1"/>
   </p:sldMasterIdLst>
   <p:notesMasterIdLst>
-    <p:notesMasterId r:id="rId9"/>
+    <p:notesMasterId r:id="rId23"/>
   </p:notesMasterIdLst>
   <p:handoutMasterIdLst>
-    <p:handoutMasterId r:id="rId25"/>
+    <p:handoutMasterId r:id="rId24"/>
   </p:handoutMasterIdLst>
   <p:sldIdLst>
-    <p:sldId id="256" r:id="rId3"/>
-    <p:sldId id="434" r:id="rId4"/>
-    <p:sldId id="388" r:id="rId5"/>
-    <p:sldId id="463" r:id="rId6"/>
-    <p:sldId id="444" r:id="rId7"/>
-    <p:sldId id="446" r:id="rId8"/>
-    <p:sldId id="448" r:id="rId10"/>
-    <p:sldId id="426" r:id="rId11"/>
-    <p:sldId id="427" r:id="rId12"/>
-    <p:sldId id="450" r:id="rId13"/>
-    <p:sldId id="424" r:id="rId14"/>
-    <p:sldId id="425" r:id="rId15"/>
-    <p:sldId id="451" r:id="rId16"/>
-    <p:sldId id="452" r:id="rId17"/>
-    <p:sldId id="454" r:id="rId18"/>
-    <p:sldId id="455" r:id="rId19"/>
-    <p:sldId id="453" r:id="rId20"/>
-    <p:sldId id="430" r:id="rId21"/>
-    <p:sldId id="402" r:id="rId22"/>
-    <p:sldId id="428" r:id="rId23"/>
-    <p:sldId id="429" r:id="rId24"/>
+    <p:sldId id="256" r:id="rId2"/>
+    <p:sldId id="434" r:id="rId3"/>
+    <p:sldId id="388" r:id="rId4"/>
+    <p:sldId id="463" r:id="rId5"/>
+    <p:sldId id="444" r:id="rId6"/>
+    <p:sldId id="446" r:id="rId7"/>
+    <p:sldId id="448" r:id="rId8"/>
+    <p:sldId id="426" r:id="rId9"/>
+    <p:sldId id="427" r:id="rId10"/>
+    <p:sldId id="450" r:id="rId11"/>
+    <p:sldId id="424" r:id="rId12"/>
+    <p:sldId id="425" r:id="rId13"/>
+    <p:sldId id="451" r:id="rId14"/>
+    <p:sldId id="452" r:id="rId15"/>
+    <p:sldId id="454" r:id="rId16"/>
+    <p:sldId id="455" r:id="rId17"/>
+    <p:sldId id="453" r:id="rId18"/>
+    <p:sldId id="430" r:id="rId19"/>
+    <p:sldId id="402" r:id="rId20"/>
+    <p:sldId id="428" r:id="rId21"/>
+    <p:sldId id="429" r:id="rId22"/>
   </p:sldIdLst>
-  <p:sldSz cx="9144000" cy="5144770"/>
+  <p:sldSz cx="9144000" cy="5145088"/>
   <p:notesSz cx="6858000" cy="9144000"/>
   <p:defaultTextStyle>
     <a:defPPr>
@@ -130,6 +130,22 @@
       </a:defRPr>
     </a:lvl9pPr>
   </p:defaultTextStyle>
+  <p:extLst>
+    <p:ext uri="{EFAFB233-063F-42B5-8137-9DF3F51BA10A}">
+      <p15:sldGuideLst xmlns:p15="http://schemas.microsoft.com/office/powerpoint/2012/main">
+        <p15:guide id="1" orient="horz" pos="1629">
+          <p15:clr>
+            <a:srgbClr val="A4A3A4"/>
+          </p15:clr>
+        </p15:guide>
+        <p15:guide id="2" pos="2824">
+          <p15:clr>
+            <a:srgbClr val="A4A3A4"/>
+          </p15:clr>
+        </p15:guide>
+      </p15:sldGuideLst>
+    </p:ext>
+  </p:extLst>
 </p:presentation>
 </file>
 
@@ -215,6 +231,7 @@
           <a:p>
             <a:fld id="{0F9B84EA-7D68-4D60-9CB1-D50884785D1C}" type="datetimeFigureOut">
               <a:rPr lang="zh-CN" altLang="en-US" smtClean="0"/>
+              <a:t>2018/9/25</a:t>
             </a:fld>
             <a:endParaRPr lang="zh-CN" altLang="en-US"/>
           </a:p>
@@ -280,12 +297,18 @@
           <a:p>
             <a:fld id="{8D4E0FC9-F1F8-4FAE-9988-3BA365CFD46F}" type="slidenum">
               <a:rPr lang="zh-CN" altLang="en-US" smtClean="0"/>
+              <a:t>‹#›</a:t>
             </a:fld>
             <a:endParaRPr lang="zh-CN" altLang="en-US"/>
           </a:p>
         </p:txBody>
       </p:sp>
     </p:spTree>
+    <p:extLst>
+      <p:ext uri="{BB962C8B-B14F-4D97-AF65-F5344CB8AC3E}">
+        <p14:creationId xmlns:p14="http://schemas.microsoft.com/office/powerpoint/2010/main" val="2641728356"/>
+      </p:ext>
+    </p:extLst>
   </p:cSld>
   <p:clrMap bg1="lt1" tx1="dk1" bg2="lt2" tx2="dk2" accent1="accent1" accent2="accent2" accent3="accent3" accent4="accent4" accent5="accent5" accent6="accent6" hlink="hlink" folHlink="folHlink"/>
 </p:handoutMaster>
@@ -373,6 +396,7 @@
           <a:p>
             <a:fld id="{D60B4A33-8CC6-4A9D-99BB-1801B6CFF545}" type="datetimeFigureOut">
               <a:rPr lang="zh-CN" altLang="en-US" smtClean="0"/>
+              <a:t>2018/9/25</a:t>
             </a:fld>
             <a:endParaRPr lang="zh-CN" altLang="en-US"/>
           </a:p>
@@ -441,7 +465,6 @@
               <a:rPr lang="zh-CN" altLang="en-US"/>
               <a:t>单击此处编辑母版文本样式</a:t>
             </a:r>
-            <a:endParaRPr lang="zh-CN" altLang="en-US"/>
           </a:p>
           <a:p>
             <a:pPr lvl="1"/>
@@ -449,7 +472,6 @@
               <a:rPr lang="zh-CN" altLang="en-US"/>
               <a:t>第二级</a:t>
             </a:r>
-            <a:endParaRPr lang="zh-CN" altLang="en-US"/>
           </a:p>
           <a:p>
             <a:pPr lvl="2"/>
@@ -457,7 +479,6 @@
               <a:rPr lang="zh-CN" altLang="en-US"/>
               <a:t>第三级</a:t>
             </a:r>
-            <a:endParaRPr lang="zh-CN" altLang="en-US"/>
           </a:p>
           <a:p>
             <a:pPr lvl="3"/>
@@ -465,7 +486,6 @@
               <a:rPr lang="zh-CN" altLang="en-US"/>
               <a:t>第四级</a:t>
             </a:r>
-            <a:endParaRPr lang="zh-CN" altLang="en-US"/>
           </a:p>
           <a:p>
             <a:pPr lvl="4"/>
@@ -473,7 +493,6 @@
               <a:rPr lang="zh-CN" altLang="en-US"/>
               <a:t>第五级</a:t>
             </a:r>
-            <a:endParaRPr lang="zh-CN" altLang="en-US"/>
           </a:p>
         </p:txBody>
       </p:sp>
@@ -537,12 +556,18 @@
           <a:p>
             <a:fld id="{5AF57741-1FBC-46E9-B013-86EC6A7C2E15}" type="slidenum">
               <a:rPr lang="zh-CN" altLang="en-US" smtClean="0"/>
+              <a:t>‹#›</a:t>
             </a:fld>
             <a:endParaRPr lang="zh-CN" altLang="en-US"/>
           </a:p>
         </p:txBody>
       </p:sp>
     </p:spTree>
+    <p:extLst>
+      <p:ext uri="{BB962C8B-B14F-4D97-AF65-F5344CB8AC3E}">
+        <p14:creationId xmlns:p14="http://schemas.microsoft.com/office/powerpoint/2010/main" val="991529529"/>
+      </p:ext>
+    </p:extLst>
   </p:cSld>
   <p:clrMap bg1="lt1" tx1="dk1" bg2="lt2" tx2="dk2" accent1="accent1" accent2="accent2" accent3="accent3" accent4="accent4" accent5="accent5" accent6="accent6" hlink="hlink" folHlink="folHlink"/>
   <p:notesStyle>
@@ -649,11 +674,20 @@
         <p:cNvGrpSpPr/>
         <p:nvPr/>
       </p:nvGrpSpPr>
-      <p:grpSpPr/>
+      <p:grpSpPr>
+        <a:xfrm>
+          <a:off x="0" y="0"/>
+          <a:ext cx="0" cy="0"/>
+          <a:chOff x="0" y="0"/>
+          <a:chExt cx="0" cy="0"/>
+        </a:xfrm>
+      </p:grpSpPr>
       <p:sp>
         <p:nvSpPr>
           <p:cNvPr id="2" name="幻灯片图像占位符 1"/>
-          <p:cNvSpPr/>
+          <p:cNvSpPr>
+            <a:spLocks noGrp="1" noRot="1" noChangeAspect="1"/>
+          </p:cNvSpPr>
           <p:nvPr>
             <p:ph type="sldImg" idx="2"/>
           </p:nvPr>
@@ -663,7 +697,9 @@
       <p:sp>
         <p:nvSpPr>
           <p:cNvPr id="3" name="文本占位符 2"/>
-          <p:cNvSpPr/>
+          <p:cNvSpPr>
+            <a:spLocks noGrp="1"/>
+          </p:cNvSpPr>
           <p:nvPr>
             <p:ph type="body" idx="3"/>
           </p:nvPr>
@@ -671,12 +707,18 @@
         <p:spPr/>
         <p:txBody>
           <a:bodyPr/>
+          <a:lstStyle/>
           <a:p>
             <a:endParaRPr lang="zh-CN" altLang="en-US"/>
           </a:p>
         </p:txBody>
       </p:sp>
     </p:spTree>
+    <p:extLst>
+      <p:ext uri="{BB962C8B-B14F-4D97-AF65-F5344CB8AC3E}">
+        <p14:creationId xmlns:p14="http://schemas.microsoft.com/office/powerpoint/2010/main" val="1421211147"/>
+      </p:ext>
+    </p:extLst>
   </p:cSld>
   <p:clrMapOvr>
     <a:masterClrMapping/>
@@ -725,7 +767,6 @@
               <a:rPr lang="zh-CN" altLang="en-US"/>
               <a:t>单击此处编辑母版标题样式</a:t>
             </a:r>
-            <a:endParaRPr lang="zh-CN" altLang="en-US"/>
           </a:p>
         </p:txBody>
       </p:sp>
@@ -844,7 +885,6 @@
               <a:rPr lang="zh-CN" altLang="en-US"/>
               <a:t>单击此处编辑母版副标题样式</a:t>
             </a:r>
-            <a:endParaRPr lang="zh-CN" altLang="en-US"/>
           </a:p>
         </p:txBody>
       </p:sp>
@@ -865,6 +905,7 @@
           <a:p>
             <a:fld id="{C1F886BA-5FC7-4C45-9AF2-D10BC1540A8E}" type="datetimeFigureOut">
               <a:rPr lang="zh-CN" altLang="en-US" smtClean="0"/>
+              <a:t>2018/9/25</a:t>
             </a:fld>
             <a:endParaRPr lang="zh-CN" altLang="en-US"/>
           </a:p>
@@ -906,6 +947,7 @@
           <a:p>
             <a:fld id="{DD6D0CF6-0F7D-4653-8535-B9F68734AF5D}" type="slidenum">
               <a:rPr lang="zh-CN" altLang="en-US" smtClean="0"/>
+              <a:t>‹#›</a:t>
             </a:fld>
             <a:endParaRPr lang="zh-CN" altLang="en-US"/>
           </a:p>
@@ -956,7 +998,6 @@
               <a:rPr lang="zh-CN" altLang="en-US"/>
               <a:t>单击此处编辑母版标题样式</a:t>
             </a:r>
-            <a:endParaRPr lang="zh-CN" altLang="en-US"/>
           </a:p>
         </p:txBody>
       </p:sp>
@@ -980,7 +1021,6 @@
               <a:rPr lang="zh-CN" altLang="en-US"/>
               <a:t>单击此处编辑母版文本样式</a:t>
             </a:r>
-            <a:endParaRPr lang="zh-CN" altLang="en-US"/>
           </a:p>
           <a:p>
             <a:pPr lvl="1"/>
@@ -988,7 +1028,6 @@
               <a:rPr lang="zh-CN" altLang="en-US"/>
               <a:t>第二级</a:t>
             </a:r>
-            <a:endParaRPr lang="zh-CN" altLang="en-US"/>
           </a:p>
           <a:p>
             <a:pPr lvl="2"/>
@@ -996,7 +1035,6 @@
               <a:rPr lang="zh-CN" altLang="en-US"/>
               <a:t>第三级</a:t>
             </a:r>
-            <a:endParaRPr lang="zh-CN" altLang="en-US"/>
           </a:p>
           <a:p>
             <a:pPr lvl="3"/>
@@ -1004,7 +1042,6 @@
               <a:rPr lang="zh-CN" altLang="en-US"/>
               <a:t>第四级</a:t>
             </a:r>
-            <a:endParaRPr lang="zh-CN" altLang="en-US"/>
           </a:p>
           <a:p>
             <a:pPr lvl="4"/>
@@ -1012,7 +1049,6 @@
               <a:rPr lang="zh-CN" altLang="en-US"/>
               <a:t>第五级</a:t>
             </a:r>
-            <a:endParaRPr lang="zh-CN" altLang="en-US"/>
           </a:p>
         </p:txBody>
       </p:sp>
@@ -1033,6 +1069,7 @@
           <a:p>
             <a:fld id="{C1F886BA-5FC7-4C45-9AF2-D10BC1540A8E}" type="datetimeFigureOut">
               <a:rPr lang="zh-CN" altLang="en-US" smtClean="0"/>
+              <a:t>2018/9/25</a:t>
             </a:fld>
             <a:endParaRPr lang="zh-CN" altLang="en-US"/>
           </a:p>
@@ -1074,6 +1111,7 @@
           <a:p>
             <a:fld id="{DD6D0CF6-0F7D-4653-8535-B9F68734AF5D}" type="slidenum">
               <a:rPr lang="zh-CN" altLang="en-US" smtClean="0"/>
+              <a:t>‹#›</a:t>
             </a:fld>
             <a:endParaRPr lang="zh-CN" altLang="en-US"/>
           </a:p>
@@ -1129,7 +1167,6 @@
               <a:rPr lang="zh-CN" altLang="en-US"/>
               <a:t>单击此处编辑母版标题样式</a:t>
             </a:r>
-            <a:endParaRPr lang="zh-CN" altLang="en-US"/>
           </a:p>
         </p:txBody>
       </p:sp>
@@ -1158,7 +1195,6 @@
               <a:rPr lang="zh-CN" altLang="en-US"/>
               <a:t>单击此处编辑母版文本样式</a:t>
             </a:r>
-            <a:endParaRPr lang="zh-CN" altLang="en-US"/>
           </a:p>
           <a:p>
             <a:pPr lvl="1"/>
@@ -1166,7 +1202,6 @@
               <a:rPr lang="zh-CN" altLang="en-US"/>
               <a:t>第二级</a:t>
             </a:r>
-            <a:endParaRPr lang="zh-CN" altLang="en-US"/>
           </a:p>
           <a:p>
             <a:pPr lvl="2"/>
@@ -1174,7 +1209,6 @@
               <a:rPr lang="zh-CN" altLang="en-US"/>
               <a:t>第三级</a:t>
             </a:r>
-            <a:endParaRPr lang="zh-CN" altLang="en-US"/>
           </a:p>
           <a:p>
             <a:pPr lvl="3"/>
@@ -1182,7 +1216,6 @@
               <a:rPr lang="zh-CN" altLang="en-US"/>
               <a:t>第四级</a:t>
             </a:r>
-            <a:endParaRPr lang="zh-CN" altLang="en-US"/>
           </a:p>
           <a:p>
             <a:pPr lvl="4"/>
@@ -1190,7 +1223,6 @@
               <a:rPr lang="zh-CN" altLang="en-US"/>
               <a:t>第五级</a:t>
             </a:r>
-            <a:endParaRPr lang="zh-CN" altLang="en-US"/>
           </a:p>
         </p:txBody>
       </p:sp>
@@ -1211,6 +1243,7 @@
           <a:p>
             <a:fld id="{C1F886BA-5FC7-4C45-9AF2-D10BC1540A8E}" type="datetimeFigureOut">
               <a:rPr lang="zh-CN" altLang="en-US" smtClean="0"/>
+              <a:t>2018/9/25</a:t>
             </a:fld>
             <a:endParaRPr lang="zh-CN" altLang="en-US"/>
           </a:p>
@@ -1252,6 +1285,7 @@
           <a:p>
             <a:fld id="{DD6D0CF6-0F7D-4653-8535-B9F68734AF5D}" type="slidenum">
               <a:rPr lang="zh-CN" altLang="en-US" smtClean="0"/>
+              <a:t>‹#›</a:t>
             </a:fld>
             <a:endParaRPr lang="zh-CN" altLang="en-US"/>
           </a:p>
@@ -1328,7 +1362,6 @@
               <a:rPr lang="zh-CN" altLang="en-US"/>
               <a:t>单击此处编辑母版标题样式</a:t>
             </a:r>
-            <a:endParaRPr lang="zh-CN" altLang="en-US"/>
           </a:p>
         </p:txBody>
       </p:sp>
@@ -1352,7 +1385,6 @@
               <a:rPr lang="zh-CN" altLang="en-US"/>
               <a:t>单击此处编辑母版文本样式</a:t>
             </a:r>
-            <a:endParaRPr lang="zh-CN" altLang="en-US"/>
           </a:p>
           <a:p>
             <a:pPr lvl="1"/>
@@ -1360,7 +1392,6 @@
               <a:rPr lang="zh-CN" altLang="en-US"/>
               <a:t>第二级</a:t>
             </a:r>
-            <a:endParaRPr lang="zh-CN" altLang="en-US"/>
           </a:p>
           <a:p>
             <a:pPr lvl="2"/>
@@ -1368,7 +1399,6 @@
               <a:rPr lang="zh-CN" altLang="en-US"/>
               <a:t>第三级</a:t>
             </a:r>
-            <a:endParaRPr lang="zh-CN" altLang="en-US"/>
           </a:p>
           <a:p>
             <a:pPr lvl="3"/>
@@ -1376,7 +1406,6 @@
               <a:rPr lang="zh-CN" altLang="en-US"/>
               <a:t>第四级</a:t>
             </a:r>
-            <a:endParaRPr lang="zh-CN" altLang="en-US"/>
           </a:p>
           <a:p>
             <a:pPr lvl="4"/>
@@ -1384,7 +1413,6 @@
               <a:rPr lang="zh-CN" altLang="en-US"/>
               <a:t>第五级</a:t>
             </a:r>
-            <a:endParaRPr lang="zh-CN" altLang="en-US"/>
           </a:p>
         </p:txBody>
       </p:sp>
@@ -1405,6 +1433,7 @@
           <a:p>
             <a:fld id="{C1F886BA-5FC7-4C45-9AF2-D10BC1540A8E}" type="datetimeFigureOut">
               <a:rPr lang="zh-CN" altLang="en-US" smtClean="0"/>
+              <a:t>2018/9/25</a:t>
             </a:fld>
             <a:endParaRPr lang="zh-CN" altLang="en-US"/>
           </a:p>
@@ -1446,6 +1475,7 @@
           <a:p>
             <a:fld id="{DD6D0CF6-0F7D-4653-8535-B9F68734AF5D}" type="slidenum">
               <a:rPr lang="zh-CN" altLang="en-US" smtClean="0"/>
+              <a:t>‹#›</a:t>
             </a:fld>
             <a:endParaRPr lang="zh-CN" altLang="en-US"/>
           </a:p>
@@ -1505,7 +1535,6 @@
               <a:rPr lang="zh-CN" altLang="en-US"/>
               <a:t>单击此处编辑母版标题样式</a:t>
             </a:r>
-            <a:endParaRPr lang="zh-CN" altLang="en-US"/>
           </a:p>
         </p:txBody>
       </p:sp>
@@ -1625,7 +1654,6 @@
               <a:rPr lang="zh-CN" altLang="en-US"/>
               <a:t>单击此处编辑母版文本样式</a:t>
             </a:r>
-            <a:endParaRPr lang="zh-CN" altLang="en-US"/>
           </a:p>
         </p:txBody>
       </p:sp>
@@ -1646,6 +1674,7 @@
           <a:p>
             <a:fld id="{C1F886BA-5FC7-4C45-9AF2-D10BC1540A8E}" type="datetimeFigureOut">
               <a:rPr lang="zh-CN" altLang="en-US" smtClean="0"/>
+              <a:t>2018/9/25</a:t>
             </a:fld>
             <a:endParaRPr lang="zh-CN" altLang="en-US"/>
           </a:p>
@@ -1687,6 +1716,7 @@
           <a:p>
             <a:fld id="{DD6D0CF6-0F7D-4653-8535-B9F68734AF5D}" type="slidenum">
               <a:rPr lang="zh-CN" altLang="en-US" smtClean="0"/>
+              <a:t>‹#›</a:t>
             </a:fld>
             <a:endParaRPr lang="zh-CN" altLang="en-US"/>
           </a:p>
@@ -1737,7 +1767,6 @@
               <a:rPr lang="zh-CN" altLang="en-US"/>
               <a:t>单击此处编辑母版标题样式</a:t>
             </a:r>
-            <a:endParaRPr lang="zh-CN" altLang="en-US"/>
           </a:p>
         </p:txBody>
       </p:sp>
@@ -1794,7 +1823,6 @@
               <a:rPr lang="zh-CN" altLang="en-US"/>
               <a:t>单击此处编辑母版文本样式</a:t>
             </a:r>
-            <a:endParaRPr lang="zh-CN" altLang="en-US"/>
           </a:p>
           <a:p>
             <a:pPr lvl="1"/>
@@ -1802,7 +1830,6 @@
               <a:rPr lang="zh-CN" altLang="en-US"/>
               <a:t>第二级</a:t>
             </a:r>
-            <a:endParaRPr lang="zh-CN" altLang="en-US"/>
           </a:p>
           <a:p>
             <a:pPr lvl="2"/>
@@ -1810,7 +1837,6 @@
               <a:rPr lang="zh-CN" altLang="en-US"/>
               <a:t>第三级</a:t>
             </a:r>
-            <a:endParaRPr lang="zh-CN" altLang="en-US"/>
           </a:p>
           <a:p>
             <a:pPr lvl="3"/>
@@ -1818,7 +1844,6 @@
               <a:rPr lang="zh-CN" altLang="en-US"/>
               <a:t>第四级</a:t>
             </a:r>
-            <a:endParaRPr lang="zh-CN" altLang="en-US"/>
           </a:p>
           <a:p>
             <a:pPr lvl="4"/>
@@ -1826,7 +1851,6 @@
               <a:rPr lang="zh-CN" altLang="en-US"/>
               <a:t>第五级</a:t>
             </a:r>
-            <a:endParaRPr lang="zh-CN" altLang="en-US"/>
           </a:p>
         </p:txBody>
       </p:sp>
@@ -1883,7 +1907,6 @@
               <a:rPr lang="zh-CN" altLang="en-US"/>
               <a:t>单击此处编辑母版文本样式</a:t>
             </a:r>
-            <a:endParaRPr lang="zh-CN" altLang="en-US"/>
           </a:p>
           <a:p>
             <a:pPr lvl="1"/>
@@ -1891,7 +1914,6 @@
               <a:rPr lang="zh-CN" altLang="en-US"/>
               <a:t>第二级</a:t>
             </a:r>
-            <a:endParaRPr lang="zh-CN" altLang="en-US"/>
           </a:p>
           <a:p>
             <a:pPr lvl="2"/>
@@ -1899,7 +1921,6 @@
               <a:rPr lang="zh-CN" altLang="en-US"/>
               <a:t>第三级</a:t>
             </a:r>
-            <a:endParaRPr lang="zh-CN" altLang="en-US"/>
           </a:p>
           <a:p>
             <a:pPr lvl="3"/>
@@ -1907,7 +1928,6 @@
               <a:rPr lang="zh-CN" altLang="en-US"/>
               <a:t>第四级</a:t>
             </a:r>
-            <a:endParaRPr lang="zh-CN" altLang="en-US"/>
           </a:p>
           <a:p>
             <a:pPr lvl="4"/>
@@ -1915,7 +1935,6 @@
               <a:rPr lang="zh-CN" altLang="en-US"/>
               <a:t>第五级</a:t>
             </a:r>
-            <a:endParaRPr lang="zh-CN" altLang="en-US"/>
           </a:p>
         </p:txBody>
       </p:sp>
@@ -1936,6 +1955,7 @@
           <a:p>
             <a:fld id="{C1F886BA-5FC7-4C45-9AF2-D10BC1540A8E}" type="datetimeFigureOut">
               <a:rPr lang="zh-CN" altLang="en-US" smtClean="0"/>
+              <a:t>2018/9/25</a:t>
             </a:fld>
             <a:endParaRPr lang="zh-CN" altLang="en-US"/>
           </a:p>
@@ -1977,6 +1997,7 @@
           <a:p>
             <a:fld id="{DD6D0CF6-0F7D-4653-8535-B9F68734AF5D}" type="slidenum">
               <a:rPr lang="zh-CN" altLang="en-US" smtClean="0"/>
+              <a:t>‹#›</a:t>
             </a:fld>
             <a:endParaRPr lang="zh-CN" altLang="en-US"/>
           </a:p>
@@ -2036,7 +2057,6 @@
               <a:rPr lang="zh-CN" altLang="en-US"/>
               <a:t>单击此处编辑母版标题样式</a:t>
             </a:r>
-            <a:endParaRPr lang="zh-CN" altLang="en-US"/>
           </a:p>
         </p:txBody>
       </p:sp>
@@ -2102,7 +2122,6 @@
               <a:rPr lang="zh-CN" altLang="en-US"/>
               <a:t>单击此处编辑母版文本样式</a:t>
             </a:r>
-            <a:endParaRPr lang="zh-CN" altLang="en-US"/>
           </a:p>
         </p:txBody>
       </p:sp>
@@ -2159,7 +2178,6 @@
               <a:rPr lang="zh-CN" altLang="en-US"/>
               <a:t>单击此处编辑母版文本样式</a:t>
             </a:r>
-            <a:endParaRPr lang="zh-CN" altLang="en-US"/>
           </a:p>
           <a:p>
             <a:pPr lvl="1"/>
@@ -2167,7 +2185,6 @@
               <a:rPr lang="zh-CN" altLang="en-US"/>
               <a:t>第二级</a:t>
             </a:r>
-            <a:endParaRPr lang="zh-CN" altLang="en-US"/>
           </a:p>
           <a:p>
             <a:pPr lvl="2"/>
@@ -2175,7 +2192,6 @@
               <a:rPr lang="zh-CN" altLang="en-US"/>
               <a:t>第三级</a:t>
             </a:r>
-            <a:endParaRPr lang="zh-CN" altLang="en-US"/>
           </a:p>
           <a:p>
             <a:pPr lvl="3"/>
@@ -2183,7 +2199,6 @@
               <a:rPr lang="zh-CN" altLang="en-US"/>
               <a:t>第四级</a:t>
             </a:r>
-            <a:endParaRPr lang="zh-CN" altLang="en-US"/>
           </a:p>
           <a:p>
             <a:pPr lvl="4"/>
@@ -2191,7 +2206,6 @@
               <a:rPr lang="zh-CN" altLang="en-US"/>
               <a:t>第五级</a:t>
             </a:r>
-            <a:endParaRPr lang="zh-CN" altLang="en-US"/>
           </a:p>
         </p:txBody>
       </p:sp>
@@ -2257,7 +2271,6 @@
               <a:rPr lang="zh-CN" altLang="en-US"/>
               <a:t>单击此处编辑母版文本样式</a:t>
             </a:r>
-            <a:endParaRPr lang="zh-CN" altLang="en-US"/>
           </a:p>
         </p:txBody>
       </p:sp>
@@ -2314,7 +2327,6 @@
               <a:rPr lang="zh-CN" altLang="en-US"/>
               <a:t>单击此处编辑母版文本样式</a:t>
             </a:r>
-            <a:endParaRPr lang="zh-CN" altLang="en-US"/>
           </a:p>
           <a:p>
             <a:pPr lvl="1"/>
@@ -2322,7 +2334,6 @@
               <a:rPr lang="zh-CN" altLang="en-US"/>
               <a:t>第二级</a:t>
             </a:r>
-            <a:endParaRPr lang="zh-CN" altLang="en-US"/>
           </a:p>
           <a:p>
             <a:pPr lvl="2"/>
@@ -2330,7 +2341,6 @@
               <a:rPr lang="zh-CN" altLang="en-US"/>
               <a:t>第三级</a:t>
             </a:r>
-            <a:endParaRPr lang="zh-CN" altLang="en-US"/>
           </a:p>
           <a:p>
             <a:pPr lvl="3"/>
@@ -2338,7 +2348,6 @@
               <a:rPr lang="zh-CN" altLang="en-US"/>
               <a:t>第四级</a:t>
             </a:r>
-            <a:endParaRPr lang="zh-CN" altLang="en-US"/>
           </a:p>
           <a:p>
             <a:pPr lvl="4"/>
@@ -2346,7 +2355,6 @@
               <a:rPr lang="zh-CN" altLang="en-US"/>
               <a:t>第五级</a:t>
             </a:r>
-            <a:endParaRPr lang="zh-CN" altLang="en-US"/>
           </a:p>
         </p:txBody>
       </p:sp>
@@ -2367,6 +2375,7 @@
           <a:p>
             <a:fld id="{C1F886BA-5FC7-4C45-9AF2-D10BC1540A8E}" type="datetimeFigureOut">
               <a:rPr lang="zh-CN" altLang="en-US" smtClean="0"/>
+              <a:t>2018/9/25</a:t>
             </a:fld>
             <a:endParaRPr lang="zh-CN" altLang="en-US"/>
           </a:p>
@@ -2408,6 +2417,7 @@
           <a:p>
             <a:fld id="{DD6D0CF6-0F7D-4653-8535-B9F68734AF5D}" type="slidenum">
               <a:rPr lang="zh-CN" altLang="en-US" smtClean="0"/>
+              <a:t>‹#›</a:t>
             </a:fld>
             <a:endParaRPr lang="zh-CN" altLang="en-US"/>
           </a:p>
@@ -2458,7 +2468,6 @@
               <a:rPr lang="zh-CN" altLang="en-US"/>
               <a:t>单击此处编辑母版标题样式</a:t>
             </a:r>
-            <a:endParaRPr lang="zh-CN" altLang="en-US"/>
           </a:p>
         </p:txBody>
       </p:sp>
@@ -2479,6 +2488,7 @@
           <a:p>
             <a:fld id="{C1F886BA-5FC7-4C45-9AF2-D10BC1540A8E}" type="datetimeFigureOut">
               <a:rPr lang="zh-CN" altLang="en-US" smtClean="0"/>
+              <a:t>2018/9/25</a:t>
             </a:fld>
             <a:endParaRPr lang="zh-CN" altLang="en-US"/>
           </a:p>
@@ -2520,6 +2530,7 @@
           <a:p>
             <a:fld id="{DD6D0CF6-0F7D-4653-8535-B9F68734AF5D}" type="slidenum">
               <a:rPr lang="zh-CN" altLang="en-US" smtClean="0"/>
+              <a:t>‹#›</a:t>
             </a:fld>
             <a:endParaRPr lang="zh-CN" altLang="en-US"/>
           </a:p>
@@ -2597,6 +2608,7 @@
           <a:p>
             <a:fld id="{C1F886BA-5FC7-4C45-9AF2-D10BC1540A8E}" type="datetimeFigureOut">
               <a:rPr lang="zh-CN" altLang="en-US" smtClean="0"/>
+              <a:t>2018/9/25</a:t>
             </a:fld>
             <a:endParaRPr lang="zh-CN" altLang="en-US"/>
           </a:p>
@@ -2638,6 +2650,7 @@
           <a:p>
             <a:fld id="{DD6D0CF6-0F7D-4653-8535-B9F68734AF5D}" type="slidenum">
               <a:rPr lang="zh-CN" altLang="en-US" smtClean="0"/>
+              <a:t>‹#›</a:t>
             </a:fld>
             <a:endParaRPr lang="zh-CN" altLang="en-US"/>
           </a:p>
@@ -2734,17 +2747,6 @@
               </a:rPr>
               <a:t>点击添加相关标题文字</a:t>
             </a:r>
-            <a:endParaRPr lang="zh-CN" altLang="en-US" sz="1600" dirty="0">
-              <a:solidFill>
-                <a:schemeClr val="bg1">
-                  <a:lumMod val="65000"/>
-                </a:schemeClr>
-              </a:solidFill>
-              <a:latin typeface="微软雅黑" panose="020B0503020204020204" pitchFamily="34" charset="-122"/>
-              <a:ea typeface="微软雅黑" panose="020B0503020204020204" pitchFamily="34" charset="-122"/>
-              <a:cs typeface="+mn-ea"/>
-              <a:sym typeface="+mn-lt"/>
-            </a:endParaRPr>
           </a:p>
         </p:txBody>
       </p:sp>
@@ -2849,7 +2851,6 @@
               <a:rPr lang="zh-CN" altLang="en-US"/>
               <a:t>单击此处编辑母版标题样式</a:t>
             </a:r>
-            <a:endParaRPr lang="zh-CN" altLang="en-US"/>
           </a:p>
         </p:txBody>
       </p:sp>
@@ -2906,7 +2907,6 @@
               <a:rPr lang="zh-CN" altLang="en-US"/>
               <a:t>单击此处编辑母版文本样式</a:t>
             </a:r>
-            <a:endParaRPr lang="zh-CN" altLang="en-US"/>
           </a:p>
           <a:p>
             <a:pPr lvl="1"/>
@@ -2914,7 +2914,6 @@
               <a:rPr lang="zh-CN" altLang="en-US"/>
               <a:t>第二级</a:t>
             </a:r>
-            <a:endParaRPr lang="zh-CN" altLang="en-US"/>
           </a:p>
           <a:p>
             <a:pPr lvl="2"/>
@@ -2922,7 +2921,6 @@
               <a:rPr lang="zh-CN" altLang="en-US"/>
               <a:t>第三级</a:t>
             </a:r>
-            <a:endParaRPr lang="zh-CN" altLang="en-US"/>
           </a:p>
           <a:p>
             <a:pPr lvl="3"/>
@@ -2930,7 +2928,6 @@
               <a:rPr lang="zh-CN" altLang="en-US"/>
               <a:t>第四级</a:t>
             </a:r>
-            <a:endParaRPr lang="zh-CN" altLang="en-US"/>
           </a:p>
           <a:p>
             <a:pPr lvl="4"/>
@@ -2938,7 +2935,6 @@
               <a:rPr lang="zh-CN" altLang="en-US"/>
               <a:t>第五级</a:t>
             </a:r>
-            <a:endParaRPr lang="zh-CN" altLang="en-US"/>
           </a:p>
         </p:txBody>
       </p:sp>
@@ -3004,7 +3000,6 @@
               <a:rPr lang="zh-CN" altLang="en-US"/>
               <a:t>单击此处编辑母版文本样式</a:t>
             </a:r>
-            <a:endParaRPr lang="zh-CN" altLang="en-US"/>
           </a:p>
         </p:txBody>
       </p:sp>
@@ -3025,6 +3020,7 @@
           <a:p>
             <a:fld id="{C1F886BA-5FC7-4C45-9AF2-D10BC1540A8E}" type="datetimeFigureOut">
               <a:rPr lang="zh-CN" altLang="en-US" smtClean="0"/>
+              <a:t>2018/9/25</a:t>
             </a:fld>
             <a:endParaRPr lang="zh-CN" altLang="en-US"/>
           </a:p>
@@ -3066,6 +3062,7 @@
           <a:p>
             <a:fld id="{DD6D0CF6-0F7D-4653-8535-B9F68734AF5D}" type="slidenum">
               <a:rPr lang="zh-CN" altLang="en-US" smtClean="0"/>
+              <a:t>‹#›</a:t>
             </a:fld>
             <a:endParaRPr lang="zh-CN" altLang="en-US"/>
           </a:p>
@@ -3125,7 +3122,6 @@
               <a:rPr lang="zh-CN" altLang="en-US"/>
               <a:t>单击此处编辑母版标题样式</a:t>
             </a:r>
-            <a:endParaRPr lang="zh-CN" altLang="en-US"/>
           </a:p>
         </p:txBody>
       </p:sp>
@@ -3252,7 +3248,6 @@
               <a:rPr lang="zh-CN" altLang="en-US"/>
               <a:t>单击此处编辑母版文本样式</a:t>
             </a:r>
-            <a:endParaRPr lang="zh-CN" altLang="en-US"/>
           </a:p>
         </p:txBody>
       </p:sp>
@@ -3273,6 +3268,7 @@
           <a:p>
             <a:fld id="{C1F886BA-5FC7-4C45-9AF2-D10BC1540A8E}" type="datetimeFigureOut">
               <a:rPr lang="zh-CN" altLang="en-US" smtClean="0"/>
+              <a:t>2018/9/25</a:t>
             </a:fld>
             <a:endParaRPr lang="zh-CN" altLang="en-US"/>
           </a:p>
@@ -3314,6 +3310,7 @@
           <a:p>
             <a:fld id="{DD6D0CF6-0F7D-4653-8535-B9F68734AF5D}" type="slidenum">
               <a:rPr lang="zh-CN" altLang="en-US" smtClean="0"/>
+              <a:t>‹#›</a:t>
             </a:fld>
             <a:endParaRPr lang="zh-CN" altLang="en-US"/>
           </a:p>
@@ -3379,7 +3376,6 @@
               <a:rPr lang="zh-CN" altLang="en-US"/>
               <a:t>单击此处编辑母版标题样式</a:t>
             </a:r>
-            <a:endParaRPr lang="zh-CN" altLang="en-US"/>
           </a:p>
         </p:txBody>
       </p:sp>
@@ -3413,7 +3409,6 @@
               <a:rPr lang="zh-CN" altLang="en-US"/>
               <a:t>单击此处编辑母版文本样式</a:t>
             </a:r>
-            <a:endParaRPr lang="zh-CN" altLang="en-US"/>
           </a:p>
           <a:p>
             <a:pPr lvl="1"/>
@@ -3421,7 +3416,6 @@
               <a:rPr lang="zh-CN" altLang="en-US"/>
               <a:t>第二级</a:t>
             </a:r>
-            <a:endParaRPr lang="zh-CN" altLang="en-US"/>
           </a:p>
           <a:p>
             <a:pPr lvl="2"/>
@@ -3429,7 +3423,6 @@
               <a:rPr lang="zh-CN" altLang="en-US"/>
               <a:t>第三级</a:t>
             </a:r>
-            <a:endParaRPr lang="zh-CN" altLang="en-US"/>
           </a:p>
           <a:p>
             <a:pPr lvl="3"/>
@@ -3437,7 +3430,6 @@
               <a:rPr lang="zh-CN" altLang="en-US"/>
               <a:t>第四级</a:t>
             </a:r>
-            <a:endParaRPr lang="zh-CN" altLang="en-US"/>
           </a:p>
           <a:p>
             <a:pPr lvl="4"/>
@@ -3445,7 +3437,6 @@
               <a:rPr lang="zh-CN" altLang="en-US"/>
               <a:t>第五级</a:t>
             </a:r>
-            <a:endParaRPr lang="zh-CN" altLang="en-US"/>
           </a:p>
         </p:txBody>
       </p:sp>
@@ -3484,6 +3475,7 @@
           <a:p>
             <a:fld id="{C1F886BA-5FC7-4C45-9AF2-D10BC1540A8E}" type="datetimeFigureOut">
               <a:rPr lang="zh-CN" altLang="en-US" smtClean="0"/>
+              <a:t>2018/9/25</a:t>
             </a:fld>
             <a:endParaRPr lang="zh-CN" altLang="en-US"/>
           </a:p>
@@ -3561,6 +3553,7 @@
           <a:p>
             <a:fld id="{DD6D0CF6-0F7D-4653-8535-B9F68734AF5D}" type="slidenum">
               <a:rPr lang="zh-CN" altLang="en-US" smtClean="0"/>
+              <a:t>‹#›</a:t>
             </a:fld>
             <a:endParaRPr lang="zh-CN" altLang="en-US"/>
           </a:p>
@@ -3863,7 +3856,7 @@
           <p:nvPr/>
         </p:nvPicPr>
         <p:blipFill>
-          <a:blip r:embed="rId1" cstate="print">
+          <a:blip r:embed="rId2" cstate="print">
             <a:extLst>
               <a:ext uri="{28A0092B-C50C-407E-A947-70E740481C1C}">
                 <a14:useLocalDpi xmlns:a14="http://schemas.microsoft.com/office/drawing/2010/main" val="0"/>
@@ -3934,57 +3927,6 @@
               </a:rPr>
               <a:t>学习探讨</a:t>
             </a:r>
-            <a:endParaRPr lang="zh-CN" altLang="en-US" sz="3600" dirty="0">
-              <a:ln w="6350">
-                <a:noFill/>
-              </a:ln>
-              <a:solidFill>
-                <a:srgbClr val="F08C00"/>
-              </a:solidFill>
-              <a:latin typeface="Impact" panose="020B0806030902050204" pitchFamily="34" charset="0"/>
-              <a:ea typeface="微软雅黑" panose="020B0503020204020204" pitchFamily="34" charset="-122"/>
-            </a:endParaRPr>
-          </a:p>
-        </p:txBody>
-      </p:sp>
-      <p:sp>
-        <p:nvSpPr>
-          <p:cNvPr id="5" name="TextBox 4"/>
-          <p:cNvSpPr txBox="1"/>
-          <p:nvPr/>
-        </p:nvSpPr>
-        <p:spPr>
-          <a:xfrm>
-            <a:off x="3704590" y="3143885"/>
-            <a:ext cx="1283335" cy="645160"/>
-          </a:xfrm>
-          <a:prstGeom prst="rect">
-            <a:avLst/>
-          </a:prstGeom>
-          <a:noFill/>
-        </p:spPr>
-        <p:txBody>
-          <a:bodyPr wrap="square" rtlCol="0">
-            <a:spAutoFit/>
-          </a:bodyPr>
-          <a:lstStyle/>
-          <a:p>
-            <a:r>
-              <a:rPr lang="en-US" altLang="zh-CN" dirty="0" smtClean="0"/>
-              <a:t>     </a:t>
-            </a:r>
-            <a:r>
-              <a:rPr lang="zh-CN" altLang="en-US" dirty="0" smtClean="0"/>
-              <a:t>张洋</a:t>
-            </a:r>
-            <a:endParaRPr lang="zh-CN" altLang="en-US" dirty="0" smtClean="0"/>
-          </a:p>
-          <a:p>
-            <a:r>
-              <a:rPr lang="en-US" altLang="zh-CN" dirty="0" smtClean="0"/>
-              <a:t>20180916</a:t>
-            </a:r>
-            <a:endParaRPr lang="en-US" altLang="zh-CN" dirty="0" smtClean="0"/>
           </a:p>
         </p:txBody>
       </p:sp>
@@ -4270,7 +4212,14 @@
         <p:cNvGrpSpPr/>
         <p:nvPr/>
       </p:nvGrpSpPr>
-      <p:grpSpPr/>
+      <p:grpSpPr>
+        <a:xfrm>
+          <a:off x="0" y="0"/>
+          <a:ext cx="0" cy="0"/>
+          <a:chOff x="0" y="0"/>
+          <a:chExt cx="0" cy="0"/>
+        </a:xfrm>
+      </p:grpSpPr>
       <p:sp>
         <p:nvSpPr>
           <p:cNvPr id="2" name="标题 1"/>
@@ -4284,6 +4233,7 @@
         <p:spPr/>
         <p:txBody>
           <a:bodyPr/>
+          <a:lstStyle/>
           <a:p>
             <a:pPr algn="l"/>
             <a:r>
@@ -4294,11 +4244,6 @@
               </a:rPr>
               <a:t>监控流程简要</a:t>
             </a:r>
-            <a:endParaRPr lang="zh-CN" altLang="en-US" sz="2800">
-              <a:solidFill>
-                <a:srgbClr val="FCC83A"/>
-              </a:solidFill>
-            </a:endParaRPr>
           </a:p>
         </p:txBody>
       </p:sp>
@@ -4306,14 +4251,14 @@
         <p:nvPicPr>
           <p:cNvPr id="4" name="内容占位符 3"/>
           <p:cNvPicPr>
-            <a:picLocks noChangeAspect="1"/>
+            <a:picLocks noGrp="1" noChangeAspect="1"/>
           </p:cNvPicPr>
           <p:nvPr>
             <p:ph idx="1"/>
           </p:nvPr>
         </p:nvPicPr>
         <p:blipFill>
-          <a:blip r:embed="rId1"/>
+          <a:blip r:embed="rId2"/>
           <a:stretch>
             <a:fillRect/>
           </a:stretch>
@@ -4422,18 +4367,6 @@
               </a:rPr>
               <a:t>？</a:t>
             </a:r>
-            <a:endParaRPr lang="zh-CN" altLang="en-US" sz="2800">
-              <a:ln w="22225">
-                <a:solidFill>
-                  <a:schemeClr val="accent2"/>
-                </a:solidFill>
-                <a:prstDash val="solid"/>
-              </a:ln>
-              <a:solidFill>
-                <a:srgbClr val="FF0000"/>
-              </a:solidFill>
-              <a:effectLst/>
-            </a:endParaRPr>
           </a:p>
         </p:txBody>
       </p:sp>
@@ -4483,7 +4416,6 @@
               <a:rPr lang="zh-CN" altLang="en-US" sz="1000" b="1"/>
               <a:t>①专为时间序列数据编写的自定义高性能数据存储。TSM引擎允许高摄取速度和数据压缩</a:t>
             </a:r>
-            <a:endParaRPr lang="zh-CN" altLang="en-US" sz="1000" b="1"/>
           </a:p>
           <a:p>
             <a:pPr marL="0" indent="0">
@@ -4501,7 +4433,6 @@
               <a:rPr lang="en-US" altLang="zh-CN" sz="1000" b="1"/>
               <a:t>简单，高性能的写入和查询HTTP API</a:t>
             </a:r>
-            <a:endParaRPr lang="en-US" altLang="zh-CN" sz="1000" b="1"/>
           </a:p>
           <a:p>
             <a:pPr marL="0" indent="0">
@@ -4515,7 +4446,6 @@
               <a:rPr lang="zh-CN" altLang="en-US" sz="1000" b="1"/>
               <a:t>③插件支持其他数据提取协议，如Graphite，collectd和OpenTSDB。</a:t>
             </a:r>
-            <a:endParaRPr lang="zh-CN" altLang="en-US" sz="1000" b="1"/>
           </a:p>
           <a:p>
             <a:pPr marL="0" indent="0">
@@ -4525,7 +4455,6 @@
               <a:rPr lang="zh-CN" altLang="en-US" sz="1000" b="1"/>
               <a:t>                      ④标签允许对系列进行索引以实现快速有效的查询。</a:t>
             </a:r>
-            <a:endParaRPr lang="zh-CN" altLang="en-US" sz="1000" b="1"/>
           </a:p>
           <a:p>
             <a:pPr marL="0" indent="0">
@@ -4535,7 +4464,6 @@
               <a:rPr lang="zh-CN" altLang="en-US" sz="1000" b="1"/>
               <a:t>                      ⑤保留策略有效地自动使过时数据过期。</a:t>
             </a:r>
-            <a:endParaRPr lang="zh-CN" altLang="en-US" sz="1000" b="1"/>
           </a:p>
           <a:p>
             <a:pPr marL="0" indent="0">
@@ -4545,7 +4473,6 @@
               <a:rPr lang="zh-CN" altLang="en-US" sz="1000" b="1"/>
               <a:t>                      ⑥连续查询自动计算聚合数据，以提高频繁查询的效率。</a:t>
             </a:r>
-            <a:endParaRPr lang="zh-CN" altLang="en-US" sz="1000" b="1"/>
           </a:p>
         </p:txBody>
       </p:sp>
@@ -4635,12 +4562,6 @@
               </a:rPr>
               <a:t>？</a:t>
             </a:r>
-            <a:endParaRPr lang="zh-CN" altLang="en-US" sz="2800">
-              <a:solidFill>
-                <a:schemeClr val="accent4"/>
-              </a:solidFill>
-              <a:effectLst/>
-            </a:endParaRPr>
           </a:p>
         </p:txBody>
       </p:sp>
@@ -4665,7 +4586,6 @@
               <a:rPr lang="zh-CN" altLang="en-US" sz="1800" b="1" dirty="0"/>
               <a:t>适用于所有指标的分析平台</a:t>
             </a:r>
-            <a:endParaRPr lang="zh-CN" altLang="en-US" sz="1800" b="1" dirty="0"/>
           </a:p>
           <a:p>
             <a:pPr marL="0" indent="0">
@@ -4692,7 +4612,6 @@
               <a:rPr lang="zh-CN" altLang="en-US" sz="1600" dirty="0"/>
               <a:t>社区提问</a:t>
             </a:r>
-            <a:endParaRPr lang="zh-CN" altLang="en-US" sz="1600" dirty="0"/>
           </a:p>
           <a:p>
             <a:pPr marL="0" indent="0">
@@ -4702,7 +4621,6 @@
               <a:rPr lang="zh-CN" altLang="en-US" sz="1600" dirty="0"/>
               <a:t>  https://community.grafana.com/t/what-is-the-meaning-of-alert-query-a-10s-now/858</a:t>
             </a:r>
-            <a:endParaRPr lang="zh-CN" altLang="en-US" sz="1600" dirty="0"/>
           </a:p>
         </p:txBody>
       </p:sp>
@@ -4731,7 +4649,14 @@
         <p:cNvGrpSpPr/>
         <p:nvPr/>
       </p:nvGrpSpPr>
-      <p:grpSpPr/>
+      <p:grpSpPr>
+        <a:xfrm>
+          <a:off x="0" y="0"/>
+          <a:ext cx="0" cy="0"/>
+          <a:chOff x="0" y="0"/>
+          <a:chExt cx="0" cy="0"/>
+        </a:xfrm>
+      </p:grpSpPr>
       <p:sp>
         <p:nvSpPr>
           <p:cNvPr id="4" name="标题 3"/>
@@ -4745,6 +4670,7 @@
         <p:spPr/>
         <p:txBody>
           <a:bodyPr/>
+          <a:lstStyle/>
           <a:p>
             <a:pPr algn="l"/>
             <a:r>
@@ -4787,11 +4713,6 @@
               </a:rPr>
               <a:t>)</a:t>
             </a:r>
-            <a:endParaRPr lang="en-US" altLang="zh-CN" sz="2800">
-              <a:solidFill>
-                <a:srgbClr val="FCC83A"/>
-              </a:solidFill>
-            </a:endParaRPr>
           </a:p>
         </p:txBody>
       </p:sp>
@@ -4808,6 +4729,7 @@
         <p:spPr/>
         <p:txBody>
           <a:bodyPr/>
+          <a:lstStyle/>
           <a:p>
             <a:r>
               <a:rPr lang="zh-CN" altLang="en-US"/>
@@ -4821,7 +4743,6 @@
               <a:rPr lang="zh-CN" altLang="en-US"/>
               <a:t>时间</a:t>
             </a:r>
-            <a:endParaRPr lang="zh-CN" altLang="en-US"/>
           </a:p>
         </p:txBody>
       </p:sp>
@@ -4838,12 +4759,12 @@
         <p:spPr/>
         <p:txBody>
           <a:bodyPr/>
+          <a:lstStyle/>
           <a:p>
             <a:r>
               <a:rPr lang="zh-CN" altLang="en-US"/>
               <a:t>设置标题</a:t>
             </a:r>
-            <a:endParaRPr lang="zh-CN" altLang="en-US"/>
           </a:p>
         </p:txBody>
       </p:sp>
@@ -4851,14 +4772,14 @@
         <p:nvPicPr>
           <p:cNvPr id="11" name="内容占位符 10"/>
           <p:cNvPicPr>
-            <a:picLocks noChangeAspect="1"/>
+            <a:picLocks noGrp="1" noChangeAspect="1"/>
           </p:cNvPicPr>
           <p:nvPr>
             <p:ph sz="half" idx="2"/>
           </p:nvPr>
         </p:nvPicPr>
         <p:blipFill>
-          <a:blip r:embed="rId1"/>
+          <a:blip r:embed="rId2"/>
           <a:stretch>
             <a:fillRect/>
           </a:stretch>
@@ -4877,14 +4798,14 @@
         <p:nvPicPr>
           <p:cNvPr id="12" name="内容占位符 11"/>
           <p:cNvPicPr>
-            <a:picLocks noChangeAspect="1"/>
+            <a:picLocks noGrp="1" noChangeAspect="1"/>
           </p:cNvPicPr>
           <p:nvPr>
             <p:ph sz="quarter" idx="4"/>
           </p:nvPr>
         </p:nvPicPr>
         <p:blipFill>
-          <a:blip r:embed="rId2"/>
+          <a:blip r:embed="rId3"/>
           <a:stretch>
             <a:fillRect/>
           </a:stretch>
@@ -4917,7 +4838,14 @@
         <p:cNvGrpSpPr/>
         <p:nvPr/>
       </p:nvGrpSpPr>
-      <p:grpSpPr/>
+      <p:grpSpPr>
+        <a:xfrm>
+          <a:off x="0" y="0"/>
+          <a:ext cx="0" cy="0"/>
+          <a:chOff x="0" y="0"/>
+          <a:chExt cx="0" cy="0"/>
+        </a:xfrm>
+      </p:grpSpPr>
       <p:sp>
         <p:nvSpPr>
           <p:cNvPr id="4" name="标题 3"/>
@@ -4931,6 +4859,7 @@
         <p:spPr/>
         <p:txBody>
           <a:bodyPr/>
+          <a:lstStyle/>
           <a:p>
             <a:pPr algn="l"/>
             <a:r>
@@ -4941,11 +4870,6 @@
               </a:rPr>
               <a:t>设置指标和报警</a:t>
             </a:r>
-            <a:endParaRPr lang="zh-CN" altLang="en-US" sz="2800">
-              <a:solidFill>
-                <a:srgbClr val="FCC83A"/>
-              </a:solidFill>
-            </a:endParaRPr>
           </a:p>
         </p:txBody>
       </p:sp>
@@ -4962,6 +4886,7 @@
         <p:spPr/>
         <p:txBody>
           <a:bodyPr/>
+          <a:lstStyle/>
           <a:p>
             <a:r>
               <a:rPr lang="zh-CN" altLang="en-US"/>
@@ -4971,7 +4896,6 @@
               <a:rPr lang="en-US" altLang="zh-CN"/>
               <a:t>metrics</a:t>
             </a:r>
-            <a:endParaRPr lang="en-US" altLang="zh-CN"/>
           </a:p>
         </p:txBody>
       </p:sp>
@@ -4988,6 +4912,7 @@
         <p:spPr/>
         <p:txBody>
           <a:bodyPr/>
+          <a:lstStyle/>
           <a:p>
             <a:r>
               <a:rPr lang="zh-CN" altLang="en-US"/>
@@ -5001,7 +4926,6 @@
               <a:rPr lang="zh-CN" altLang="en-US"/>
               <a:t>时注意</a:t>
             </a:r>
-            <a:endParaRPr lang="zh-CN" altLang="en-US"/>
           </a:p>
         </p:txBody>
       </p:sp>
@@ -5009,14 +4933,14 @@
         <p:nvPicPr>
           <p:cNvPr id="9" name="内容占位符 8"/>
           <p:cNvPicPr>
-            <a:picLocks noChangeAspect="1"/>
+            <a:picLocks noGrp="1" noChangeAspect="1"/>
           </p:cNvPicPr>
           <p:nvPr>
             <p:ph sz="half" idx="2"/>
           </p:nvPr>
         </p:nvPicPr>
         <p:blipFill>
-          <a:blip r:embed="rId1"/>
+          <a:blip r:embed="rId2"/>
           <a:stretch>
             <a:fillRect/>
           </a:stretch>
@@ -5035,14 +4959,14 @@
         <p:nvPicPr>
           <p:cNvPr id="10" name="内容占位符 9"/>
           <p:cNvPicPr>
-            <a:picLocks noChangeAspect="1"/>
+            <a:picLocks noGrp="1" noChangeAspect="1"/>
           </p:cNvPicPr>
           <p:nvPr>
             <p:ph sz="quarter" idx="4"/>
           </p:nvPr>
         </p:nvPicPr>
         <p:blipFill>
-          <a:blip r:embed="rId2"/>
+          <a:blip r:embed="rId3"/>
           <a:stretch>
             <a:fillRect/>
           </a:stretch>
@@ -5075,7 +4999,14 @@
         <p:cNvGrpSpPr/>
         <p:nvPr/>
       </p:nvGrpSpPr>
-      <p:grpSpPr/>
+      <p:grpSpPr>
+        <a:xfrm>
+          <a:off x="0" y="0"/>
+          <a:ext cx="0" cy="0"/>
+          <a:chOff x="0" y="0"/>
+          <a:chExt cx="0" cy="0"/>
+        </a:xfrm>
+      </p:grpSpPr>
       <p:sp>
         <p:nvSpPr>
           <p:cNvPr id="4" name="标题 3"/>
@@ -5089,6 +5020,7 @@
         <p:spPr/>
         <p:txBody>
           <a:bodyPr/>
+          <a:lstStyle/>
           <a:p>
             <a:pPr algn="l"/>
             <a:r>
@@ -5115,11 +5047,6 @@
               </a:rPr>
               <a:t>栏</a:t>
             </a:r>
-            <a:endParaRPr lang="zh-CN" altLang="en-US" sz="2800">
-              <a:solidFill>
-                <a:srgbClr val="FCC83A"/>
-              </a:solidFill>
-            </a:endParaRPr>
           </a:p>
         </p:txBody>
       </p:sp>
@@ -5136,6 +5063,7 @@
         <p:spPr/>
         <p:txBody>
           <a:bodyPr/>
+          <a:lstStyle/>
           <a:p>
             <a:r>
               <a:rPr lang="zh-CN" altLang="en-US"/>
@@ -5149,7 +5077,6 @@
               <a:rPr lang="zh-CN" altLang="en-US"/>
               <a:t>）</a:t>
             </a:r>
-            <a:endParaRPr lang="zh-CN" altLang="en-US"/>
           </a:p>
         </p:txBody>
       </p:sp>
@@ -5166,6 +5093,7 @@
         <p:spPr/>
         <p:txBody>
           <a:bodyPr/>
+          <a:lstStyle/>
           <a:p>
             <a:r>
               <a:rPr lang="zh-CN" altLang="en-US">
@@ -5190,6 +5118,7 @@
         <p:spPr/>
         <p:txBody>
           <a:bodyPr/>
+          <a:lstStyle/>
           <a:p>
             <a:pPr marL="0" indent="0">
               <a:buNone/>
@@ -5198,14 +5127,15 @@
               <a:rPr lang="zh-CN" altLang="en-US" sz="1800"/>
               <a:t>要添加标记过滤器，请单击WHERE条件右侧的加号图标。您可以通过单击标记键删除标记过滤器并选择--remove tag filter--。</a:t>
             </a:r>
-            <a:endParaRPr lang="zh-CN" altLang="en-US" sz="1800"/>
           </a:p>
         </p:txBody>
       </p:sp>
       <p:sp>
         <p:nvSpPr>
           <p:cNvPr id="10" name="内容占位符 9"/>
-          <p:cNvSpPr/>
+          <p:cNvSpPr>
+            <a:spLocks noGrp="1"/>
+          </p:cNvSpPr>
           <p:nvPr>
             <p:ph sz="half" idx="2"/>
           </p:nvPr>
@@ -5213,12 +5143,12 @@
         <p:spPr/>
         <p:txBody>
           <a:bodyPr/>
+          <a:lstStyle/>
           <a:p>
             <a:r>
               <a:rPr lang="zh-CN" altLang="en-US" sz="1800"/>
               <a:t>您可以在Graph或Singlestat面板的编辑模式的metrics选项卡中找到InfluxDB编辑器。单击面板标题进入编辑模式，然后编辑。编辑器允许您选择指标和标签。</a:t>
             </a:r>
-            <a:endParaRPr lang="zh-CN" altLang="en-US" sz="1800"/>
           </a:p>
         </p:txBody>
       </p:sp>
@@ -5240,7 +5170,14 @@
         <p:cNvGrpSpPr/>
         <p:nvPr/>
       </p:nvGrpSpPr>
-      <p:grpSpPr/>
+      <p:grpSpPr>
+        <a:xfrm>
+          <a:off x="0" y="0"/>
+          <a:ext cx="0" cy="0"/>
+          <a:chOff x="0" y="0"/>
+          <a:chExt cx="0" cy="0"/>
+        </a:xfrm>
+      </p:grpSpPr>
       <p:sp>
         <p:nvSpPr>
           <p:cNvPr id="4" name="标题 3"/>
@@ -5256,6 +5193,7 @@
           <a:bodyPr>
             <a:normAutofit/>
           </a:bodyPr>
+          <a:lstStyle/>
           <a:p>
             <a:pPr algn="l"/>
             <a:r>
@@ -5282,11 +5220,6 @@
               </a:rPr>
               <a:t>栏</a:t>
             </a:r>
-            <a:endParaRPr lang="zh-CN" altLang="en-US" sz="2800">
-              <a:solidFill>
-                <a:srgbClr val="FCC83A"/>
-              </a:solidFill>
-            </a:endParaRPr>
           </a:p>
         </p:txBody>
       </p:sp>
@@ -5303,12 +5236,12 @@
         <p:spPr/>
         <p:txBody>
           <a:bodyPr/>
+          <a:lstStyle/>
           <a:p>
             <a:r>
               <a:rPr lang="zh-CN" altLang="en-US"/>
               <a:t>别名模式</a:t>
             </a:r>
-            <a:endParaRPr lang="zh-CN" altLang="en-US"/>
           </a:p>
         </p:txBody>
       </p:sp>
@@ -5325,42 +5258,38 @@
         <p:spPr/>
         <p:txBody>
           <a:bodyPr>
-            <a:normAutofit fontScale="60000"/>
+            <a:normAutofit fontScale="67500" lnSpcReduction="10000"/>
           </a:bodyPr>
+          <a:lstStyle/>
           <a:p>
             <a:r>
               <a:rPr lang="zh-CN" altLang="en-US"/>
               <a:t>$ m =替换为测量名称</a:t>
             </a:r>
-            <a:endParaRPr lang="zh-CN" altLang="en-US"/>
           </a:p>
           <a:p>
             <a:r>
               <a:rPr lang="zh-CN" altLang="en-US"/>
               <a:t>$ measurement =替换为测量名称</a:t>
             </a:r>
-            <a:endParaRPr lang="zh-CN" altLang="en-US"/>
           </a:p>
           <a:p>
             <a:r>
               <a:rPr lang="zh-CN" altLang="en-US"/>
               <a:t>$ col =替换为列名</a:t>
             </a:r>
-            <a:endParaRPr lang="zh-CN" altLang="en-US"/>
           </a:p>
           <a:p>
             <a:r>
               <a:rPr lang="zh-CN" altLang="en-US"/>
               <a:t>$ tag_exampletag =替换为exampletag标记的值。语法是$tag_yourTagName（必须以$tag_）开头。要在ALIAS BY字段中将标记用作别名，则必须使用标记在查询中进行分组。</a:t>
             </a:r>
-            <a:endParaRPr lang="zh-CN" altLang="en-US"/>
           </a:p>
           <a:p>
             <a:r>
               <a:rPr lang="zh-CN" altLang="en-US"/>
               <a:t>您还可以使用[[tag_hostname]]模式替换语法。例如，在使用此文本的ALIAS BY字段中，Host: [[tag_hostname]]将替换hostname每个图例值的标记值，示例图例值将为：Host: server1。</a:t>
             </a:r>
-            <a:endParaRPr lang="zh-CN" altLang="en-US"/>
           </a:p>
         </p:txBody>
       </p:sp>
@@ -5377,12 +5306,12 @@
         <p:spPr/>
         <p:txBody>
           <a:bodyPr/>
+          <a:lstStyle/>
           <a:p>
             <a:r>
               <a:rPr lang="zh-CN" altLang="en-US"/>
               <a:t>字段和聚合功能</a:t>
             </a:r>
-            <a:endParaRPr lang="zh-CN" altLang="en-US"/>
           </a:p>
         </p:txBody>
       </p:sp>
@@ -5399,12 +5328,12 @@
         <p:spPr/>
         <p:txBody>
           <a:bodyPr/>
+          <a:lstStyle/>
           <a:p>
             <a:r>
               <a:rPr lang="zh-CN" altLang="en-US" sz="1400"/>
               <a:t>在该SELECT行中，您可以指定要使用的字段和函数。如果您有一个按时间分组，则需要聚合功能。像衍生物这样的函数需要聚合函数。编辑器尝试简化和统一查询的这一部分。例如：</a:t>
             </a:r>
-            <a:endParaRPr lang="zh-CN" altLang="en-US" sz="1400"/>
           </a:p>
         </p:txBody>
       </p:sp>
@@ -5426,7 +5355,14 @@
         <p:cNvGrpSpPr/>
         <p:nvPr/>
       </p:nvGrpSpPr>
-      <p:grpSpPr/>
+      <p:grpSpPr>
+        <a:xfrm>
+          <a:off x="0" y="0"/>
+          <a:ext cx="0" cy="0"/>
+          <a:chOff x="0" y="0"/>
+          <a:chExt cx="0" cy="0"/>
+        </a:xfrm>
+      </p:grpSpPr>
       <p:sp>
         <p:nvSpPr>
           <p:cNvPr id="2" name="标题 1"/>
@@ -5440,6 +5376,7 @@
         <p:spPr/>
         <p:txBody>
           <a:bodyPr/>
+          <a:lstStyle/>
           <a:p>
             <a:pPr algn="l"/>
             <a:r>
@@ -5466,11 +5403,6 @@
               </a:rPr>
               <a:t>操作建议</a:t>
             </a:r>
-            <a:endParaRPr lang="zh-CN" altLang="en-US" sz="2800">
-              <a:solidFill>
-                <a:srgbClr val="FCC83A"/>
-              </a:solidFill>
-            </a:endParaRPr>
           </a:p>
         </p:txBody>
       </p:sp>
@@ -5487,19 +5419,18 @@
         <p:spPr/>
         <p:txBody>
           <a:bodyPr/>
+          <a:lstStyle/>
           <a:p>
             <a:r>
               <a:rPr lang="zh-CN" altLang="en-US" sz="1800"/>
               <a:t>多测试一些指标</a:t>
             </a:r>
-            <a:endParaRPr lang="zh-CN" altLang="en-US" sz="1800"/>
           </a:p>
           <a:p>
             <a:r>
               <a:rPr lang="zh-CN" altLang="en-US" sz="1800"/>
               <a:t>参照官网学习地址：https://play.grafana.org/d/000000012/grafana-play-home?orgId=1</a:t>
             </a:r>
-            <a:endParaRPr lang="zh-CN" altLang="en-US" sz="1800"/>
           </a:p>
         </p:txBody>
       </p:sp>
@@ -5582,18 +5513,9 @@
           <a:p>
             <a:r>
               <a:rPr lang="zh-CN" altLang="en-US" sz="1600" b="1" dirty="0">
-                <a:hlinkClick r:id="rId1"/>
+                <a:hlinkClick r:id="rId2"/>
               </a:rPr>
               <a:t>如何解决度量标准查询问题</a:t>
-            </a:r>
-            <a:endParaRPr lang="zh-CN" altLang="en-US" sz="1600" b="1" dirty="0"/>
-          </a:p>
-          <a:p>
-            <a:r>
-              <a:rPr lang="zh-CN" altLang="en-US" sz="1600" b="1" dirty="0">
-                <a:hlinkClick r:id="rId2"/>
-              </a:rPr>
-              <a:t>放大时为什么我的图表为空？</a:t>
             </a:r>
             <a:endParaRPr lang="zh-CN" altLang="en-US" sz="1600" b="1" dirty="0"/>
           </a:p>
@@ -5602,34 +5524,28 @@
               <a:rPr lang="zh-CN" altLang="en-US" sz="1600" b="1" dirty="0">
                 <a:hlinkClick r:id="rId3"/>
               </a:rPr>
-              <a:t>非常简单的图 </a:t>
-            </a:r>
-            <a:r>
-              <a:rPr lang="en-US" altLang="zh-CN" sz="1600" b="1" dirty="0">
-                <a:hlinkClick r:id="rId3"/>
-              </a:rPr>
-              <a:t>- </a:t>
-            </a:r>
-            <a:r>
-              <a:rPr lang="zh-CN" altLang="en-US" sz="1600" b="1" dirty="0">
-                <a:hlinkClick r:id="rId3"/>
-              </a:rPr>
-              <a:t>没有数据点</a:t>
+              <a:t>放大时为什么我的图表为空？</a:t>
             </a:r>
             <a:endParaRPr lang="zh-CN" altLang="en-US" sz="1600" b="1" dirty="0"/>
           </a:p>
           <a:p>
-            <a:r>
-              <a:rPr lang="en-US" altLang="zh-CN" sz="1600" b="1" dirty="0" err="1">
-                <a:hlinkClick r:id="rId4"/>
-              </a:rPr>
-              <a:t>Grafana</a:t>
-            </a:r>
             <a:r>
               <a:rPr lang="zh-CN" altLang="en-US" sz="1600" b="1" dirty="0">
                 <a:hlinkClick r:id="rId4"/>
               </a:rPr>
-              <a:t>查询下拉菜单没有所有指标</a:t>
+              <a:t>非常简单的图 </a:t>
+            </a:r>
+            <a:r>
+              <a:rPr lang="en-US" altLang="zh-CN" sz="1600" b="1" dirty="0">
+                <a:hlinkClick r:id="rId4"/>
+              </a:rPr>
+              <a:t>- </a:t>
+            </a:r>
+            <a:r>
+              <a:rPr lang="zh-CN" altLang="en-US" sz="1600" b="1" dirty="0">
+                <a:hlinkClick r:id="rId4"/>
+              </a:rPr>
+              <a:t>没有数据点</a:t>
             </a:r>
             <a:endParaRPr lang="zh-CN" altLang="en-US" sz="1600" b="1" dirty="0"/>
           </a:p>
@@ -5644,28 +5560,22 @@
               <a:rPr lang="zh-CN" altLang="en-US" sz="1600" b="1" dirty="0">
                 <a:hlinkClick r:id="rId5"/>
               </a:rPr>
-              <a:t>是否将数据存储到磁盘？</a:t>
+              <a:t>查询下拉菜单没有所有指标</a:t>
             </a:r>
             <a:endParaRPr lang="zh-CN" altLang="en-US" sz="1600" b="1" dirty="0"/>
           </a:p>
           <a:p>
+            <a:r>
+              <a:rPr lang="en-US" altLang="zh-CN" sz="1600" b="1" dirty="0" err="1">
+                <a:hlinkClick r:id="rId6"/>
+              </a:rPr>
+              <a:t>Grafana</a:t>
+            </a:r>
             <a:r>
               <a:rPr lang="zh-CN" altLang="en-US" sz="1600" b="1" dirty="0">
                 <a:hlinkClick r:id="rId6"/>
               </a:rPr>
-              <a:t>警报 </a:t>
-            </a:r>
-            <a:r>
-              <a:rPr lang="en-US" altLang="zh-CN" sz="1600" b="1" dirty="0">
-                <a:hlinkClick r:id="rId6"/>
-              </a:rPr>
-              <a:t>- </a:t>
-            </a:r>
-            <a:r>
-              <a:rPr lang="zh-CN" altLang="en-US" sz="1600" b="1" dirty="0">
-                <a:hlinkClick r:id="rId6"/>
-              </a:rPr>
-              <a:t>没有数据</a:t>
+              <a:t>是否将数据存储到磁盘？</a:t>
             </a:r>
             <a:endParaRPr lang="zh-CN" altLang="en-US" sz="1600" b="1" dirty="0"/>
           </a:p>
@@ -5674,56 +5584,44 @@
               <a:rPr lang="zh-CN" altLang="en-US" sz="1600" b="1" dirty="0">
                 <a:hlinkClick r:id="rId7"/>
               </a:rPr>
-              <a:t>警报名称（邮件主题）参数</a:t>
-            </a:r>
-            <a:r>
-              <a:rPr lang="zh-CN" altLang="en-US" sz="1600" b="1" dirty="0" smtClean="0">
+              <a:t>警报 </a:t>
+            </a:r>
+            <a:r>
+              <a:rPr lang="en-US" altLang="zh-CN" sz="1600" b="1" dirty="0">
                 <a:hlinkClick r:id="rId7"/>
               </a:rPr>
-              <a:t>化</a:t>
-            </a:r>
-            <a:endParaRPr lang="en-US" altLang="zh-CN" sz="1600" b="1" dirty="0" smtClean="0"/>
-          </a:p>
-          <a:p>
-            <a:r>
-              <a:rPr lang="en-US" altLang="zh-CN" sz="1600" b="1" dirty="0">
-                <a:hlinkClick r:id="rId8"/>
+              <a:t>- </a:t>
+            </a:r>
+            <a:r>
+              <a:rPr lang="zh-CN" altLang="en-US" sz="1600" b="1" dirty="0">
+                <a:hlinkClick r:id="rId7"/>
               </a:rPr>
-              <a:t>[</a:t>
-            </a:r>
-            <a:r>
-              <a:rPr lang="en-US" altLang="zh-CN" sz="1600" b="1" dirty="0" err="1">
-                <a:hlinkClick r:id="rId8"/>
-              </a:rPr>
-              <a:t>Grafana</a:t>
-            </a:r>
-            <a:r>
-              <a:rPr lang="en-US" altLang="zh-CN" sz="1600" b="1" dirty="0">
-                <a:hlinkClick r:id="rId8"/>
-              </a:rPr>
-              <a:t>] [</a:t>
-            </a:r>
-            <a:r>
-              <a:rPr lang="en-US" altLang="zh-CN" sz="1600" b="1" dirty="0" err="1">
-                <a:hlinkClick r:id="rId8"/>
-              </a:rPr>
-              <a:t>InfluxDB</a:t>
-            </a:r>
-            <a:r>
-              <a:rPr lang="en-US" altLang="zh-CN" sz="1600" b="1" dirty="0">
-                <a:hlinkClick r:id="rId8"/>
-              </a:rPr>
-              <a:t>]</a:t>
-            </a:r>
+              <a:t>没有数据</a:t>
+            </a:r>
+            <a:endParaRPr lang="zh-CN" altLang="en-US" sz="1600" b="1" dirty="0"/>
+          </a:p>
+          <a:p>
             <a:r>
               <a:rPr lang="zh-CN" altLang="en-US" sz="1600" b="1" dirty="0">
                 <a:hlinkClick r:id="rId8"/>
               </a:rPr>
-              <a:t>上周与时间范围过滤器的差异结果集</a:t>
-            </a:r>
-            <a:endParaRPr lang="zh-CN" altLang="en-US" sz="1600" b="1" dirty="0"/>
-          </a:p>
-          <a:p>
+              <a:t>警报名称（邮件主题）参数</a:t>
+            </a:r>
+            <a:r>
+              <a:rPr lang="zh-CN" altLang="en-US" sz="1600" b="1" dirty="0" smtClean="0">
+                <a:hlinkClick r:id="rId8"/>
+              </a:rPr>
+              <a:t>化</a:t>
+            </a:r>
+            <a:endParaRPr lang="en-US" altLang="zh-CN" sz="1600" b="1" dirty="0" smtClean="0"/>
+          </a:p>
+          <a:p>
+            <a:r>
+              <a:rPr lang="en-US" altLang="zh-CN" sz="1600" b="1" dirty="0">
+                <a:hlinkClick r:id="rId9"/>
+              </a:rPr>
+              <a:t>[</a:t>
+            </a:r>
             <a:r>
               <a:rPr lang="en-US" altLang="zh-CN" sz="1600" b="1" dirty="0" err="1">
                 <a:hlinkClick r:id="rId9"/>
@@ -5734,17 +5632,50 @@
               <a:rPr lang="en-US" altLang="zh-CN" sz="1600" b="1" dirty="0">
                 <a:hlinkClick r:id="rId9"/>
               </a:rPr>
-              <a:t> - </a:t>
+              <a:t>] [</a:t>
+            </a:r>
+            <a:r>
+              <a:rPr lang="en-US" altLang="zh-CN" sz="1600" b="1" dirty="0" err="1">
+                <a:hlinkClick r:id="rId9"/>
+              </a:rPr>
+              <a:t>InfluxDB</a:t>
+            </a:r>
+            <a:r>
+              <a:rPr lang="en-US" altLang="zh-CN" sz="1600" b="1" dirty="0">
+                <a:hlinkClick r:id="rId9"/>
+              </a:rPr>
+              <a:t>]</a:t>
             </a:r>
             <a:r>
               <a:rPr lang="zh-CN" altLang="en-US" sz="1600" b="1" dirty="0">
                 <a:hlinkClick r:id="rId9"/>
               </a:rPr>
+              <a:t>上周与时间范围过滤器的差异结果集</a:t>
+            </a:r>
+            <a:endParaRPr lang="zh-CN" altLang="en-US" sz="1600" b="1" dirty="0"/>
+          </a:p>
+          <a:p>
+            <a:r>
+              <a:rPr lang="en-US" altLang="zh-CN" sz="1600" b="1" dirty="0" err="1">
+                <a:hlinkClick r:id="rId10"/>
+              </a:rPr>
+              <a:t>Grafana</a:t>
+            </a:r>
+            <a:r>
+              <a:rPr lang="en-US" altLang="zh-CN" sz="1600" b="1" dirty="0">
+                <a:hlinkClick r:id="rId10"/>
+              </a:rPr>
+              <a:t> - </a:t>
+            </a:r>
+            <a:r>
+              <a:rPr lang="zh-CN" altLang="en-US" sz="1600" b="1" dirty="0">
+                <a:hlinkClick r:id="rId10"/>
+              </a:rPr>
               <a:t>多维分析</a:t>
             </a:r>
             <a:r>
               <a:rPr lang="zh-CN" altLang="en-US" sz="1600" b="1" dirty="0" smtClean="0">
-                <a:hlinkClick r:id="rId9"/>
+                <a:hlinkClick r:id="rId10"/>
               </a:rPr>
               <a:t>？</a:t>
             </a:r>
@@ -5753,7 +5684,7 @@
           <a:p>
             <a:r>
               <a:rPr lang="zh-CN" altLang="en-US" sz="1600" b="1" dirty="0">
-                <a:hlinkClick r:id="rId10"/>
+                <a:hlinkClick r:id="rId11"/>
               </a:rPr>
               <a:t>限制某些面板的时间范围</a:t>
             </a:r>
@@ -5865,14 +5796,6 @@
               </a:rPr>
               <a:t>吗？</a:t>
             </a:r>
-            <a:endParaRPr lang="zh-CN" altLang="en-US" sz="2900" dirty="0">
-              <a:solidFill>
-                <a:srgbClr val="F08C00"/>
-              </a:solidFill>
-              <a:latin typeface="+mj-lt"/>
-              <a:ea typeface="+mj-ea"/>
-              <a:cs typeface="+mj-cs"/>
-            </a:endParaRPr>
           </a:p>
         </p:txBody>
       </p:sp>
@@ -5905,7 +5828,6 @@
               <a:rPr lang="zh-CN" altLang="en-US" dirty="0"/>
               <a:t>Spring Boot Actutaur + Telegraf + InFluxDB + Grafana</a:t>
             </a:r>
-            <a:endParaRPr lang="zh-CN" altLang="en-US" dirty="0"/>
           </a:p>
           <a:p>
             <a:pPr marL="342900" indent="-342900"/>
@@ -5920,7 +5842,6 @@
               <a:rPr lang="zh-CN" altLang="en-US" sz="1200" dirty="0"/>
               <a:t>Telegraf：它负责收集我们通过配置文件传递的所有数据，Telegraf收集我们配置的输出结果，例如CPU / RAM / LOAD或Nginx，MariaDB等服务。</a:t>
             </a:r>
-            <a:endParaRPr lang="zh-CN" altLang="en-US" sz="1200" dirty="0"/>
           </a:p>
           <a:p>
             <a:pPr marL="342900" indent="-342900">
@@ -5931,7 +5852,6 @@
               <a:rPr lang="zh-CN" altLang="en-US" sz="1200" dirty="0"/>
               <a:t>InfluxDB：这是Telegraf发送所有这些信息的地方，InfluxDB专门设计用于高效存储大量信息，此外，可以定义信息保留期以防万一出现性能问题</a:t>
             </a:r>
-            <a:endParaRPr lang="zh-CN" altLang="en-US" sz="1200" dirty="0"/>
           </a:p>
           <a:p>
             <a:pPr marL="342900" indent="-342900">
@@ -5942,7 +5862,6 @@
               <a:rPr lang="zh-CN" altLang="en-US" sz="1200" dirty="0"/>
               <a:t>Grafana：它是仪表板，负责显示InfluxDB存储在数据库中的所有信息</a:t>
             </a:r>
-            <a:endParaRPr lang="zh-CN" altLang="en-US" sz="1200" dirty="0"/>
           </a:p>
           <a:p>
             <a:pPr marL="342900" indent="-342900">
@@ -5985,7 +5904,14 @@
         <p:cNvGrpSpPr/>
         <p:nvPr/>
       </p:nvGrpSpPr>
-      <p:grpSpPr/>
+      <p:grpSpPr>
+        <a:xfrm>
+          <a:off x="0" y="0"/>
+          <a:ext cx="0" cy="0"/>
+          <a:chOff x="0" y="0"/>
+          <a:chExt cx="0" cy="0"/>
+        </a:xfrm>
+      </p:grpSpPr>
       <p:sp>
         <p:nvSpPr>
           <p:cNvPr id="2" name="标题 1"/>
@@ -5999,17 +5925,26 @@
         <p:spPr/>
         <p:txBody>
           <a:bodyPr/>
+          <a:lstStyle/>
           <a:p>
             <a:pPr algn="l"/>
             <a:r>
-              <a:rPr lang="zh-CN" altLang="en-US" sz="2800">
+              <a:rPr lang="zh-CN" altLang="en-US" sz="2800" dirty="0">
                 <a:solidFill>
                   <a:srgbClr val="FCC83A"/>
                 </a:solidFill>
               </a:rPr>
-              <a:t>分享目的</a:t>
-            </a:r>
-            <a:endParaRPr lang="zh-CN" altLang="en-US" sz="2800">
+              <a:t>学习</a:t>
+            </a:r>
+            <a:r>
+              <a:rPr lang="zh-CN" altLang="en-US" sz="2800" dirty="0" smtClean="0">
+                <a:solidFill>
+                  <a:srgbClr val="FCC83A"/>
+                </a:solidFill>
+              </a:rPr>
+              <a:t>目的</a:t>
+            </a:r>
+            <a:endParaRPr lang="zh-CN" altLang="en-US" sz="2800" dirty="0">
               <a:solidFill>
                 <a:srgbClr val="FCC83A"/>
               </a:solidFill>
@@ -6030,91 +5965,116 @@
         <p:spPr/>
         <p:txBody>
           <a:bodyPr/>
-          <a:p>
-            <a:r>
-              <a:rPr lang="zh-CN" altLang="en-US" sz="1800"/>
+          <a:lstStyle/>
+          <a:p>
+            <a:r>
+              <a:rPr lang="zh-CN" altLang="en-US" sz="1800" dirty="0"/>
               <a:t>什么是</a:t>
             </a:r>
             <a:r>
-              <a:rPr lang="en-US" altLang="zh-CN" sz="1800"/>
+              <a:rPr lang="en-US" altLang="zh-CN" sz="1800" dirty="0"/>
               <a:t>Hadoop</a:t>
             </a:r>
             <a:r>
-              <a:rPr lang="zh-CN" altLang="en-US" sz="1800"/>
+              <a:rPr lang="zh-CN" altLang="en-US" sz="1800" dirty="0"/>
               <a:t>，为什么</a:t>
             </a:r>
             <a:r>
-              <a:rPr lang="en-US" altLang="zh-CN" sz="1800"/>
+              <a:rPr lang="en-US" altLang="zh-CN" sz="1800" dirty="0" err="1"/>
               <a:t>Hbase</a:t>
             </a:r>
             <a:r>
-              <a:rPr lang="zh-CN" altLang="en-US" sz="1800"/>
+              <a:rPr lang="zh-CN" altLang="en-US" sz="1800" dirty="0"/>
               <a:t>需要</a:t>
             </a:r>
             <a:r>
-              <a:rPr lang="en-US" altLang="zh-CN" sz="1800"/>
+              <a:rPr lang="en-US" altLang="zh-CN" sz="1800" dirty="0"/>
               <a:t>Hadoop</a:t>
             </a:r>
             <a:r>
-              <a:rPr lang="zh-CN" altLang="en-US" sz="1800"/>
+              <a:rPr lang="zh-CN" altLang="en-US" sz="1800" dirty="0"/>
               <a:t>环境支持</a:t>
             </a:r>
-            <a:endParaRPr lang="zh-CN" altLang="en-US" sz="1800"/>
-          </a:p>
-          <a:p>
-            <a:r>
-              <a:rPr lang="en-US" altLang="zh-CN" sz="1800"/>
+          </a:p>
+          <a:p>
+            <a:r>
+              <a:rPr lang="en-US" altLang="zh-CN" sz="1800" dirty="0" err="1"/>
               <a:t>Hbase</a:t>
             </a:r>
             <a:r>
-              <a:rPr lang="zh-CN" altLang="en-US" sz="1800"/>
-              <a:t>整体结构图，以及各结构起的相应作用</a:t>
-            </a:r>
-            <a:endParaRPr lang="zh-CN" altLang="en-US" sz="1800"/>
-          </a:p>
-          <a:p>
-            <a:r>
-              <a:rPr lang="en-US" altLang="zh-CN" sz="1800"/>
+              <a:rPr lang="zh-CN" altLang="en-US" sz="1800" dirty="0"/>
+              <a:t>整体结构图，以及各结构起的相应</a:t>
+            </a:r>
+            <a:r>
+              <a:rPr lang="zh-CN" altLang="en-US" sz="1800" dirty="0" smtClean="0"/>
+              <a:t>作用</a:t>
+            </a:r>
+            <a:endParaRPr lang="en-US" altLang="zh-CN" sz="1800" dirty="0" smtClean="0"/>
+          </a:p>
+          <a:p>
+            <a:r>
+              <a:rPr lang="zh-CN" altLang="en-US" sz="1800" dirty="0" smtClean="0"/>
+              <a:t>为什么</a:t>
+            </a:r>
+            <a:r>
+              <a:rPr lang="en-US" altLang="zh-CN" sz="1800" dirty="0" err="1" smtClean="0"/>
               <a:t>Hbase</a:t>
             </a:r>
             <a:r>
-              <a:rPr lang="zh-CN" altLang="en-US" sz="1800"/>
+              <a:rPr lang="zh-CN" altLang="en-US" sz="1800" dirty="0" smtClean="0"/>
+              <a:t>需要</a:t>
+            </a:r>
+            <a:r>
+              <a:rPr lang="en-US" altLang="zh-CN" sz="1800" dirty="0" smtClean="0"/>
+              <a:t>zookeeper</a:t>
+            </a:r>
+            <a:r>
+              <a:rPr lang="zh-CN" altLang="en-US" sz="1800" dirty="0" smtClean="0"/>
+              <a:t>做分布式协调处理</a:t>
+            </a:r>
+            <a:endParaRPr lang="zh-CN" altLang="en-US" sz="1800" dirty="0"/>
+          </a:p>
+          <a:p>
+            <a:r>
+              <a:rPr lang="en-US" altLang="zh-CN" sz="1800" dirty="0" err="1"/>
+              <a:t>Hbase</a:t>
+            </a:r>
+            <a:r>
+              <a:rPr lang="zh-CN" altLang="en-US" sz="1800" dirty="0"/>
               <a:t>常用的客户端命令，介绍</a:t>
             </a:r>
             <a:r>
-              <a:rPr lang="en-US" altLang="zh-CN" sz="1800"/>
+              <a:rPr lang="en-US" altLang="zh-CN" sz="1800" dirty="0" err="1"/>
               <a:t>SpringData</a:t>
             </a:r>
             <a:r>
-              <a:rPr lang="zh-CN" altLang="en-US" sz="1800"/>
+              <a:rPr lang="zh-CN" altLang="en-US" sz="1800" dirty="0"/>
               <a:t>中使用</a:t>
             </a:r>
             <a:r>
-              <a:rPr lang="en-US" altLang="zh-CN" sz="1800"/>
+              <a:rPr lang="en-US" altLang="zh-CN" sz="1800" dirty="0" err="1"/>
               <a:t>HbaseTemplate</a:t>
             </a:r>
-            <a:endParaRPr lang="en-US" altLang="zh-CN" sz="1800"/>
-          </a:p>
-          <a:p>
-            <a:r>
-              <a:rPr lang="en-US" altLang="zh-CN" sz="1800"/>
+            <a:endParaRPr lang="en-US" altLang="zh-CN" sz="1800" dirty="0"/>
+          </a:p>
+          <a:p>
+            <a:r>
+              <a:rPr lang="en-US" altLang="zh-CN" sz="1800" dirty="0" err="1"/>
               <a:t>Hbase</a:t>
             </a:r>
             <a:r>
-              <a:rPr lang="zh-CN" altLang="en-US" sz="1800"/>
+              <a:rPr lang="zh-CN" altLang="en-US" sz="1800" dirty="0"/>
               <a:t>应用场景介绍</a:t>
             </a:r>
-            <a:endParaRPr lang="zh-CN" altLang="en-US" sz="1800"/>
-          </a:p>
-          <a:p>
-            <a:r>
-              <a:rPr lang="zh-CN" altLang="en-US" sz="1800"/>
+          </a:p>
+          <a:p>
+            <a:r>
+              <a:rPr lang="zh-CN" altLang="en-US" sz="1800" dirty="0"/>
               <a:t>大数据行业前景</a:t>
             </a:r>
-            <a:endParaRPr lang="zh-CN" altLang="en-US" sz="1800"/>
-          </a:p>
-          <a:p>
-            <a:endParaRPr lang="zh-CN" altLang="en-US" sz="1800"/>
+          </a:p>
+          <a:p>
+            <a:endParaRPr lang="zh-CN" altLang="en-US" sz="1800" dirty="0"/>
           </a:p>
         </p:txBody>
       </p:sp>
@@ -6187,7 +6147,6 @@
               <a:rPr lang="zh-CN" altLang="en-US"/>
               <a:t>想了解，可以私下交流</a:t>
             </a:r>
-            <a:endParaRPr lang="zh-CN" altLang="en-US"/>
           </a:p>
         </p:txBody>
       </p:sp>
@@ -6200,7 +6159,7 @@
           <p:nvPr/>
         </p:nvPicPr>
         <p:blipFill>
-          <a:blip r:embed="rId1"/>
+          <a:blip r:embed="rId2"/>
           <a:stretch>
             <a:fillRect/>
           </a:stretch>
@@ -6224,7 +6183,7 @@
           <p:nvPr/>
         </p:nvPicPr>
         <p:blipFill>
-          <a:blip r:embed="rId2"/>
+          <a:blip r:embed="rId3"/>
           <a:stretch>
             <a:fillRect/>
           </a:stretch>
@@ -6300,11 +6259,6 @@
               </a:rPr>
               <a:t>谢谢观赏</a:t>
             </a:r>
-            <a:endParaRPr lang="zh-CN" altLang="en-US">
-              <a:solidFill>
-                <a:srgbClr val="FFC000"/>
-              </a:solidFill>
-            </a:endParaRPr>
           </a:p>
         </p:txBody>
       </p:sp>
@@ -6472,7 +6426,6 @@
               <a:rPr lang="zh-CN" altLang="en-US" sz="800" dirty="0"/>
               <a:t>Hadoop框架透明地为应用提供可靠性和数据移动。它实现了名为MapReduce的编程范式：应用程序被分区成许多小部分，而每个部分都能在集群中的任意节点上运行或重新运行。此外，Hadoop还提供了分布式文件系统，用以存储所有计算节点的数据，这为整个集群带来了非常高的带宽。MapReduce和分布式文件系统的设计，使得整个框架能够自动处理节点故障。它使应用程序与成千上万的独立计算的计算机和PB级的数据连接起来。现在普遍认为整个Apache Hadoop“平台”包括Hadoop内核、MapReduce、Hadoop分布式文件系统（HDFS）以及一些相关项目，有Apache Hive和Apache HBase等等。</a:t>
             </a:r>
-            <a:endParaRPr lang="zh-CN" altLang="en-US" sz="800" dirty="0"/>
           </a:p>
         </p:txBody>
       </p:sp>
@@ -6515,13 +6468,13 @@
         </p:style>
         <p:txBody>
           <a:bodyPr rtlCol="0" anchor="ctr"/>
+          <a:lstStyle/>
           <a:p>
             <a:pPr algn="ctr"/>
             <a:r>
               <a:rPr lang="en-US" altLang="zh-CN"/>
               <a:t>MapReduce</a:t>
             </a:r>
-            <a:endParaRPr lang="en-US" altLang="zh-CN"/>
           </a:p>
           <a:p>
             <a:pPr algn="ctr"/>
@@ -6529,7 +6482,6 @@
               <a:rPr lang="zh-CN" altLang="en-US"/>
               <a:t>分布式计算框架</a:t>
             </a:r>
-            <a:endParaRPr lang="zh-CN" altLang="en-US"/>
           </a:p>
         </p:txBody>
       </p:sp>
@@ -6569,13 +6521,13 @@
         </p:style>
         <p:txBody>
           <a:bodyPr rtlCol="0" anchor="ctr"/>
+          <a:lstStyle/>
           <a:p>
             <a:pPr algn="ctr"/>
             <a:r>
               <a:rPr lang="en-US" altLang="zh-CN"/>
               <a:t>Hbase</a:t>
             </a:r>
-            <a:endParaRPr lang="en-US" altLang="zh-CN"/>
           </a:p>
           <a:p>
             <a:pPr algn="ctr"/>
@@ -6583,7 +6535,6 @@
               <a:rPr lang="zh-CN" altLang="en-US"/>
               <a:t>面向列式持久化数据库</a:t>
             </a:r>
-            <a:endParaRPr lang="zh-CN" altLang="en-US"/>
           </a:p>
         </p:txBody>
       </p:sp>
@@ -6623,13 +6574,13 @@
         </p:style>
         <p:txBody>
           <a:bodyPr rtlCol="0" anchor="ctr"/>
+          <a:lstStyle/>
           <a:p>
             <a:pPr algn="ctr"/>
             <a:r>
               <a:rPr lang="en-US" altLang="zh-CN"/>
               <a:t>HDFS</a:t>
             </a:r>
-            <a:endParaRPr lang="en-US" altLang="zh-CN"/>
           </a:p>
           <a:p>
             <a:pPr algn="ctr"/>
@@ -6637,7 +6588,6 @@
               <a:rPr lang="zh-CN" altLang="en-US"/>
               <a:t>分布式文件系统</a:t>
             </a:r>
-            <a:endParaRPr lang="zh-CN" altLang="en-US"/>
           </a:p>
         </p:txBody>
       </p:sp>
@@ -6677,13 +6627,13 @@
         </p:style>
         <p:txBody>
           <a:bodyPr rtlCol="0" anchor="ctr"/>
+          <a:lstStyle/>
           <a:p>
             <a:pPr algn="ctr"/>
             <a:r>
               <a:rPr lang="en-US" altLang="zh-CN"/>
               <a:t>Zookeeper</a:t>
             </a:r>
-            <a:endParaRPr lang="en-US" altLang="zh-CN"/>
           </a:p>
           <a:p>
             <a:pPr algn="ctr"/>
@@ -6691,7 +6641,6 @@
               <a:rPr lang="zh-CN" altLang="en-US"/>
               <a:t>分布式协作服务</a:t>
             </a:r>
-            <a:endParaRPr lang="zh-CN" altLang="en-US"/>
           </a:p>
         </p:txBody>
       </p:sp>
@@ -6733,13 +6682,13 @@
         </p:style>
         <p:txBody>
           <a:bodyPr rtlCol="0" anchor="ctr"/>
+          <a:lstStyle/>
           <a:p>
             <a:pPr algn="ctr"/>
             <a:r>
               <a:rPr lang="en-US" altLang="zh-CN"/>
               <a:t>Avro</a:t>
             </a:r>
-            <a:endParaRPr lang="en-US" altLang="zh-CN"/>
           </a:p>
           <a:p>
             <a:pPr algn="ctr"/>
@@ -6747,7 +6696,6 @@
               <a:rPr lang="en-US" altLang="zh-CN"/>
               <a:t>(Serilization)</a:t>
             </a:r>
-            <a:endParaRPr lang="en-US" altLang="zh-CN"/>
           </a:p>
         </p:txBody>
       </p:sp>
@@ -6790,6 +6738,7 @@
         </p:style>
         <p:txBody>
           <a:bodyPr rtlCol="0" anchor="ctr"/>
+          <a:lstStyle/>
           <a:p>
             <a:pPr algn="ctr"/>
             <a:r>
@@ -6808,7 +6757,6 @@
               <a:rPr lang="en-US" altLang="zh-CN"/>
               <a:t>)</a:t>
             </a:r>
-            <a:endParaRPr lang="en-US" altLang="zh-CN"/>
           </a:p>
         </p:txBody>
       </p:sp>
@@ -6851,13 +6799,13 @@
         </p:style>
         <p:txBody>
           <a:bodyPr rtlCol="0" anchor="ctr"/>
+          <a:lstStyle/>
           <a:p>
             <a:pPr algn="ctr"/>
             <a:r>
               <a:rPr lang="en-US" altLang="zh-CN"/>
               <a:t>Hive(sql)</a:t>
             </a:r>
-            <a:endParaRPr lang="en-US" altLang="zh-CN"/>
           </a:p>
         </p:txBody>
       </p:sp>
@@ -6899,6 +6847,7 @@
         </p:style>
         <p:txBody>
           <a:bodyPr rtlCol="0" anchor="ctr"/>
+          <a:lstStyle/>
           <a:p>
             <a:pPr algn="ctr"/>
             <a:r>
@@ -6917,7 +6866,6 @@
               <a:rPr lang="en-US" altLang="zh-CN" sz="900"/>
               <a:t>)</a:t>
             </a:r>
-            <a:endParaRPr lang="en-US" altLang="zh-CN" sz="900"/>
           </a:p>
         </p:txBody>
       </p:sp>
@@ -6941,6 +6889,7 @@
           <a:bodyPr wrap="square" rtlCol="0">
             <a:spAutoFit/>
           </a:bodyPr>
+          <a:lstStyle/>
           <a:p>
             <a:r>
               <a:rPr lang="en-US" altLang="zh-CN"/>
@@ -6958,7 +6907,6 @@
               <a:rPr lang="zh-CN" altLang="en-US"/>
               <a:t>生态圈中的位置</a:t>
             </a:r>
-            <a:endParaRPr lang="zh-CN" altLang="en-US"/>
           </a:p>
         </p:txBody>
       </p:sp>
@@ -6987,7 +6935,14 @@
         <p:cNvGrpSpPr/>
         <p:nvPr/>
       </p:nvGrpSpPr>
-      <p:grpSpPr/>
+      <p:grpSpPr>
+        <a:xfrm>
+          <a:off x="0" y="0"/>
+          <a:ext cx="0" cy="0"/>
+          <a:chOff x="0" y="0"/>
+          <a:chExt cx="0" cy="0"/>
+        </a:xfrm>
+      </p:grpSpPr>
       <p:sp>
         <p:nvSpPr>
           <p:cNvPr id="2" name="标题 1"/>
@@ -7003,6 +6958,7 @@
           <a:bodyPr>
             <a:normAutofit/>
           </a:bodyPr>
+          <a:lstStyle/>
           <a:p>
             <a:pPr algn="l"/>
             <a:r>
@@ -7050,12 +7006,6 @@
               </a:rPr>
               <a:t>环境支持</a:t>
             </a:r>
-            <a:endParaRPr lang="zh-CN" altLang="en-US" sz="2800">
-              <a:solidFill>
-                <a:srgbClr val="FFC000"/>
-              </a:solidFill>
-              <a:sym typeface="+mn-ea"/>
-            </a:endParaRPr>
           </a:p>
         </p:txBody>
       </p:sp>
@@ -7077,6 +7027,7 @@
         </p:spPr>
         <p:txBody>
           <a:bodyPr/>
+          <a:lstStyle/>
           <a:p>
             <a:endParaRPr lang="zh-CN" altLang="en-US" dirty="0"/>
           </a:p>
@@ -7116,6 +7067,7 @@
         </p:style>
         <p:txBody>
           <a:bodyPr rtlCol="0" anchor="ctr"/>
+          <a:lstStyle/>
           <a:p>
             <a:pPr algn="ctr"/>
             <a:endParaRPr lang="zh-CN" altLang="en-US"/>
@@ -7158,6 +7110,7 @@
         </p:style>
         <p:txBody>
           <a:bodyPr rtlCol="0" anchor="ctr"/>
+          <a:lstStyle/>
           <a:p>
             <a:pPr algn="ctr"/>
             <a:endParaRPr lang="zh-CN" altLang="en-US"/>
@@ -7184,12 +7137,12 @@
           <a:bodyPr wrap="square" rtlCol="0">
             <a:spAutoFit/>
           </a:bodyPr>
+          <a:lstStyle/>
           <a:p>
             <a:r>
               <a:rPr lang="en-US" altLang="zh-CN"/>
               <a:t>API</a:t>
             </a:r>
-            <a:endParaRPr lang="en-US" altLang="zh-CN"/>
           </a:p>
         </p:txBody>
       </p:sp>
@@ -7226,6 +7179,7 @@
         </p:style>
         <p:txBody>
           <a:bodyPr rtlCol="0" anchor="ctr"/>
+          <a:lstStyle/>
           <a:p>
             <a:pPr algn="ctr"/>
             <a:endParaRPr lang="zh-CN" altLang="en-US"/>
@@ -7252,12 +7206,12 @@
           <a:bodyPr wrap="square" rtlCol="0">
             <a:spAutoFit/>
           </a:bodyPr>
+          <a:lstStyle/>
           <a:p>
             <a:r>
               <a:rPr lang="en-US" altLang="zh-CN"/>
               <a:t>Master</a:t>
             </a:r>
-            <a:endParaRPr lang="en-US" altLang="zh-CN"/>
           </a:p>
         </p:txBody>
       </p:sp>
@@ -7292,6 +7246,7 @@
         </p:style>
         <p:txBody>
           <a:bodyPr rtlCol="0" anchor="ctr"/>
+          <a:lstStyle/>
           <a:p>
             <a:pPr algn="ctr"/>
             <a:endParaRPr lang="zh-CN" altLang="en-US"/>
@@ -7318,12 +7273,12 @@
           <a:bodyPr wrap="square" rtlCol="0">
             <a:spAutoFit/>
           </a:bodyPr>
+          <a:lstStyle/>
           <a:p>
             <a:r>
               <a:rPr lang="en-US" altLang="zh-CN" sz="1000"/>
               <a:t>Region Server</a:t>
             </a:r>
-            <a:endParaRPr lang="en-US" altLang="zh-CN" sz="1000"/>
           </a:p>
         </p:txBody>
       </p:sp>
@@ -7358,6 +7313,7 @@
         </p:style>
         <p:txBody>
           <a:bodyPr rtlCol="0" anchor="ctr"/>
+          <a:lstStyle/>
           <a:p>
             <a:pPr algn="ctr"/>
             <a:endParaRPr lang="zh-CN" altLang="en-US"/>
@@ -7384,12 +7340,12 @@
           <a:bodyPr wrap="square" rtlCol="0">
             <a:spAutoFit/>
           </a:bodyPr>
+          <a:lstStyle/>
           <a:p>
             <a:r>
               <a:rPr lang="en-US" altLang="zh-CN" sz="1000"/>
               <a:t>region</a:t>
             </a:r>
-            <a:endParaRPr lang="en-US" altLang="zh-CN" sz="1000"/>
           </a:p>
         </p:txBody>
       </p:sp>
@@ -7424,6 +7380,7 @@
         </p:style>
         <p:txBody>
           <a:bodyPr rtlCol="0" anchor="ctr"/>
+          <a:lstStyle/>
           <a:p>
             <a:pPr algn="ctr"/>
             <a:endParaRPr lang="zh-CN" altLang="en-US"/>
@@ -7450,12 +7407,12 @@
           <a:bodyPr wrap="square" rtlCol="0">
             <a:spAutoFit/>
           </a:bodyPr>
+          <a:lstStyle/>
           <a:p>
             <a:r>
               <a:rPr lang="en-US" altLang="zh-CN" sz="1000"/>
               <a:t>region</a:t>
             </a:r>
-            <a:endParaRPr lang="en-US" altLang="zh-CN" sz="1000"/>
           </a:p>
         </p:txBody>
       </p:sp>
@@ -7479,12 +7436,12 @@
           <a:bodyPr wrap="square" rtlCol="0">
             <a:spAutoFit/>
           </a:bodyPr>
+          <a:lstStyle/>
           <a:p>
             <a:r>
               <a:rPr lang="en-US" altLang="zh-CN" sz="2000" b="1"/>
               <a:t>HBASE</a:t>
             </a:r>
-            <a:endParaRPr lang="en-US" altLang="zh-CN" sz="2000" b="1"/>
           </a:p>
         </p:txBody>
       </p:sp>
@@ -7521,6 +7478,7 @@
         </p:style>
         <p:txBody>
           <a:bodyPr rtlCol="0" anchor="ctr"/>
+          <a:lstStyle/>
           <a:p>
             <a:pPr algn="ctr"/>
             <a:endParaRPr lang="zh-CN" altLang="en-US"/>
@@ -7547,12 +7505,12 @@
           <a:bodyPr wrap="square" rtlCol="0">
             <a:spAutoFit/>
           </a:bodyPr>
+          <a:lstStyle/>
           <a:p>
             <a:r>
               <a:rPr lang="en-US" altLang="zh-CN"/>
               <a:t>HDFS</a:t>
             </a:r>
-            <a:endParaRPr lang="en-US" altLang="zh-CN"/>
           </a:p>
         </p:txBody>
       </p:sp>
@@ -7592,6 +7550,7 @@
         </p:style>
         <p:txBody>
           <a:bodyPr rtlCol="0" anchor="ctr"/>
+          <a:lstStyle/>
           <a:p>
             <a:pPr algn="ctr"/>
             <a:endParaRPr lang="zh-CN" altLang="en-US"/>
@@ -7618,12 +7577,12 @@
           <a:bodyPr vert="eaVert" wrap="square" rtlCol="0">
             <a:spAutoFit/>
           </a:bodyPr>
+          <a:lstStyle/>
           <a:p>
             <a:r>
               <a:rPr lang="en-US" altLang="zh-CN"/>
               <a:t>Zookeeper</a:t>
             </a:r>
-            <a:endParaRPr lang="en-US" altLang="zh-CN"/>
           </a:p>
         </p:txBody>
       </p:sp>
@@ -7647,6 +7606,7 @@
           <a:bodyPr wrap="square" rtlCol="0">
             <a:spAutoFit/>
           </a:bodyPr>
+          <a:lstStyle/>
           <a:p>
             <a:pPr marL="342900" indent="-342900">
               <a:buAutoNum type="arabicPeriod"/>
@@ -7683,7 +7643,6 @@
               <a:rPr lang="zh-CN" altLang="en-US"/>
               <a:t>）</a:t>
             </a:r>
-            <a:endParaRPr lang="zh-CN" altLang="en-US"/>
           </a:p>
           <a:p>
             <a:pPr marL="342900" indent="-342900">
@@ -7693,7 +7652,6 @@
               <a:rPr lang="zh-CN" altLang="en-US" sz="1200"/>
               <a:t>HBase 上层提供了访问的数据的 Java API 层，供应用访问存储在 HBase 的数据</a:t>
             </a:r>
-            <a:endParaRPr lang="zh-CN" altLang="en-US" sz="1200"/>
           </a:p>
           <a:p>
             <a:pPr marL="342900" indent="-342900">
@@ -7703,7 +7661,6 @@
               <a:rPr lang="zh-CN" altLang="en-US" sz="1200"/>
               <a:t>HBase 的集群中主要由 Master 和 Region Server 组成，以及 Zookeeper</a:t>
             </a:r>
-            <a:endParaRPr lang="zh-CN" altLang="en-US" sz="1200"/>
           </a:p>
         </p:txBody>
       </p:sp>
@@ -7725,7 +7682,14 @@
         <p:cNvGrpSpPr/>
         <p:nvPr/>
       </p:nvGrpSpPr>
-      <p:grpSpPr/>
+      <p:grpSpPr>
+        <a:xfrm>
+          <a:off x="0" y="0"/>
+          <a:ext cx="0" cy="0"/>
+          <a:chOff x="0" y="0"/>
+          <a:chExt cx="0" cy="0"/>
+        </a:xfrm>
+      </p:grpSpPr>
       <p:sp>
         <p:nvSpPr>
           <p:cNvPr id="2" name="标题 1"/>
@@ -7746,6 +7710,7 @@
           <a:bodyPr>
             <a:normAutofit fontScale="90000"/>
           </a:bodyPr>
+          <a:lstStyle/>
           <a:p>
             <a:pPr algn="l"/>
             <a:r>
@@ -7764,11 +7729,6 @@
               </a:rPr>
               <a:t>结构图中所起的作用</a:t>
             </a:r>
-            <a:endParaRPr lang="zh-CN" altLang="en-US" sz="2800">
-              <a:solidFill>
-                <a:srgbClr val="FCC83A"/>
-              </a:solidFill>
-            </a:endParaRPr>
           </a:p>
         </p:txBody>
       </p:sp>
@@ -7785,15 +7745,495 @@
         <p:spPr>
           <a:xfrm>
             <a:off x="457200" y="769620"/>
-            <a:ext cx="6620510" cy="396240"/>
+            <a:ext cx="8579296" cy="2450996"/>
           </a:xfrm>
         </p:spPr>
         <p:txBody>
           <a:bodyPr>
             <a:normAutofit/>
           </a:bodyPr>
-          <a:p>
-            <a:endParaRPr lang="zh-CN" altLang="en-US" sz="1000"/>
+          <a:lstStyle/>
+          <a:p>
+            <a:pPr marL="171450" indent="-171450" fontAlgn="base">
+              <a:buFont typeface="Arial" panose="020B0604020202020204" pitchFamily="34" charset="0"/>
+              <a:buChar char="•"/>
+            </a:pPr>
+            <a:r>
+              <a:rPr lang="en-US" altLang="zh-CN" sz="1000" dirty="0" smtClean="0"/>
+              <a:t>Master  </a:t>
+            </a:r>
+          </a:p>
+          <a:p>
+            <a:pPr fontAlgn="base"/>
+            <a:r>
+              <a:rPr lang="en-US" altLang="zh-CN" sz="1000" b="0" dirty="0" smtClean="0"/>
+              <a:t>  </a:t>
+            </a:r>
+            <a:r>
+              <a:rPr lang="en-US" altLang="zh-CN" sz="1000" b="0" dirty="0" err="1" smtClean="0"/>
+              <a:t>HBase</a:t>
+            </a:r>
+            <a:r>
+              <a:rPr lang="en-US" altLang="zh-CN" sz="1000" b="0" dirty="0" smtClean="0"/>
+              <a:t> </a:t>
+            </a:r>
+            <a:r>
+              <a:rPr lang="en-US" altLang="zh-CN" sz="1000" b="0" dirty="0"/>
+              <a:t>Master </a:t>
+            </a:r>
+            <a:r>
+              <a:rPr lang="zh-CN" altLang="en-US" sz="1000" b="0" dirty="0"/>
+              <a:t>用于协调多个 </a:t>
+            </a:r>
+            <a:r>
+              <a:rPr lang="en-US" altLang="zh-CN" sz="1000" b="0" dirty="0"/>
+              <a:t>Region Server</a:t>
+            </a:r>
+            <a:r>
+              <a:rPr lang="zh-CN" altLang="en-US" sz="1000" b="0" dirty="0"/>
+              <a:t>，侦测各个 </a:t>
+            </a:r>
+            <a:r>
+              <a:rPr lang="en-US" altLang="zh-CN" sz="1000" b="0" dirty="0"/>
+              <a:t>Region Server </a:t>
+            </a:r>
+            <a:r>
+              <a:rPr lang="zh-CN" altLang="en-US" sz="1000" b="0" dirty="0"/>
+              <a:t>之间的状态，并平衡 </a:t>
+            </a:r>
+            <a:r>
+              <a:rPr lang="en-US" altLang="zh-CN" sz="1000" b="0" dirty="0"/>
+              <a:t>Region Server </a:t>
+            </a:r>
+            <a:r>
+              <a:rPr lang="zh-CN" altLang="en-US" sz="1000" b="0" dirty="0"/>
+              <a:t>之间的负载</a:t>
+            </a:r>
+            <a:r>
+              <a:rPr lang="zh-CN" altLang="en-US" sz="1000" b="0" dirty="0" smtClean="0"/>
+              <a:t>。 </a:t>
+            </a:r>
+            <a:r>
+              <a:rPr lang="en-US" altLang="zh-CN" sz="1000" b="0" dirty="0" err="1" smtClean="0"/>
+              <a:t>HBase</a:t>
+            </a:r>
+            <a:r>
+              <a:rPr lang="en-US" altLang="zh-CN" sz="1000" b="0" dirty="0" smtClean="0"/>
+              <a:t> </a:t>
+            </a:r>
+            <a:r>
+              <a:rPr lang="en-US" altLang="zh-CN" sz="1000" b="0" dirty="0"/>
+              <a:t>Master </a:t>
+            </a:r>
+            <a:r>
+              <a:rPr lang="zh-CN" altLang="en-US" sz="1000" b="0" dirty="0"/>
+              <a:t>还有一个职责就是负责分配 </a:t>
+            </a:r>
+            <a:r>
+              <a:rPr lang="en-US" altLang="zh-CN" sz="1000" b="0" dirty="0"/>
+              <a:t>Region </a:t>
+            </a:r>
+            <a:r>
+              <a:rPr lang="zh-CN" altLang="en-US" sz="1000" b="0" dirty="0"/>
+              <a:t>给 </a:t>
+            </a:r>
+            <a:r>
+              <a:rPr lang="en-US" altLang="zh-CN" sz="1000" b="0" dirty="0"/>
+              <a:t>Region Server</a:t>
+            </a:r>
+            <a:r>
+              <a:rPr lang="zh-CN" altLang="en-US" sz="1000" b="0" dirty="0"/>
+              <a:t>。</a:t>
+            </a:r>
+            <a:r>
+              <a:rPr lang="en-US" altLang="zh-CN" sz="1000" b="0" dirty="0" err="1"/>
+              <a:t>HBase</a:t>
+            </a:r>
+            <a:r>
+              <a:rPr lang="en-US" altLang="zh-CN" sz="1000" b="0" dirty="0"/>
+              <a:t> </a:t>
+            </a:r>
+            <a:r>
+              <a:rPr lang="zh-CN" altLang="en-US" sz="1000" b="0" dirty="0"/>
+              <a:t>允许多个 </a:t>
+            </a:r>
+            <a:r>
+              <a:rPr lang="en-US" altLang="zh-CN" sz="1000" b="0" dirty="0"/>
+              <a:t>Master </a:t>
+            </a:r>
+            <a:r>
+              <a:rPr lang="zh-CN" altLang="en-US" sz="1000" b="0" dirty="0"/>
+              <a:t>节点共存，但是这需要 </a:t>
+            </a:r>
+            <a:r>
+              <a:rPr lang="en-US" altLang="zh-CN" sz="1000" b="0" dirty="0"/>
+              <a:t>Zookeeper </a:t>
+            </a:r>
+            <a:r>
+              <a:rPr lang="zh-CN" altLang="en-US" sz="1000" b="0" dirty="0"/>
+              <a:t>的帮助。不过当多个 </a:t>
+            </a:r>
+            <a:r>
+              <a:rPr lang="en-US" altLang="zh-CN" sz="1000" b="0" dirty="0"/>
+              <a:t>Master </a:t>
+            </a:r>
+            <a:r>
+              <a:rPr lang="zh-CN" altLang="en-US" sz="1000" b="0" dirty="0"/>
+              <a:t>节点共存时，只有一个 </a:t>
+            </a:r>
+            <a:r>
+              <a:rPr lang="en-US" altLang="zh-CN" sz="1000" b="0" dirty="0"/>
+              <a:t>Master </a:t>
+            </a:r>
+            <a:r>
+              <a:rPr lang="zh-CN" altLang="en-US" sz="1000" b="0" dirty="0"/>
+              <a:t>是提供服务的，其他的 </a:t>
+            </a:r>
+            <a:r>
+              <a:rPr lang="en-US" altLang="zh-CN" sz="1000" b="0" dirty="0"/>
+              <a:t>Master </a:t>
+            </a:r>
+            <a:r>
+              <a:rPr lang="zh-CN" altLang="en-US" sz="1000" b="0" dirty="0"/>
+              <a:t>节点处于待命的状态。当正在工作的 </a:t>
+            </a:r>
+            <a:r>
+              <a:rPr lang="en-US" altLang="zh-CN" sz="1000" b="0" dirty="0"/>
+              <a:t>Master </a:t>
+            </a:r>
+            <a:r>
+              <a:rPr lang="zh-CN" altLang="en-US" sz="1000" b="0" dirty="0"/>
+              <a:t>节点宕机时，其他的 </a:t>
+            </a:r>
+            <a:r>
+              <a:rPr lang="en-US" altLang="zh-CN" sz="1000" b="0" dirty="0"/>
+              <a:t>Master </a:t>
+            </a:r>
+            <a:r>
+              <a:rPr lang="zh-CN" altLang="en-US" sz="1000" b="0" dirty="0"/>
+              <a:t>则会接管 </a:t>
+            </a:r>
+            <a:r>
+              <a:rPr lang="en-US" altLang="zh-CN" sz="1000" b="0" dirty="0" err="1"/>
+              <a:t>HBase</a:t>
+            </a:r>
+            <a:r>
+              <a:rPr lang="en-US" altLang="zh-CN" sz="1000" b="0" dirty="0"/>
+              <a:t> </a:t>
+            </a:r>
+            <a:r>
+              <a:rPr lang="zh-CN" altLang="en-US" sz="1000" b="0" dirty="0"/>
+              <a:t>的集群。</a:t>
+            </a:r>
+          </a:p>
+          <a:p>
+            <a:pPr marL="171450" indent="-171450" fontAlgn="base">
+              <a:buFont typeface="Arial" panose="020B0604020202020204" pitchFamily="34" charset="0"/>
+              <a:buChar char="•"/>
+            </a:pPr>
+            <a:r>
+              <a:rPr lang="en-US" altLang="zh-CN" sz="1000" dirty="0"/>
+              <a:t>Region </a:t>
+            </a:r>
+            <a:r>
+              <a:rPr lang="en-US" altLang="zh-CN" sz="1000" dirty="0" smtClean="0"/>
+              <a:t>Server  </a:t>
+            </a:r>
+          </a:p>
+          <a:p>
+            <a:pPr fontAlgn="base"/>
+            <a:r>
+              <a:rPr lang="en-US" altLang="zh-CN" sz="1000" b="0" dirty="0"/>
+              <a:t> </a:t>
+            </a:r>
+            <a:r>
+              <a:rPr lang="en-US" altLang="zh-CN" sz="1000" b="0" dirty="0" smtClean="0"/>
+              <a:t>  </a:t>
+            </a:r>
+            <a:r>
+              <a:rPr lang="zh-CN" altLang="en-US" sz="1000" b="0" dirty="0" smtClean="0"/>
+              <a:t>对于</a:t>
+            </a:r>
+            <a:r>
+              <a:rPr lang="zh-CN" altLang="en-US" sz="1000" b="0" dirty="0"/>
+              <a:t>一个 </a:t>
+            </a:r>
+            <a:r>
+              <a:rPr lang="en-US" altLang="zh-CN" sz="1000" b="0" dirty="0"/>
+              <a:t>Region Server </a:t>
+            </a:r>
+            <a:r>
+              <a:rPr lang="zh-CN" altLang="en-US" sz="1000" b="0" dirty="0"/>
+              <a:t>而言，其包括了多个 </a:t>
+            </a:r>
+            <a:r>
+              <a:rPr lang="en-US" altLang="zh-CN" sz="1000" b="0" dirty="0"/>
+              <a:t>Region</a:t>
+            </a:r>
+            <a:r>
+              <a:rPr lang="zh-CN" altLang="en-US" sz="1000" b="0" dirty="0"/>
+              <a:t>。</a:t>
+            </a:r>
+            <a:r>
+              <a:rPr lang="en-US" altLang="zh-CN" sz="1000" b="0" dirty="0"/>
+              <a:t>Region Server </a:t>
+            </a:r>
+            <a:r>
+              <a:rPr lang="zh-CN" altLang="en-US" sz="1000" b="0" dirty="0"/>
+              <a:t>的作用只是管理表格，以及实现读写操作。</a:t>
+            </a:r>
+            <a:r>
+              <a:rPr lang="en-US" altLang="zh-CN" sz="1000" b="0" dirty="0"/>
+              <a:t>Client </a:t>
+            </a:r>
+            <a:r>
+              <a:rPr lang="zh-CN" altLang="en-US" sz="1000" b="0" dirty="0"/>
+              <a:t>直接连接 </a:t>
+            </a:r>
+            <a:r>
+              <a:rPr lang="en-US" altLang="zh-CN" sz="1000" b="0" dirty="0"/>
+              <a:t>Region Server</a:t>
+            </a:r>
+            <a:r>
+              <a:rPr lang="zh-CN" altLang="en-US" sz="1000" b="0" dirty="0"/>
+              <a:t>，并通信获取 </a:t>
+            </a:r>
+            <a:r>
+              <a:rPr lang="en-US" altLang="zh-CN" sz="1000" b="0" dirty="0" err="1"/>
+              <a:t>HBase</a:t>
+            </a:r>
+            <a:r>
+              <a:rPr lang="en-US" altLang="zh-CN" sz="1000" b="0" dirty="0"/>
+              <a:t> </a:t>
+            </a:r>
+            <a:r>
+              <a:rPr lang="zh-CN" altLang="en-US" sz="1000" b="0" dirty="0"/>
+              <a:t>中的数据。对于 </a:t>
+            </a:r>
+            <a:r>
+              <a:rPr lang="en-US" altLang="zh-CN" sz="1000" b="0" dirty="0"/>
+              <a:t>Region </a:t>
+            </a:r>
+            <a:r>
+              <a:rPr lang="zh-CN" altLang="en-US" sz="1000" b="0" dirty="0"/>
+              <a:t>而言，则是真实存放 </a:t>
+            </a:r>
+            <a:r>
+              <a:rPr lang="en-US" altLang="zh-CN" sz="1000" b="0" dirty="0" err="1"/>
+              <a:t>HBase</a:t>
+            </a:r>
+            <a:r>
+              <a:rPr lang="en-US" altLang="zh-CN" sz="1000" b="0" dirty="0"/>
+              <a:t> </a:t>
+            </a:r>
+            <a:r>
+              <a:rPr lang="zh-CN" altLang="en-US" sz="1000" b="0" dirty="0"/>
+              <a:t>数据的地方，也就说 </a:t>
+            </a:r>
+            <a:r>
+              <a:rPr lang="en-US" altLang="zh-CN" sz="1000" b="0" dirty="0"/>
+              <a:t>Region </a:t>
+            </a:r>
+            <a:r>
+              <a:rPr lang="zh-CN" altLang="en-US" sz="1000" b="0" dirty="0"/>
+              <a:t>是 </a:t>
+            </a:r>
+            <a:r>
+              <a:rPr lang="en-US" altLang="zh-CN" sz="1000" b="0" dirty="0" err="1"/>
+              <a:t>HBase</a:t>
+            </a:r>
+            <a:r>
+              <a:rPr lang="en-US" altLang="zh-CN" sz="1000" b="0" dirty="0"/>
+              <a:t> </a:t>
+            </a:r>
+            <a:r>
+              <a:rPr lang="zh-CN" altLang="en-US" sz="1000" b="0" dirty="0"/>
+              <a:t>可用性和分布式的基本单位。如果当一个表格很大，并由多个 </a:t>
+            </a:r>
+            <a:r>
+              <a:rPr lang="en-US" altLang="zh-CN" sz="1000" b="0" dirty="0"/>
+              <a:t>CF </a:t>
+            </a:r>
+            <a:r>
+              <a:rPr lang="zh-CN" altLang="en-US" sz="1000" b="0" dirty="0"/>
+              <a:t>组成时，那么表的数据将存放在多个 </a:t>
+            </a:r>
+            <a:r>
+              <a:rPr lang="en-US" altLang="zh-CN" sz="1000" b="0" dirty="0"/>
+              <a:t>Region </a:t>
+            </a:r>
+            <a:r>
+              <a:rPr lang="zh-CN" altLang="en-US" sz="1000" b="0" dirty="0"/>
+              <a:t>之间，并且在每个 </a:t>
+            </a:r>
+            <a:r>
+              <a:rPr lang="en-US" altLang="zh-CN" sz="1000" b="0" dirty="0"/>
+              <a:t>Region </a:t>
+            </a:r>
+            <a:r>
+              <a:rPr lang="zh-CN" altLang="en-US" sz="1000" b="0" dirty="0"/>
+              <a:t>中会关联多个存储的单元（</a:t>
+            </a:r>
+            <a:r>
+              <a:rPr lang="en-US" altLang="zh-CN" sz="1000" b="0" dirty="0"/>
+              <a:t>Store</a:t>
+            </a:r>
+            <a:r>
+              <a:rPr lang="zh-CN" altLang="en-US" sz="1000" b="0" dirty="0"/>
+              <a:t>）。</a:t>
+            </a:r>
+          </a:p>
+          <a:p>
+            <a:pPr marL="171450" indent="-171450" fontAlgn="base">
+              <a:buFont typeface="Arial" panose="020B0604020202020204" pitchFamily="34" charset="0"/>
+              <a:buChar char="•"/>
+            </a:pPr>
+            <a:r>
+              <a:rPr lang="en-US" altLang="zh-CN" sz="1000" dirty="0" smtClean="0"/>
+              <a:t>Zookeeper  </a:t>
+            </a:r>
+          </a:p>
+          <a:p>
+            <a:pPr fontAlgn="base"/>
+            <a:r>
+              <a:rPr lang="en-US" altLang="zh-CN" sz="1000" b="0" dirty="0"/>
+              <a:t> </a:t>
+            </a:r>
+            <a:r>
+              <a:rPr lang="en-US" altLang="zh-CN" sz="1000" b="0" dirty="0" smtClean="0"/>
+              <a:t> </a:t>
+            </a:r>
+            <a:r>
+              <a:rPr lang="zh-CN" altLang="en-US" sz="1000" b="0" dirty="0" smtClean="0"/>
+              <a:t>对于 </a:t>
+            </a:r>
+            <a:r>
+              <a:rPr lang="en-US" altLang="zh-CN" sz="1000" b="0" dirty="0" err="1"/>
+              <a:t>HBase</a:t>
+            </a:r>
+            <a:r>
+              <a:rPr lang="en-US" altLang="zh-CN" sz="1000" b="0" dirty="0"/>
+              <a:t> </a:t>
+            </a:r>
+            <a:r>
+              <a:rPr lang="zh-CN" altLang="en-US" sz="1000" b="0" dirty="0"/>
+              <a:t>而言，</a:t>
+            </a:r>
+            <a:r>
+              <a:rPr lang="en-US" altLang="zh-CN" sz="1000" b="0" dirty="0"/>
+              <a:t>Zookeeper </a:t>
+            </a:r>
+            <a:r>
+              <a:rPr lang="zh-CN" altLang="en-US" sz="1000" b="0" dirty="0"/>
+              <a:t>的作用是至关重要的。首先 </a:t>
+            </a:r>
+            <a:r>
+              <a:rPr lang="en-US" altLang="zh-CN" sz="1000" b="0" dirty="0"/>
+              <a:t>Zookeeper </a:t>
+            </a:r>
+            <a:r>
+              <a:rPr lang="zh-CN" altLang="en-US" sz="1000" b="0" dirty="0"/>
+              <a:t>是作为 </a:t>
+            </a:r>
+            <a:r>
+              <a:rPr lang="en-US" altLang="zh-CN" sz="1000" b="0" dirty="0" err="1"/>
+              <a:t>HBase</a:t>
+            </a:r>
+            <a:r>
+              <a:rPr lang="en-US" altLang="zh-CN" sz="1000" b="0" dirty="0"/>
+              <a:t> Master </a:t>
+            </a:r>
+            <a:r>
+              <a:rPr lang="zh-CN" altLang="en-US" sz="1000" b="0" dirty="0"/>
+              <a:t>的 </a:t>
+            </a:r>
+            <a:r>
+              <a:rPr lang="en-US" altLang="zh-CN" sz="1000" b="0" dirty="0"/>
+              <a:t>HA </a:t>
+            </a:r>
+            <a:r>
+              <a:rPr lang="zh-CN" altLang="en-US" sz="1000" b="0" dirty="0"/>
+              <a:t>解决方案。也就是说，是 </a:t>
+            </a:r>
+            <a:r>
+              <a:rPr lang="en-US" altLang="zh-CN" sz="1000" b="0" dirty="0"/>
+              <a:t>Zookeeper </a:t>
+            </a:r>
+            <a:r>
+              <a:rPr lang="zh-CN" altLang="en-US" sz="1000" b="0" dirty="0"/>
+              <a:t>保证了至少有一个 </a:t>
+            </a:r>
+            <a:r>
+              <a:rPr lang="en-US" altLang="zh-CN" sz="1000" b="0" dirty="0" err="1"/>
+              <a:t>HBase</a:t>
+            </a:r>
+            <a:r>
+              <a:rPr lang="en-US" altLang="zh-CN" sz="1000" b="0" dirty="0"/>
+              <a:t> Master </a:t>
+            </a:r>
+            <a:r>
+              <a:rPr lang="zh-CN" altLang="en-US" sz="1000" b="0" dirty="0"/>
+              <a:t>处于运行状态。并且 </a:t>
+            </a:r>
+            <a:r>
+              <a:rPr lang="en-US" altLang="zh-CN" sz="1000" b="0" dirty="0"/>
+              <a:t>Zookeeper </a:t>
+            </a:r>
+            <a:r>
+              <a:rPr lang="zh-CN" altLang="en-US" sz="1000" b="0" dirty="0"/>
+              <a:t>负责 </a:t>
+            </a:r>
+            <a:r>
+              <a:rPr lang="en-US" altLang="zh-CN" sz="1000" b="0" dirty="0"/>
+              <a:t>Region </a:t>
+            </a:r>
+            <a:r>
+              <a:rPr lang="zh-CN" altLang="en-US" sz="1000" b="0" dirty="0"/>
+              <a:t>和 </a:t>
+            </a:r>
+            <a:r>
+              <a:rPr lang="en-US" altLang="zh-CN" sz="1000" b="0" dirty="0"/>
+              <a:t>Region Server </a:t>
+            </a:r>
+            <a:r>
+              <a:rPr lang="zh-CN" altLang="en-US" sz="1000" b="0" dirty="0"/>
+              <a:t>的注册。其实 </a:t>
+            </a:r>
+            <a:r>
+              <a:rPr lang="en-US" altLang="zh-CN" sz="1000" b="0" dirty="0"/>
+              <a:t>Zookeeper </a:t>
+            </a:r>
+            <a:r>
+              <a:rPr lang="zh-CN" altLang="en-US" sz="1000" b="0" dirty="0"/>
+              <a:t>发展到目前为止，已经成为了分布式大数据框架中容错性的标准框架。不光是 </a:t>
+            </a:r>
+            <a:r>
+              <a:rPr lang="en-US" altLang="zh-CN" sz="1000" b="0" dirty="0" err="1"/>
+              <a:t>HBase</a:t>
+            </a:r>
+            <a:r>
+              <a:rPr lang="zh-CN" altLang="en-US" sz="1000" b="0" dirty="0"/>
+              <a:t>，几乎所有的分布式大数据相关的开源框架，都依赖于 </a:t>
+            </a:r>
+            <a:r>
+              <a:rPr lang="en-US" altLang="zh-CN" sz="1000" b="0" dirty="0"/>
+              <a:t>Zookeeper </a:t>
+            </a:r>
+            <a:r>
+              <a:rPr lang="zh-CN" altLang="en-US" sz="1000" b="0" dirty="0"/>
+              <a:t>实现 </a:t>
+            </a:r>
+            <a:r>
+              <a:rPr lang="en-US" altLang="zh-CN" sz="1000" b="0" dirty="0"/>
+              <a:t>HA</a:t>
+            </a:r>
+            <a:r>
+              <a:rPr lang="zh-CN" altLang="en-US" sz="1000" b="0" dirty="0"/>
+              <a:t>。</a:t>
+            </a:r>
+          </a:p>
+          <a:p>
+            <a:endParaRPr lang="zh-CN" altLang="en-US" sz="1000" dirty="0"/>
           </a:p>
         </p:txBody>
       </p:sp>
@@ -7815,7 +8255,14 @@
         <p:cNvGrpSpPr/>
         <p:nvPr/>
       </p:nvGrpSpPr>
-      <p:grpSpPr/>
+      <p:grpSpPr>
+        <a:xfrm>
+          <a:off x="0" y="0"/>
+          <a:ext cx="0" cy="0"/>
+          <a:chOff x="0" y="0"/>
+          <a:chExt cx="0" cy="0"/>
+        </a:xfrm>
+      </p:grpSpPr>
       <p:sp>
         <p:nvSpPr>
           <p:cNvPr id="2" name="标题 1"/>
@@ -7829,25 +8276,26 @@
         <p:spPr/>
         <p:txBody>
           <a:bodyPr/>
+          <a:lstStyle/>
           <a:p>
             <a:pPr algn="l"/>
             <a:r>
-              <a:rPr lang="zh-CN" altLang="en-US" sz="2800">
+              <a:rPr lang="en-US" altLang="zh-CN" sz="2800" dirty="0" err="1" smtClean="0">
                 <a:solidFill>
                   <a:srgbClr val="FCC83A"/>
                 </a:solidFill>
               </a:rPr>
-              <a:t>类比开源</a:t>
-            </a:r>
-            <a:r>
-              <a:rPr lang="en-US" altLang="zh-CN" sz="2800">
+              <a:t>Hbase</a:t>
+            </a:r>
+            <a:r>
+              <a:rPr lang="zh-CN" altLang="en-US" sz="2800" dirty="0" smtClean="0">
                 <a:solidFill>
                   <a:srgbClr val="FCC83A"/>
                 </a:solidFill>
               </a:rPr>
-              <a:t>metrics</a:t>
-            </a:r>
-            <a:endParaRPr lang="en-US" altLang="zh-CN" sz="2800">
+              <a:t>运行机制原理</a:t>
+            </a:r>
+            <a:endParaRPr lang="en-US" altLang="zh-CN" sz="2800" dirty="0">
               <a:solidFill>
                 <a:srgbClr val="FCC83A"/>
               </a:solidFill>
@@ -7872,46 +8320,250 @@
           </a:xfrm>
         </p:spPr>
         <p:txBody>
-          <a:bodyPr/>
-          <a:p>
-            <a:r>
-              <a:rPr lang="zh-CN" altLang="en-US" sz="1800"/>
-              <a:t>由于Metrics的重要性日渐凸显，开源领域已有较多实现，热门的包括Netflix Servo、Dropwizard Metrics和Spring Boot Actuator等，比较如下：</a:t>
-            </a:r>
-            <a:endParaRPr lang="zh-CN" altLang="en-US" sz="1800"/>
-          </a:p>
+          <a:bodyPr>
+            <a:normAutofit/>
+          </a:bodyPr>
+          <a:lstStyle/>
           <a:p>
             <a:pPr marL="0" indent="0">
               <a:buNone/>
             </a:pPr>
-            <a:endParaRPr lang="zh-CN" altLang="en-US" sz="1800"/>
-          </a:p>
-        </p:txBody>
-      </p:sp>
-      <p:pic>
-        <p:nvPicPr>
-          <p:cNvPr id="4" name="图片 3"/>
-          <p:cNvPicPr>
-            <a:picLocks noChangeAspect="1"/>
-          </p:cNvPicPr>
+            <a:r>
+              <a:rPr lang="en-US" altLang="zh-CN" sz="1000" dirty="0" smtClean="0"/>
+              <a:t>client</a:t>
+            </a:r>
+            <a:endParaRPr lang="zh-CN" altLang="en-US" sz="1000" dirty="0"/>
+          </a:p>
+        </p:txBody>
+      </p:sp>
+      <p:sp>
+        <p:nvSpPr>
+          <p:cNvPr id="5" name="矩形 4"/>
+          <p:cNvSpPr/>
           <p:nvPr/>
-        </p:nvPicPr>
-        <p:blipFill>
-          <a:blip r:embed="rId1"/>
-          <a:stretch>
-            <a:fillRect/>
-          </a:stretch>
-        </p:blipFill>
+        </p:nvSpPr>
         <p:spPr>
           <a:xfrm>
-            <a:off x="645160" y="1998980"/>
-            <a:ext cx="7417435" cy="2097405"/>
+            <a:off x="487104" y="1200521"/>
+            <a:ext cx="1061471" cy="291903"/>
           </a:xfrm>
           <a:prstGeom prst="rect">
             <a:avLst/>
           </a:prstGeom>
+          <a:solidFill>
+            <a:schemeClr val="bg2"/>
+          </a:solidFill>
         </p:spPr>
-      </p:pic>
+        <p:style>
+          <a:lnRef idx="2">
+            <a:schemeClr val="accent5"/>
+          </a:lnRef>
+          <a:fillRef idx="1">
+            <a:schemeClr val="lt1"/>
+          </a:fillRef>
+          <a:effectRef idx="0">
+            <a:schemeClr val="accent5"/>
+          </a:effectRef>
+          <a:fontRef idx="minor">
+            <a:schemeClr val="dk1"/>
+          </a:fontRef>
+        </p:style>
+        <p:txBody>
+          <a:bodyPr rtlCol="0" anchor="ctr"/>
+          <a:lstStyle/>
+          <a:p>
+            <a:pPr algn="ctr"/>
+            <a:r>
+              <a:rPr lang="en-US" altLang="zh-CN" dirty="0" smtClean="0"/>
+              <a:t>client</a:t>
+            </a:r>
+            <a:endParaRPr lang="zh-CN" altLang="en-US" dirty="0"/>
+          </a:p>
+        </p:txBody>
+      </p:sp>
+      <p:cxnSp>
+        <p:nvCxnSpPr>
+          <p:cNvPr id="7" name="直接箭头连接符 6"/>
+          <p:cNvCxnSpPr/>
+          <p:nvPr/>
+        </p:nvCxnSpPr>
+        <p:spPr>
+          <a:xfrm>
+            <a:off x="1548575" y="1346472"/>
+            <a:ext cx="791177" cy="0"/>
+          </a:xfrm>
+          <a:prstGeom prst="straightConnector1">
+            <a:avLst/>
+          </a:prstGeom>
+          <a:ln>
+            <a:tailEnd type="triangle"/>
+          </a:ln>
+        </p:spPr>
+        <p:style>
+          <a:lnRef idx="1">
+            <a:schemeClr val="accent1"/>
+          </a:lnRef>
+          <a:fillRef idx="0">
+            <a:schemeClr val="accent1"/>
+          </a:fillRef>
+          <a:effectRef idx="0">
+            <a:schemeClr val="accent1"/>
+          </a:effectRef>
+          <a:fontRef idx="minor">
+            <a:schemeClr val="tx1"/>
+          </a:fontRef>
+        </p:style>
+      </p:cxnSp>
+      <p:sp>
+        <p:nvSpPr>
+          <p:cNvPr id="8" name="椭圆 7"/>
+          <p:cNvSpPr/>
+          <p:nvPr/>
+        </p:nvSpPr>
+        <p:spPr>
+          <a:xfrm>
+            <a:off x="2339752" y="1200521"/>
+            <a:ext cx="2664296" cy="291903"/>
+          </a:xfrm>
+          <a:prstGeom prst="ellipse">
+            <a:avLst/>
+          </a:prstGeom>
+          <a:solidFill>
+            <a:srgbClr val="92D050"/>
+          </a:solidFill>
+          <a:ln>
+            <a:solidFill>
+              <a:srgbClr val="00B050"/>
+            </a:solidFill>
+          </a:ln>
+        </p:spPr>
+        <p:style>
+          <a:lnRef idx="2">
+            <a:schemeClr val="accent1">
+              <a:shade val="50000"/>
+            </a:schemeClr>
+          </a:lnRef>
+          <a:fillRef idx="1">
+            <a:schemeClr val="accent1"/>
+          </a:fillRef>
+          <a:effectRef idx="0">
+            <a:schemeClr val="accent1"/>
+          </a:effectRef>
+          <a:fontRef idx="minor">
+            <a:schemeClr val="lt1"/>
+          </a:fontRef>
+        </p:style>
+        <p:txBody>
+          <a:bodyPr rtlCol="0" anchor="ctr"/>
+          <a:lstStyle/>
+          <a:p>
+            <a:pPr algn="ctr"/>
+            <a:r>
+              <a:rPr lang="en-US" altLang="zh-CN" sz="1200" dirty="0" err="1" smtClean="0"/>
+              <a:t>Zk</a:t>
+            </a:r>
+            <a:r>
+              <a:rPr lang="en-US" altLang="zh-CN" sz="1200" dirty="0" smtClean="0"/>
+              <a:t> server, </a:t>
+            </a:r>
+            <a:r>
+              <a:rPr lang="en-US" altLang="zh-CN" sz="1200" dirty="0" err="1" smtClean="0"/>
+              <a:t>zk</a:t>
+            </a:r>
+            <a:r>
+              <a:rPr lang="en-US" altLang="zh-CN" sz="1200" dirty="0" smtClean="0"/>
+              <a:t> peer,…</a:t>
+            </a:r>
+            <a:endParaRPr lang="zh-CN" altLang="en-US" sz="1200" dirty="0"/>
+          </a:p>
+        </p:txBody>
+      </p:sp>
+      <p:sp>
+        <p:nvSpPr>
+          <p:cNvPr id="9" name="矩形 8"/>
+          <p:cNvSpPr/>
+          <p:nvPr/>
+        </p:nvSpPr>
+        <p:spPr>
+          <a:xfrm>
+            <a:off x="6300192" y="1200521"/>
+            <a:ext cx="936104" cy="291903"/>
+          </a:xfrm>
+          <a:prstGeom prst="rect">
+            <a:avLst/>
+          </a:prstGeom>
+          <a:solidFill>
+            <a:schemeClr val="accent2">
+              <a:lumMod val="20000"/>
+              <a:lumOff val="80000"/>
+            </a:schemeClr>
+          </a:solidFill>
+        </p:spPr>
+        <p:style>
+          <a:lnRef idx="2">
+            <a:schemeClr val="accent1">
+              <a:shade val="50000"/>
+            </a:schemeClr>
+          </a:lnRef>
+          <a:fillRef idx="1">
+            <a:schemeClr val="accent1"/>
+          </a:fillRef>
+          <a:effectRef idx="0">
+            <a:schemeClr val="accent1"/>
+          </a:effectRef>
+          <a:fontRef idx="minor">
+            <a:schemeClr val="lt1"/>
+          </a:fontRef>
+        </p:style>
+        <p:txBody>
+          <a:bodyPr rtlCol="0" anchor="ctr"/>
+          <a:lstStyle/>
+          <a:p>
+            <a:pPr algn="ctr"/>
+            <a:r>
+              <a:rPr lang="en-US" altLang="zh-CN" sz="1200" b="1" dirty="0" err="1" smtClean="0"/>
+              <a:t>Hbase</a:t>
+            </a:r>
+            <a:endParaRPr lang="zh-CN" altLang="en-US" sz="1200" b="1" dirty="0"/>
+          </a:p>
+        </p:txBody>
+      </p:sp>
+      <p:cxnSp>
+        <p:nvCxnSpPr>
+          <p:cNvPr id="11" name="直接箭头连接符 10"/>
+          <p:cNvCxnSpPr>
+            <a:stCxn id="9" idx="1"/>
+            <a:endCxn id="8" idx="6"/>
+          </p:cNvCxnSpPr>
+          <p:nvPr/>
+        </p:nvCxnSpPr>
+        <p:spPr>
+          <a:xfrm flipH="1">
+            <a:off x="5004048" y="1346473"/>
+            <a:ext cx="1296144" cy="0"/>
+          </a:xfrm>
+          <a:prstGeom prst="straightConnector1">
+            <a:avLst/>
+          </a:prstGeom>
+          <a:ln>
+            <a:tailEnd type="triangle"/>
+          </a:ln>
+        </p:spPr>
+        <p:style>
+          <a:lnRef idx="1">
+            <a:schemeClr val="accent1"/>
+          </a:lnRef>
+          <a:fillRef idx="0">
+            <a:schemeClr val="accent1"/>
+          </a:fillRef>
+          <a:effectRef idx="0">
+            <a:schemeClr val="accent1"/>
+          </a:effectRef>
+          <a:fontRef idx="minor">
+            <a:schemeClr val="tx1"/>
+          </a:fontRef>
+        </p:style>
+      </p:cxnSp>
     </p:spTree>
   </p:cSld>
   <p:clrMapOvr>
@@ -7930,7 +8582,14 @@
         <p:cNvGrpSpPr/>
         <p:nvPr/>
       </p:nvGrpSpPr>
-      <p:grpSpPr/>
+      <p:grpSpPr>
+        <a:xfrm>
+          <a:off x="0" y="0"/>
+          <a:ext cx="0" cy="0"/>
+          <a:chOff x="0" y="0"/>
+          <a:chExt cx="0" cy="0"/>
+        </a:xfrm>
+      </p:grpSpPr>
       <p:sp>
         <p:nvSpPr>
           <p:cNvPr id="2" name="标题 1"/>
@@ -7944,6 +8603,7 @@
         <p:spPr/>
         <p:txBody>
           <a:bodyPr/>
+          <a:lstStyle/>
           <a:p>
             <a:pPr algn="l"/>
             <a:r>
@@ -7954,11 +8614,6 @@
               </a:rPr>
               <a:t>定制指标准备知识</a:t>
             </a:r>
-            <a:endParaRPr lang="zh-CN" altLang="en-US" sz="2800">
-              <a:solidFill>
-                <a:srgbClr val="FCC83A"/>
-              </a:solidFill>
-            </a:endParaRPr>
           </a:p>
         </p:txBody>
       </p:sp>
@@ -7975,6 +8630,7 @@
         <p:spPr/>
         <p:txBody>
           <a:bodyPr/>
+          <a:lstStyle/>
           <a:p>
             <a:r>
               <a:rPr lang="zh-CN" altLang="en-US" sz="1800"/>
@@ -7984,7 +8640,6 @@
               <a:rPr lang="en-US" altLang="zh-CN" sz="1800"/>
               <a:t>()</a:t>
             </a:r>
-            <a:endParaRPr lang="en-US" altLang="zh-CN" sz="1800"/>
           </a:p>
           <a:p>
             <a:endParaRPr lang="en-US" altLang="zh-CN" sz="1800"/>
@@ -8015,7 +8670,6 @@
               <a:rPr lang="zh-CN" altLang="en-US" sz="1800"/>
               <a:t>对于时延类的Metrics，都包含max、min、average三个指标。</a:t>
             </a:r>
-            <a:endParaRPr lang="zh-CN" altLang="en-US" sz="1800"/>
           </a:p>
           <a:p>
             <a:pPr marL="0" indent="0">
@@ -8033,7 +8687,6 @@
               <a:rPr lang="zh-CN" altLang="en-US" sz="1800"/>
               <a:t>秒采集一次，同时支持多周期以适应不同的场景需求。</a:t>
             </a:r>
-            <a:endParaRPr lang="zh-CN" altLang="en-US" sz="1800"/>
           </a:p>
         </p:txBody>
       </p:sp>
@@ -8046,7 +8699,7 @@
           <p:nvPr/>
         </p:nvPicPr>
         <p:blipFill>
-          <a:blip r:embed="rId1"/>
+          <a:blip r:embed="rId2"/>
           <a:stretch>
             <a:fillRect/>
           </a:stretch>
@@ -8158,11 +8811,6 @@
               </a:rPr>
               <a:t>简介</a:t>
             </a:r>
-            <a:endParaRPr lang="zh-CN" altLang="en-US" sz="2800">
-              <a:solidFill>
-                <a:srgbClr val="FFC000"/>
-              </a:solidFill>
-            </a:endParaRPr>
           </a:p>
         </p:txBody>
       </p:sp>
@@ -8217,36 +8865,98 @@
                         <a:rPr lang="zh-CN" altLang="en-US"/>
                         <a:t>指标解释</a:t>
                       </a:r>
-                      <a:endParaRPr lang="zh-CN" altLang="en-US"/>
                     </a:p>
                   </a:txBody>
                   <a:tcPr/>
                 </a:tc>
                 <a:tc hMerge="1">
+                  <a:txBody>
+                    <a:bodyPr/>
+                    <a:lstStyle/>
+                    <a:p>
+                      <a:endParaRPr lang="zh-CN"/>
+                    </a:p>
+                  </a:txBody>
                   <a:tcPr/>
                 </a:tc>
                 <a:tc hMerge="1">
+                  <a:txBody>
+                    <a:bodyPr/>
+                    <a:lstStyle/>
+                    <a:p>
+                      <a:endParaRPr lang="zh-CN"/>
+                    </a:p>
+                  </a:txBody>
                   <a:tcPr/>
                 </a:tc>
                 <a:tc hMerge="1">
+                  <a:txBody>
+                    <a:bodyPr/>
+                    <a:lstStyle/>
+                    <a:p>
+                      <a:endParaRPr lang="zh-CN"/>
+                    </a:p>
+                  </a:txBody>
                   <a:tcPr/>
                 </a:tc>
                 <a:tc hMerge="1">
+                  <a:txBody>
+                    <a:bodyPr/>
+                    <a:lstStyle/>
+                    <a:p>
+                      <a:endParaRPr lang="zh-CN"/>
+                    </a:p>
+                  </a:txBody>
                   <a:tcPr/>
                 </a:tc>
                 <a:tc hMerge="1">
+                  <a:txBody>
+                    <a:bodyPr/>
+                    <a:lstStyle/>
+                    <a:p>
+                      <a:endParaRPr lang="zh-CN"/>
+                    </a:p>
+                  </a:txBody>
                   <a:tcPr/>
                 </a:tc>
                 <a:tc hMerge="1">
+                  <a:txBody>
+                    <a:bodyPr/>
+                    <a:lstStyle/>
+                    <a:p>
+                      <a:endParaRPr lang="zh-CN"/>
+                    </a:p>
+                  </a:txBody>
                   <a:tcPr/>
                 </a:tc>
                 <a:tc hMerge="1">
+                  <a:txBody>
+                    <a:bodyPr/>
+                    <a:lstStyle/>
+                    <a:p>
+                      <a:endParaRPr lang="zh-CN"/>
+                    </a:p>
+                  </a:txBody>
                   <a:tcPr/>
                 </a:tc>
                 <a:tc hMerge="1">
+                  <a:txBody>
+                    <a:bodyPr/>
+                    <a:lstStyle/>
+                    <a:p>
+                      <a:endParaRPr lang="zh-CN"/>
+                    </a:p>
+                  </a:txBody>
                   <a:tcPr/>
                 </a:tc>
                 <a:tc hMerge="1">
+                  <a:txBody>
+                    <a:bodyPr/>
+                    <a:lstStyle/>
+                    <a:p>
+                      <a:endParaRPr lang="zh-CN"/>
+                    </a:p>
+                  </a:txBody>
                   <a:tcPr/>
                 </a:tc>
               </a:tr>
@@ -8263,7 +8973,6 @@
                         <a:rPr lang="en-US" altLang="zh-CN"/>
                         <a:t>counter</a:t>
                       </a:r>
-                      <a:endParaRPr lang="en-US" altLang="zh-CN"/>
                     </a:p>
                   </a:txBody>
                   <a:tcPr/>
@@ -8280,12 +8989,18 @@
                         <a:rPr lang="zh-CN" altLang="en-US" sz="900"/>
                         <a:t>一个递增和递减计数器度量。</a:t>
                       </a:r>
-                      <a:endParaRPr lang="zh-CN" altLang="en-US" sz="900"/>
                     </a:p>
                   </a:txBody>
                   <a:tcPr/>
                 </a:tc>
                 <a:tc rowSpan="2" hMerge="1">
+                  <a:txBody>
+                    <a:bodyPr/>
+                    <a:lstStyle/>
+                    <a:p>
+                      <a:endParaRPr lang="zh-CN"/>
+                    </a:p>
+                  </a:txBody>
                   <a:tcPr/>
                 </a:tc>
                 <a:tc>
@@ -8300,7 +9015,6 @@
                         <a:rPr lang="zh-CN" altLang="en-US" sz="900"/>
                         <a:t>dec()</a:t>
                       </a:r>
-                      <a:endParaRPr lang="zh-CN" altLang="en-US" sz="900"/>
                     </a:p>
                   </a:txBody>
                   <a:tcPr/>
@@ -8317,7 +9031,6 @@
                         <a:rPr lang="zh-CN" altLang="en-US" sz="900"/>
                         <a:t>dec(long n)</a:t>
                       </a:r>
-                      <a:endParaRPr lang="zh-CN" altLang="en-US" sz="900"/>
                     </a:p>
                   </a:txBody>
                   <a:tcPr/>
@@ -8334,12 +9047,18 @@
                         <a:rPr lang="zh-CN" altLang="en-US" sz="900"/>
                         <a:t>getCount()</a:t>
                       </a:r>
-                      <a:endParaRPr lang="zh-CN" altLang="en-US" sz="900"/>
                     </a:p>
                   </a:txBody>
                   <a:tcPr/>
                 </a:tc>
                 <a:tc hMerge="1">
+                  <a:txBody>
+                    <a:bodyPr/>
+                    <a:lstStyle/>
+                    <a:p>
+                      <a:endParaRPr lang="zh-CN"/>
+                    </a:p>
+                  </a:txBody>
                   <a:tcPr/>
                 </a:tc>
                 <a:tc>
@@ -8354,7 +9073,6 @@
                         <a:rPr lang="zh-CN" altLang="en-US" sz="900"/>
                         <a:t>inc(long n)</a:t>
                       </a:r>
-                      <a:endParaRPr lang="zh-CN" altLang="en-US" sz="900"/>
                     </a:p>
                   </a:txBody>
                   <a:tcPr/>
@@ -8373,9 +9091,6 @@
                         </a:rPr>
                         <a:t>inc()</a:t>
                       </a:r>
-                      <a:endParaRPr lang="zh-CN" altLang="en-US" sz="900">
-                        <a:sym typeface="Arial" panose="020B0604020202020204" pitchFamily="34" charset="0"/>
-                      </a:endParaRPr>
                     </a:p>
                     <a:p>
                       <a:pPr>
@@ -8387,17 +9102,45 @@
                   <a:tcPr/>
                 </a:tc>
                 <a:tc hMerge="1">
+                  <a:txBody>
+                    <a:bodyPr/>
+                    <a:lstStyle/>
+                    <a:p>
+                      <a:endParaRPr lang="zh-CN"/>
+                    </a:p>
+                  </a:txBody>
                   <a:tcPr/>
                 </a:tc>
               </a:tr>
               <a:tr h="502920">
                 <a:tc vMerge="1">
+                  <a:txBody>
+                    <a:bodyPr/>
+                    <a:lstStyle/>
+                    <a:p>
+                      <a:endParaRPr lang="zh-CN"/>
+                    </a:p>
+                  </a:txBody>
                   <a:tcPr/>
                 </a:tc>
-                <a:tc vMerge="1" gridSpan="2">
+                <a:tc gridSpan="2" vMerge="1">
+                  <a:txBody>
+                    <a:bodyPr/>
+                    <a:lstStyle/>
+                    <a:p>
+                      <a:endParaRPr lang="zh-CN"/>
+                    </a:p>
+                  </a:txBody>
                   <a:tcPr/>
                 </a:tc>
-                <a:tc vMerge="1" hMerge="1">
+                <a:tc hMerge="1" vMerge="1">
+                  <a:txBody>
+                    <a:bodyPr/>
+                    <a:lstStyle/>
+                    <a:p>
+                      <a:endParaRPr lang="zh-CN"/>
+                    </a:p>
+                  </a:txBody>
                   <a:tcPr/>
                 </a:tc>
                 <a:tc>
@@ -8412,7 +9155,6 @@
                         <a:rPr lang="zh-CN" altLang="en-US" sz="900"/>
                         <a:t>把计数器减一。</a:t>
                       </a:r>
-                      <a:endParaRPr lang="zh-CN" altLang="en-US" sz="900"/>
                     </a:p>
                   </a:txBody>
                   <a:tcPr/>
@@ -8429,7 +9171,6 @@
                         <a:rPr lang="zh-CN" altLang="en-US" sz="900"/>
                         <a:t>将计数器减为n</a:t>
                       </a:r>
-                      <a:endParaRPr lang="zh-CN" altLang="en-US" sz="900"/>
                     </a:p>
                   </a:txBody>
                   <a:tcPr/>
@@ -8446,12 +9187,18 @@
                         <a:rPr lang="zh-CN" altLang="en-US" sz="900"/>
                         <a:t>返回计数器的当前值</a:t>
                       </a:r>
-                      <a:endParaRPr lang="zh-CN" altLang="en-US" sz="900"/>
                     </a:p>
                   </a:txBody>
                   <a:tcPr/>
                 </a:tc>
                 <a:tc hMerge="1">
+                  <a:txBody>
+                    <a:bodyPr/>
+                    <a:lstStyle/>
+                    <a:p>
+                      <a:endParaRPr lang="zh-CN"/>
+                    </a:p>
+                  </a:txBody>
                   <a:tcPr/>
                 </a:tc>
                 <a:tc>
@@ -8470,7 +9217,6 @@
                         <a:rPr lang="en-US" altLang="zh-CN" sz="900"/>
                         <a:t>n</a:t>
                       </a:r>
-                      <a:endParaRPr lang="en-US" altLang="zh-CN" sz="900"/>
                     </a:p>
                   </a:txBody>
                   <a:tcPr/>
@@ -8495,6 +9241,13 @@
                   <a:tcPr/>
                 </a:tc>
                 <a:tc hMerge="1">
+                  <a:txBody>
+                    <a:bodyPr/>
+                    <a:lstStyle/>
+                    <a:p>
+                      <a:endParaRPr lang="zh-CN"/>
+                    </a:p>
+                  </a:txBody>
                   <a:tcPr/>
                 </a:tc>
               </a:tr>
@@ -8513,9 +9266,6 @@
                         </a:rPr>
                         <a:t>Meter</a:t>
                       </a:r>
-                      <a:endParaRPr lang="zh-CN" altLang="en-US" sz="1800">
-                        <a:sym typeface="Arial" panose="020B0604020202020204" pitchFamily="34" charset="0"/>
-                      </a:endParaRPr>
                     </a:p>
                     <a:p>
                       <a:pPr>
@@ -8538,7 +9288,6 @@
                         <a:rPr lang="zh-CN" altLang="en-US" sz="900"/>
                         <a:t>一种测量平均吞吐量和一、五、十五分钟的指数加权移动平均吞吐量的米度量。</a:t>
                       </a:r>
-                      <a:endParaRPr lang="zh-CN" altLang="en-US" sz="900"/>
                     </a:p>
                   </a:txBody>
                   <a:tcPr/>
@@ -8555,12 +9304,18 @@
                         <a:rPr lang="zh-CN" altLang="en-US" sz="800"/>
                         <a:t>mark(long n)</a:t>
                       </a:r>
-                      <a:endParaRPr lang="zh-CN" altLang="en-US" sz="800"/>
                     </a:p>
                   </a:txBody>
                   <a:tcPr/>
                 </a:tc>
                 <a:tc hMerge="1">
+                  <a:txBody>
+                    <a:bodyPr/>
+                    <a:lstStyle/>
+                    <a:p>
+                      <a:endParaRPr lang="zh-CN"/>
+                    </a:p>
+                  </a:txBody>
                   <a:tcPr/>
                 </a:tc>
                 <a:tc>
@@ -8575,7 +9330,6 @@
                         <a:rPr lang="zh-CN" altLang="en-US" sz="800"/>
                         <a:t>getCount()</a:t>
                       </a:r>
-                      <a:endParaRPr lang="zh-CN" altLang="en-US" sz="800"/>
                     </a:p>
                   </a:txBody>
                   <a:tcPr/>
@@ -8592,7 +9346,6 @@
                         <a:rPr lang="zh-CN" altLang="en-US" sz="800"/>
                         <a:t>getFiveMinuteRate()</a:t>
                       </a:r>
-                      <a:endParaRPr lang="zh-CN" altLang="en-US" sz="800"/>
                     </a:p>
                   </a:txBody>
                   <a:tcPr/>
@@ -8609,7 +9362,6 @@
                         <a:rPr lang="zh-CN" altLang="en-US" sz="800"/>
                         <a:t>getFifteenMinuteRate()</a:t>
                       </a:r>
-                      <a:endParaRPr lang="zh-CN" altLang="en-US" sz="800"/>
                     </a:p>
                   </a:txBody>
                   <a:tcPr/>
@@ -8626,7 +9378,6 @@
                         <a:rPr lang="zh-CN" altLang="en-US" sz="800"/>
                         <a:t>getMeanRate()</a:t>
                       </a:r>
-                      <a:endParaRPr lang="zh-CN" altLang="en-US" sz="800"/>
                     </a:p>
                   </a:txBody>
                   <a:tcPr/>
@@ -8643,7 +9394,6 @@
                         <a:rPr lang="zh-CN" altLang="en-US" sz="800"/>
                         <a:t>getOneMinuteRate()</a:t>
                       </a:r>
-                      <a:endParaRPr lang="zh-CN" altLang="en-US" sz="800"/>
                     </a:p>
                   </a:txBody>
                   <a:tcPr/>
@@ -8662,9 +9412,6 @@
                         </a:rPr>
                         <a:t>mark()</a:t>
                       </a:r>
-                      <a:endParaRPr lang="zh-CN" altLang="en-US" sz="800">
-                        <a:sym typeface="+mn-ea"/>
-                      </a:endParaRPr>
                     </a:p>
                     <a:p>
                       <a:pPr>
@@ -8678,9 +9425,23 @@
               </a:tr>
               <a:tr h="944880">
                 <a:tc vMerge="1">
+                  <a:txBody>
+                    <a:bodyPr/>
+                    <a:lstStyle/>
+                    <a:p>
+                      <a:endParaRPr lang="zh-CN"/>
+                    </a:p>
+                  </a:txBody>
                   <a:tcPr/>
                 </a:tc>
                 <a:tc vMerge="1">
+                  <a:txBody>
+                    <a:bodyPr/>
+                    <a:lstStyle/>
+                    <a:p>
+                      <a:endParaRPr lang="zh-CN"/>
+                    </a:p>
+                  </a:txBody>
                   <a:tcPr/>
                 </a:tc>
                 <a:tc gridSpan="2">
@@ -8695,12 +9456,18 @@
                         <a:rPr lang="zh-CN" altLang="en-US" sz="800"/>
                         <a:t>标记给定数量的事件的发生</a:t>
                       </a:r>
-                      <a:endParaRPr lang="zh-CN" altLang="en-US" sz="800"/>
                     </a:p>
                   </a:txBody>
                   <a:tcPr/>
                 </a:tc>
                 <a:tc hMerge="1">
+                  <a:txBody>
+                    <a:bodyPr/>
+                    <a:lstStyle/>
+                    <a:p>
+                      <a:endParaRPr lang="zh-CN"/>
+                    </a:p>
+                  </a:txBody>
                   <a:tcPr/>
                 </a:tc>
                 <a:tc>
@@ -8715,7 +9482,6 @@
                         <a:rPr lang="zh-CN" altLang="en-US" sz="800"/>
                         <a:t>返回已标记的事件的数量</a:t>
                       </a:r>
-                      <a:endParaRPr lang="zh-CN" altLang="en-US" sz="800"/>
                     </a:p>
                   </a:txBody>
                   <a:tcPr/>
@@ -8758,7 +9524,6 @@
                         <a:rPr lang="zh-CN" altLang="en-US" sz="800"/>
                         <a:t>返回自仪表创建以来发生事件的平均速率</a:t>
                       </a:r>
-                      <a:endParaRPr lang="zh-CN" altLang="en-US" sz="800"/>
                     </a:p>
                   </a:txBody>
                   <a:tcPr/>
@@ -8775,7 +9540,6 @@
                         <a:rPr lang="zh-CN" altLang="en-US" sz="800"/>
                         <a:t>返回自仪表创建以来发生事件的一分钟幂加权移动平均速率</a:t>
                       </a:r>
-                      <a:endParaRPr lang="zh-CN" altLang="en-US" sz="800"/>
                     </a:p>
                   </a:txBody>
                   <a:tcPr/>
@@ -8794,9 +9558,6 @@
                         </a:rPr>
                         <a:t>标记事件的发生</a:t>
                       </a:r>
-                      <a:endParaRPr lang="zh-CN" altLang="en-US" sz="800">
-                        <a:sym typeface="+mn-ea"/>
-                      </a:endParaRPr>
                     </a:p>
                     <a:p>
                       <a:pPr>
@@ -8846,9 +9607,23 @@
                   <a:tcPr/>
                 </a:tc>
                 <a:tc rowSpan="2" hMerge="1">
+                  <a:txBody>
+                    <a:bodyPr/>
+                    <a:lstStyle/>
+                    <a:p>
+                      <a:endParaRPr lang="zh-CN"/>
+                    </a:p>
+                  </a:txBody>
                   <a:tcPr/>
                 </a:tc>
                 <a:tc rowSpan="2" hMerge="1">
+                  <a:txBody>
+                    <a:bodyPr/>
+                    <a:lstStyle/>
+                    <a:p>
+                      <a:endParaRPr lang="zh-CN"/>
+                    </a:p>
+                  </a:txBody>
                   <a:tcPr/>
                 </a:tc>
                 <a:tc>
@@ -8863,7 +9638,6 @@
                         <a:rPr lang="zh-CN" altLang="en-US" sz="900"/>
                         <a:t>time()</a:t>
                       </a:r>
-                      <a:endParaRPr lang="zh-CN" altLang="en-US" sz="900"/>
                     </a:p>
                   </a:txBody>
                   <a:tcPr/>
@@ -8880,7 +9654,6 @@
                         <a:rPr lang="zh-CN" altLang="en-US" sz="900"/>
                         <a:t>getCount()</a:t>
                       </a:r>
-                      <a:endParaRPr lang="zh-CN" altLang="en-US" sz="900"/>
                     </a:p>
                   </a:txBody>
                   <a:tcPr/>
@@ -8897,7 +9670,6 @@
                         <a:rPr lang="zh-CN" altLang="en-US" sz="900"/>
                         <a:t>time(Runnable event)</a:t>
                       </a:r>
-                      <a:endParaRPr lang="zh-CN" altLang="en-US" sz="900"/>
                     </a:p>
                   </a:txBody>
                   <a:tcPr/>
@@ -8914,7 +9686,6 @@
                         <a:rPr lang="zh-CN" altLang="en-US" sz="900"/>
                         <a:t>getMeanRate()</a:t>
                       </a:r>
-                      <a:endParaRPr lang="zh-CN" altLang="en-US" sz="900"/>
                     </a:p>
                   </a:txBody>
                   <a:tcPr/>
@@ -8931,7 +9702,6 @@
                         <a:rPr lang="zh-CN" altLang="en-US" sz="900"/>
                         <a:t>getFiveMinuteRate()</a:t>
                       </a:r>
-                      <a:endParaRPr lang="zh-CN" altLang="en-US" sz="900"/>
                     </a:p>
                   </a:txBody>
                   <a:tcPr/>
@@ -8948,7 +9718,6 @@
                         <a:rPr lang="zh-CN" altLang="en-US" sz="900"/>
                         <a:t>getFifteenMinuteRate()</a:t>
                       </a:r>
-                      <a:endParaRPr lang="zh-CN" altLang="en-US" sz="900"/>
                     </a:p>
                   </a:txBody>
                   <a:tcPr/>
@@ -8956,15 +9725,43 @@
               </a:tr>
               <a:tr h="1325880">
                 <a:tc vMerge="1">
+                  <a:txBody>
+                    <a:bodyPr/>
+                    <a:lstStyle/>
+                    <a:p>
+                      <a:endParaRPr lang="zh-CN"/>
+                    </a:p>
+                  </a:txBody>
                   <a:tcPr/>
                 </a:tc>
-                <a:tc vMerge="1" gridSpan="3">
+                <a:tc gridSpan="3" vMerge="1">
+                  <a:txBody>
+                    <a:bodyPr/>
+                    <a:lstStyle/>
+                    <a:p>
+                      <a:endParaRPr lang="zh-CN"/>
+                    </a:p>
+                  </a:txBody>
                   <a:tcPr/>
                 </a:tc>
-                <a:tc vMerge="1" hMerge="1">
+                <a:tc hMerge="1" vMerge="1">
+                  <a:txBody>
+                    <a:bodyPr/>
+                    <a:lstStyle/>
+                    <a:p>
+                      <a:endParaRPr lang="zh-CN"/>
+                    </a:p>
+                  </a:txBody>
                   <a:tcPr/>
                 </a:tc>
-                <a:tc vMerge="1" hMerge="1">
+                <a:tc hMerge="1" vMerge="1">
+                  <a:txBody>
+                    <a:bodyPr/>
+                    <a:lstStyle/>
+                    <a:p>
+                      <a:endParaRPr lang="zh-CN"/>
+                    </a:p>
+                  </a:txBody>
                   <a:tcPr/>
                 </a:tc>
                 <a:tc>
@@ -8979,7 +9776,6 @@
                         <a:rPr lang="zh-CN" altLang="en-US" sz="900"/>
                         <a:t>返回 new Timer.Context.</a:t>
                       </a:r>
-                      <a:endParaRPr lang="zh-CN" altLang="en-US" sz="900"/>
                     </a:p>
                   </a:txBody>
                   <a:tcPr/>
@@ -8996,7 +9792,6 @@
                         <a:rPr lang="zh-CN" altLang="en-US" sz="900"/>
                         <a:t>返回已标记的事件的数量</a:t>
                       </a:r>
-                      <a:endParaRPr lang="zh-CN" altLang="en-US" sz="900"/>
                     </a:p>
                   </a:txBody>
                   <a:tcPr/>
@@ -9013,7 +9808,6 @@
                         <a:rPr lang="zh-CN" altLang="en-US" sz="900"/>
                         <a:t>时间和记录事件的持续时间。</a:t>
                       </a:r>
-                      <a:endParaRPr lang="zh-CN" altLang="en-US" sz="900"/>
                     </a:p>
                   </a:txBody>
                   <a:tcPr/>
@@ -9030,7 +9824,6 @@
                         <a:rPr lang="zh-CN" altLang="en-US" sz="900"/>
                         <a:t>返回自仪表创建以来发生事件的平均速率。</a:t>
                       </a:r>
-                      <a:endParaRPr lang="zh-CN" altLang="en-US" sz="900"/>
                     </a:p>
                   </a:txBody>
                   <a:tcPr/>
@@ -9047,7 +9840,6 @@
                         <a:rPr lang="zh-CN" altLang="en-US" sz="900"/>
                         <a:t>返回自仪表创建以来发生事件的五分钟指数加权移动平均速率。</a:t>
                       </a:r>
-                      <a:endParaRPr lang="zh-CN" altLang="en-US" sz="900"/>
                     </a:p>
                   </a:txBody>
                   <a:tcPr/>
@@ -9064,7 +9856,6 @@
                         <a:rPr lang="zh-CN" altLang="en-US" sz="900"/>
                         <a:t>返回自仪表创建以来发生事件的15分钟的指数加权移动平均速率。</a:t>
                       </a:r>
-                      <a:endParaRPr lang="zh-CN" altLang="en-US" sz="900"/>
                     </a:p>
                   </a:txBody>
                   <a:tcPr/>
@@ -9083,7 +9874,7 @@
           <p:nvPr/>
         </p:nvPicPr>
         <p:blipFill>
-          <a:blip r:embed="rId1"/>
+          <a:blip r:embed="rId2"/>
           <a:stretch>
             <a:fillRect/>
           </a:stretch>
@@ -9192,11 +9983,6 @@
               </a:rPr>
               <a:t>)</a:t>
             </a:r>
-            <a:endParaRPr lang="en-US" altLang="zh-CN" sz="2800" dirty="0">
-              <a:solidFill>
-                <a:srgbClr val="FFC000"/>
-              </a:solidFill>
-            </a:endParaRPr>
           </a:p>
         </p:txBody>
       </p:sp>
@@ -9221,7 +10007,6 @@
               <a:rPr lang="zh-CN" altLang="en-US" sz="1000" dirty="0"/>
               <a:t>接口统一要求：</a:t>
             </a:r>
-            <a:endParaRPr lang="zh-CN" altLang="en-US" sz="1000" dirty="0"/>
           </a:p>
           <a:p>
             <a:pPr marL="0" indent="0">
@@ -9239,7 +10024,6 @@
               <a:rPr lang="zh-CN" altLang="en-US" sz="1000" dirty="0"/>
               <a:t>提供了时间，最大最小，平均值一张图</a:t>
             </a:r>
-            <a:endParaRPr lang="zh-CN" altLang="en-US" sz="1000" dirty="0"/>
           </a:p>
           <a:p>
             <a:pPr marL="0" indent="0">
@@ -9249,7 +10033,6 @@
               <a:rPr lang="zh-CN" altLang="en-US" sz="1000" dirty="0"/>
               <a:t>       Timer.Context ctx = UMonitor.time("xxx");</a:t>
             </a:r>
-            <a:endParaRPr lang="zh-CN" altLang="en-US" sz="1000" dirty="0"/>
           </a:p>
           <a:p>
             <a:pPr marL="0" indent="0">
@@ -9259,7 +10042,6 @@
               <a:rPr lang="zh-CN" altLang="en-US" sz="1000" dirty="0"/>
               <a:t>             try {</a:t>
             </a:r>
-            <a:endParaRPr lang="zh-CN" altLang="en-US" sz="1000" dirty="0"/>
           </a:p>
           <a:p>
             <a:pPr marL="0" indent="0">
@@ -9269,7 +10051,6 @@
               <a:rPr lang="zh-CN" altLang="en-US" sz="1000" dirty="0"/>
               <a:t>                 业务代码</a:t>
             </a:r>
-            <a:endParaRPr lang="zh-CN" altLang="en-US" sz="1000" dirty="0"/>
           </a:p>
           <a:p>
             <a:pPr marL="0" indent="0">
@@ -9279,7 +10060,6 @@
               <a:rPr lang="zh-CN" altLang="en-US" sz="1000" dirty="0"/>
               <a:t>              } finally {</a:t>
             </a:r>
-            <a:endParaRPr lang="zh-CN" altLang="en-US" sz="1000" dirty="0"/>
           </a:p>
           <a:p>
             <a:pPr marL="0" indent="0">
@@ -9289,7 +10069,6 @@
               <a:rPr lang="zh-CN" altLang="en-US" sz="1000" dirty="0"/>
               <a:t>                  ctx.stop()</a:t>
             </a:r>
-            <a:endParaRPr lang="zh-CN" altLang="en-US" sz="1000" dirty="0"/>
           </a:p>
           <a:p>
             <a:pPr marL="0" indent="0">
@@ -9299,7 +10078,6 @@
               <a:rPr lang="zh-CN" altLang="en-US" sz="1000" dirty="0"/>
               <a:t>              }</a:t>
             </a:r>
-            <a:endParaRPr lang="zh-CN" altLang="en-US" sz="1000" dirty="0"/>
           </a:p>
           <a:p>
             <a:pPr marL="0" indent="0">
@@ -9317,7 +10095,6 @@
               <a:rPr lang="zh-CN" altLang="en-US" sz="1000" dirty="0"/>
               <a:t>提供计数或者异常一张图</a:t>
             </a:r>
-            <a:endParaRPr lang="zh-CN" altLang="en-US" sz="1000" dirty="0"/>
           </a:p>
           <a:p>
             <a:pPr marL="0" indent="0">
@@ -9695,6 +10472,8 @@
       </a:bgFillStyleLst>
     </a:fmtScheme>
   </a:themeElements>
+  <a:objectDefaults/>
+  <a:extraClrSchemeLst/>
   <a:extLst>
     <a:ext uri="{05A4C25C-085E-4340-85A3-A5531E510DB2}">
       <thm15:themeFamily xmlns:thm15="http://schemas.microsoft.com/office/thememl/2012/main" name="Office Theme" id="{62F939B6-93AF-4DB8-9C6B-D6C7DFDC589F}" vid="{4A3C46E8-61CC-4603-A589-7422A47A8E4A}"/>
@@ -9981,6 +10760,8 @@
       </a:bgFillStyleLst>
     </a:fmtScheme>
   </a:themeElements>
+  <a:objectDefaults/>
+  <a:extraClrSchemeLst/>
   <a:extLst>
     <a:ext uri="{05A4C25C-085E-4340-85A3-A5531E510DB2}">
       <thm15:themeFamily xmlns:thm15="http://schemas.microsoft.com/office/thememl/2012/main" name="Office Theme" id="{62F939B6-93AF-4DB8-9C6B-D6C7DFDC589F}" vid="{4A3C46E8-61CC-4603-A589-7422A47A8E4A}"/>
@@ -10240,6 +11021,8 @@
       </a:bgFillStyleLst>
     </a:fmtScheme>
   </a:themeElements>
+  <a:objectDefaults/>
+  <a:extraClrSchemeLst/>
   <a:extLst>
     <a:ext uri="{05A4C25C-085E-4340-85A3-A5531E510DB2}">
       <thm15:themeFamily xmlns:thm15="http://schemas.microsoft.com/office/thememl/2012/main" name="Office Theme" id="{62F939B6-93AF-4DB8-9C6B-D6C7DFDC589F}" vid="{4A3C46E8-61CC-4603-A589-7422A47A8E4A}"/>

--- a/bigdata/学习Hbase.pptx
+++ b/bigdata/学习Hbase.pptx
@@ -5,35 +5,22 @@
     <p:sldMasterId id="2147483648" r:id="rId1"/>
   </p:sldMasterIdLst>
   <p:notesMasterIdLst>
-    <p:notesMasterId r:id="rId23"/>
+    <p:notesMasterId r:id="rId9"/>
   </p:notesMasterIdLst>
   <p:handoutMasterIdLst>
-    <p:handoutMasterId r:id="rId24"/>
+    <p:handoutMasterId r:id="rId12"/>
   </p:handoutMasterIdLst>
   <p:sldIdLst>
-    <p:sldId id="256" r:id="rId2"/>
-    <p:sldId id="434" r:id="rId3"/>
-    <p:sldId id="388" r:id="rId4"/>
-    <p:sldId id="463" r:id="rId5"/>
-    <p:sldId id="444" r:id="rId6"/>
-    <p:sldId id="446" r:id="rId7"/>
-    <p:sldId id="448" r:id="rId8"/>
-    <p:sldId id="426" r:id="rId9"/>
-    <p:sldId id="427" r:id="rId10"/>
-    <p:sldId id="450" r:id="rId11"/>
-    <p:sldId id="424" r:id="rId12"/>
-    <p:sldId id="425" r:id="rId13"/>
-    <p:sldId id="451" r:id="rId14"/>
-    <p:sldId id="452" r:id="rId15"/>
-    <p:sldId id="454" r:id="rId16"/>
-    <p:sldId id="455" r:id="rId17"/>
-    <p:sldId id="453" r:id="rId18"/>
-    <p:sldId id="430" r:id="rId19"/>
-    <p:sldId id="402" r:id="rId20"/>
-    <p:sldId id="428" r:id="rId21"/>
-    <p:sldId id="429" r:id="rId22"/>
+    <p:sldId id="256" r:id="rId3"/>
+    <p:sldId id="434" r:id="rId4"/>
+    <p:sldId id="388" r:id="rId5"/>
+    <p:sldId id="463" r:id="rId6"/>
+    <p:sldId id="444" r:id="rId7"/>
+    <p:sldId id="446" r:id="rId8"/>
+    <p:sldId id="481" r:id="rId10"/>
+    <p:sldId id="429" r:id="rId11"/>
   </p:sldIdLst>
-  <p:sldSz cx="9144000" cy="5145088"/>
+  <p:sldSz cx="9144000" cy="5144770"/>
   <p:notesSz cx="6858000" cy="9144000"/>
   <p:defaultTextStyle>
     <a:defPPr>
@@ -130,22 +117,6 @@
       </a:defRPr>
     </a:lvl9pPr>
   </p:defaultTextStyle>
-  <p:extLst>
-    <p:ext uri="{EFAFB233-063F-42B5-8137-9DF3F51BA10A}">
-      <p15:sldGuideLst xmlns:p15="http://schemas.microsoft.com/office/powerpoint/2012/main">
-        <p15:guide id="1" orient="horz" pos="1629">
-          <p15:clr>
-            <a:srgbClr val="A4A3A4"/>
-          </p15:clr>
-        </p15:guide>
-        <p15:guide id="2" pos="2824">
-          <p15:clr>
-            <a:srgbClr val="A4A3A4"/>
-          </p15:clr>
-        </p15:guide>
-      </p15:sldGuideLst>
-    </p:ext>
-  </p:extLst>
 </p:presentation>
 </file>
 
@@ -231,7 +202,6 @@
           <a:p>
             <a:fld id="{0F9B84EA-7D68-4D60-9CB1-D50884785D1C}" type="datetimeFigureOut">
               <a:rPr lang="zh-CN" altLang="en-US" smtClean="0"/>
-              <a:t>2018/9/25</a:t>
             </a:fld>
             <a:endParaRPr lang="zh-CN" altLang="en-US"/>
           </a:p>
@@ -297,18 +267,12 @@
           <a:p>
             <a:fld id="{8D4E0FC9-F1F8-4FAE-9988-3BA365CFD46F}" type="slidenum">
               <a:rPr lang="zh-CN" altLang="en-US" smtClean="0"/>
-              <a:t>‹#›</a:t>
             </a:fld>
             <a:endParaRPr lang="zh-CN" altLang="en-US"/>
           </a:p>
         </p:txBody>
       </p:sp>
     </p:spTree>
-    <p:extLst>
-      <p:ext uri="{BB962C8B-B14F-4D97-AF65-F5344CB8AC3E}">
-        <p14:creationId xmlns:p14="http://schemas.microsoft.com/office/powerpoint/2010/main" val="2641728356"/>
-      </p:ext>
-    </p:extLst>
   </p:cSld>
   <p:clrMap bg1="lt1" tx1="dk1" bg2="lt2" tx2="dk2" accent1="accent1" accent2="accent2" accent3="accent3" accent4="accent4" accent5="accent5" accent6="accent6" hlink="hlink" folHlink="folHlink"/>
 </p:handoutMaster>
@@ -396,7 +360,6 @@
           <a:p>
             <a:fld id="{D60B4A33-8CC6-4A9D-99BB-1801B6CFF545}" type="datetimeFigureOut">
               <a:rPr lang="zh-CN" altLang="en-US" smtClean="0"/>
-              <a:t>2018/9/25</a:t>
             </a:fld>
             <a:endParaRPr lang="zh-CN" altLang="en-US"/>
           </a:p>
@@ -465,6 +428,7 @@
               <a:rPr lang="zh-CN" altLang="en-US"/>
               <a:t>单击此处编辑母版文本样式</a:t>
             </a:r>
+            <a:endParaRPr lang="zh-CN" altLang="en-US"/>
           </a:p>
           <a:p>
             <a:pPr lvl="1"/>
@@ -472,6 +436,7 @@
               <a:rPr lang="zh-CN" altLang="en-US"/>
               <a:t>第二级</a:t>
             </a:r>
+            <a:endParaRPr lang="zh-CN" altLang="en-US"/>
           </a:p>
           <a:p>
             <a:pPr lvl="2"/>
@@ -479,6 +444,7 @@
               <a:rPr lang="zh-CN" altLang="en-US"/>
               <a:t>第三级</a:t>
             </a:r>
+            <a:endParaRPr lang="zh-CN" altLang="en-US"/>
           </a:p>
           <a:p>
             <a:pPr lvl="3"/>
@@ -486,6 +452,7 @@
               <a:rPr lang="zh-CN" altLang="en-US"/>
               <a:t>第四级</a:t>
             </a:r>
+            <a:endParaRPr lang="zh-CN" altLang="en-US"/>
           </a:p>
           <a:p>
             <a:pPr lvl="4"/>
@@ -493,6 +460,7 @@
               <a:rPr lang="zh-CN" altLang="en-US"/>
               <a:t>第五级</a:t>
             </a:r>
+            <a:endParaRPr lang="zh-CN" altLang="en-US"/>
           </a:p>
         </p:txBody>
       </p:sp>
@@ -556,18 +524,12 @@
           <a:p>
             <a:fld id="{5AF57741-1FBC-46E9-B013-86EC6A7C2E15}" type="slidenum">
               <a:rPr lang="zh-CN" altLang="en-US" smtClean="0"/>
-              <a:t>‹#›</a:t>
             </a:fld>
             <a:endParaRPr lang="zh-CN" altLang="en-US"/>
           </a:p>
         </p:txBody>
       </p:sp>
     </p:spTree>
-    <p:extLst>
-      <p:ext uri="{BB962C8B-B14F-4D97-AF65-F5344CB8AC3E}">
-        <p14:creationId xmlns:p14="http://schemas.microsoft.com/office/powerpoint/2010/main" val="991529529"/>
-      </p:ext>
-    </p:extLst>
   </p:cSld>
   <p:clrMap bg1="lt1" tx1="dk1" bg2="lt2" tx2="dk2" accent1="accent1" accent2="accent2" accent3="accent3" accent4="accent4" accent5="accent5" accent6="accent6" hlink="hlink" folHlink="folHlink"/>
   <p:notesStyle>
@@ -709,16 +671,83 @@
           <a:bodyPr/>
           <a:lstStyle/>
           <a:p>
+            <a:r>
+              <a:rPr lang="zh-CN" altLang="en-US"/>
+              <a:t>首先我们需要知道 HBase 的集群是通过 Zookeeper 来进行机器之前的协调，也就是说 HBase Master 与 Region Server 之间的关系是依赖 Zookeeper 来维护。当一个 Client 需要访问 HBase 集群时，Client 需要先和 Zookeeper 来通信，然后才会找到对应的 Region Server。每一个 Region Server 管理着很多个 Region。对于 HBase 来说，Region 是 HBase 并行化的基本单元。因此，数据也都存储在 Region 中。这里我们需要特别注意，每一个 Region 都只存储一个 Column Family 的数据，并且是该 CF 中的一段（按 Row 的区间分成多个 Region）。Region 所能存储的数据大小是有上限的，当达到该上限时（Threshold），Region 会进行分裂，数据也会分裂到多个 Region 中，这样便可以提高数据的并行化，以及提高数据的容量。每个 Region 包含着多个 Store 对象。每个 Store 包含一个 MemStore，和一个或多个 HFile。MemStore 便是数据在内存中的实体，并且一般都是有序的。当数据向 Region 写入的时候，会先写入 MemStore。当 MemStore 中的数据需要向底层文件系统倾倒（Dump）时（例如 MemStore 中的数据体积到达 MemStore 配置的最大值），Store 便会创建 StoreFile，而 StoreFile 就是对 HFile 一层封装。所以 MemStore 中的数据会最终写入到 HFile 中，也就是磁盘 IO。由于 HBase 底层依靠 HDFS，因此 HFile 都存储在 HDFS 之中。这便是整个 HBase 工作的原理简述。</a:t>
+            </a:r>
+            <a:endParaRPr lang="zh-CN" altLang="en-US"/>
+          </a:p>
+          <a:p>
+            <a:endParaRPr lang="zh-CN" altLang="en-US"/>
+          </a:p>
+          <a:p>
+            <a:r>
+              <a:rPr lang="zh-CN" altLang="en-US"/>
+              <a:t>我们了解了 HBase 大致的工作原理，那么在 HBase 的工作过程中，如何保证数据的可靠性呢？带着这个问题，我们理解下 HLog 的作用。HBase 中的 HLog 机制是 WAL 的一种实现，而 WAL（一般翻译为预写日志）是事务机制中常见的一致性的实现方式。每个 Region Server 中都会有一个 HLog 的实例，Region Server 会将更新操作（如 Put，Delete）先记录到 WAL（也就是 HLog）中，然后将其写入到 Store 的 MemStore，最终 MemStore 会将数据写入到持久化的 HFile 中（MemStore 到达配置的内存阀值）。这样就保证了 HBase 的写的可靠性。如果没有 WAL，当 Region Server 宕掉的时候，MemStore 还没有写入到 HFile，或者 StoreFile 还没有保存，数据就会丢失。或许有的读者会担心 HFile 本身会不会丢失，这是由 HDFS 来保证的。在 HDFS 中的数据默认会有 3 份。因此这里并不考虑 HFile 本身的可靠性。</a:t>
+            </a:r>
             <a:endParaRPr lang="zh-CN" altLang="en-US"/>
           </a:p>
         </p:txBody>
       </p:sp>
     </p:spTree>
-    <p:extLst>
-      <p:ext uri="{BB962C8B-B14F-4D97-AF65-F5344CB8AC3E}">
-        <p14:creationId xmlns:p14="http://schemas.microsoft.com/office/powerpoint/2010/main" val="1421211147"/>
-      </p:ext>
-    </p:extLst>
+  </p:cSld>
+  <p:clrMapOvr>
+    <a:masterClrMapping/>
+  </p:clrMapOvr>
+</p:notes>
+</file>
+
+<file path=ppt/notesSlides/notesSlide2.xml><?xml version="1.0" encoding="utf-8"?>
+<p:notes xmlns:a="http://schemas.openxmlformats.org/drawingml/2006/main" xmlns:r="http://schemas.openxmlformats.org/officeDocument/2006/relationships" xmlns:p="http://schemas.openxmlformats.org/presentationml/2006/main">
+  <p:cSld>
+    <p:spTree>
+      <p:nvGrpSpPr>
+        <p:cNvPr id="1" name=""/>
+        <p:cNvGrpSpPr/>
+        <p:nvPr/>
+      </p:nvGrpSpPr>
+      <p:grpSpPr/>
+      <p:sp>
+        <p:nvSpPr>
+          <p:cNvPr id="2" name="幻灯片图像占位符 1"/>
+          <p:cNvSpPr/>
+          <p:nvPr>
+            <p:ph type="sldImg" idx="2"/>
+          </p:nvPr>
+        </p:nvSpPr>
+        <p:spPr/>
+      </p:sp>
+      <p:sp>
+        <p:nvSpPr>
+          <p:cNvPr id="3" name="文本占位符 2"/>
+          <p:cNvSpPr/>
+          <p:nvPr>
+            <p:ph type="body" idx="3"/>
+          </p:nvPr>
+        </p:nvSpPr>
+        <p:spPr/>
+        <p:txBody>
+          <a:bodyPr/>
+          <a:p>
+            <a:r>
+              <a:rPr lang="zh-CN" altLang="en-US"/>
+              <a:t>从图中我们可以看到 HFile 由很多个数据块（Block）组成，并且有一个固定的结尾块。其中的数据块是由一个 Header 和多个 Key-Value 的键值对组成。在结尾的数据块中包含了数据相关的索引信息，系统也是通过结尾的索引信息找到 HFile 中的数据。HFile 中的数据块大小默认为 64KB。如果访问 HBase 数据库的场景多为有序的访问，那么建议将该值设置的大一些。如果场景多为随机访问，那么建议将该值设置的小一些。一般情况下，通过调整该值可以提高 HBase 的性能。</a:t>
+            </a:r>
+            <a:endParaRPr lang="zh-CN" altLang="en-US"/>
+          </a:p>
+          <a:p>
+            <a:endParaRPr lang="zh-CN" altLang="en-US"/>
+          </a:p>
+          <a:p>
+            <a:r>
+              <a:rPr lang="zh-CN" altLang="en-US"/>
+              <a:t>如果要用很短的一句话总结 HBase，我们可以认为 HBase 就是一个有序的多维 Map，其中每一个 Row-key 映射了许多数据，这些数据存储在 CF 中的 Column。我们可以用下图来表示这句话。</a:t>
+            </a:r>
+            <a:endParaRPr lang="zh-CN" altLang="en-US"/>
+          </a:p>
+        </p:txBody>
+      </p:sp>
+    </p:spTree>
   </p:cSld>
   <p:clrMapOvr>
     <a:masterClrMapping/>
@@ -767,6 +796,7 @@
               <a:rPr lang="zh-CN" altLang="en-US"/>
               <a:t>单击此处编辑母版标题样式</a:t>
             </a:r>
+            <a:endParaRPr lang="zh-CN" altLang="en-US"/>
           </a:p>
         </p:txBody>
       </p:sp>
@@ -885,6 +915,7 @@
               <a:rPr lang="zh-CN" altLang="en-US"/>
               <a:t>单击此处编辑母版副标题样式</a:t>
             </a:r>
+            <a:endParaRPr lang="zh-CN" altLang="en-US"/>
           </a:p>
         </p:txBody>
       </p:sp>
@@ -905,7 +936,6 @@
           <a:p>
             <a:fld id="{C1F886BA-5FC7-4C45-9AF2-D10BC1540A8E}" type="datetimeFigureOut">
               <a:rPr lang="zh-CN" altLang="en-US" smtClean="0"/>
-              <a:t>2018/9/25</a:t>
             </a:fld>
             <a:endParaRPr lang="zh-CN" altLang="en-US"/>
           </a:p>
@@ -947,7 +977,6 @@
           <a:p>
             <a:fld id="{DD6D0CF6-0F7D-4653-8535-B9F68734AF5D}" type="slidenum">
               <a:rPr lang="zh-CN" altLang="en-US" smtClean="0"/>
-              <a:t>‹#›</a:t>
             </a:fld>
             <a:endParaRPr lang="zh-CN" altLang="en-US"/>
           </a:p>
@@ -998,6 +1027,7 @@
               <a:rPr lang="zh-CN" altLang="en-US"/>
               <a:t>单击此处编辑母版标题样式</a:t>
             </a:r>
+            <a:endParaRPr lang="zh-CN" altLang="en-US"/>
           </a:p>
         </p:txBody>
       </p:sp>
@@ -1021,6 +1051,7 @@
               <a:rPr lang="zh-CN" altLang="en-US"/>
               <a:t>单击此处编辑母版文本样式</a:t>
             </a:r>
+            <a:endParaRPr lang="zh-CN" altLang="en-US"/>
           </a:p>
           <a:p>
             <a:pPr lvl="1"/>
@@ -1028,6 +1059,7 @@
               <a:rPr lang="zh-CN" altLang="en-US"/>
               <a:t>第二级</a:t>
             </a:r>
+            <a:endParaRPr lang="zh-CN" altLang="en-US"/>
           </a:p>
           <a:p>
             <a:pPr lvl="2"/>
@@ -1035,6 +1067,7 @@
               <a:rPr lang="zh-CN" altLang="en-US"/>
               <a:t>第三级</a:t>
             </a:r>
+            <a:endParaRPr lang="zh-CN" altLang="en-US"/>
           </a:p>
           <a:p>
             <a:pPr lvl="3"/>
@@ -1042,6 +1075,7 @@
               <a:rPr lang="zh-CN" altLang="en-US"/>
               <a:t>第四级</a:t>
             </a:r>
+            <a:endParaRPr lang="zh-CN" altLang="en-US"/>
           </a:p>
           <a:p>
             <a:pPr lvl="4"/>
@@ -1049,6 +1083,7 @@
               <a:rPr lang="zh-CN" altLang="en-US"/>
               <a:t>第五级</a:t>
             </a:r>
+            <a:endParaRPr lang="zh-CN" altLang="en-US"/>
           </a:p>
         </p:txBody>
       </p:sp>
@@ -1069,7 +1104,6 @@
           <a:p>
             <a:fld id="{C1F886BA-5FC7-4C45-9AF2-D10BC1540A8E}" type="datetimeFigureOut">
               <a:rPr lang="zh-CN" altLang="en-US" smtClean="0"/>
-              <a:t>2018/9/25</a:t>
             </a:fld>
             <a:endParaRPr lang="zh-CN" altLang="en-US"/>
           </a:p>
@@ -1111,7 +1145,6 @@
           <a:p>
             <a:fld id="{DD6D0CF6-0F7D-4653-8535-B9F68734AF5D}" type="slidenum">
               <a:rPr lang="zh-CN" altLang="en-US" smtClean="0"/>
-              <a:t>‹#›</a:t>
             </a:fld>
             <a:endParaRPr lang="zh-CN" altLang="en-US"/>
           </a:p>
@@ -1167,6 +1200,7 @@
               <a:rPr lang="zh-CN" altLang="en-US"/>
               <a:t>单击此处编辑母版标题样式</a:t>
             </a:r>
+            <a:endParaRPr lang="zh-CN" altLang="en-US"/>
           </a:p>
         </p:txBody>
       </p:sp>
@@ -1195,6 +1229,7 @@
               <a:rPr lang="zh-CN" altLang="en-US"/>
               <a:t>单击此处编辑母版文本样式</a:t>
             </a:r>
+            <a:endParaRPr lang="zh-CN" altLang="en-US"/>
           </a:p>
           <a:p>
             <a:pPr lvl="1"/>
@@ -1202,6 +1237,7 @@
               <a:rPr lang="zh-CN" altLang="en-US"/>
               <a:t>第二级</a:t>
             </a:r>
+            <a:endParaRPr lang="zh-CN" altLang="en-US"/>
           </a:p>
           <a:p>
             <a:pPr lvl="2"/>
@@ -1209,6 +1245,7 @@
               <a:rPr lang="zh-CN" altLang="en-US"/>
               <a:t>第三级</a:t>
             </a:r>
+            <a:endParaRPr lang="zh-CN" altLang="en-US"/>
           </a:p>
           <a:p>
             <a:pPr lvl="3"/>
@@ -1216,6 +1253,7 @@
               <a:rPr lang="zh-CN" altLang="en-US"/>
               <a:t>第四级</a:t>
             </a:r>
+            <a:endParaRPr lang="zh-CN" altLang="en-US"/>
           </a:p>
           <a:p>
             <a:pPr lvl="4"/>
@@ -1223,6 +1261,7 @@
               <a:rPr lang="zh-CN" altLang="en-US"/>
               <a:t>第五级</a:t>
             </a:r>
+            <a:endParaRPr lang="zh-CN" altLang="en-US"/>
           </a:p>
         </p:txBody>
       </p:sp>
@@ -1243,7 +1282,6 @@
           <a:p>
             <a:fld id="{C1F886BA-5FC7-4C45-9AF2-D10BC1540A8E}" type="datetimeFigureOut">
               <a:rPr lang="zh-CN" altLang="en-US" smtClean="0"/>
-              <a:t>2018/9/25</a:t>
             </a:fld>
             <a:endParaRPr lang="zh-CN" altLang="en-US"/>
           </a:p>
@@ -1285,7 +1323,6 @@
           <a:p>
             <a:fld id="{DD6D0CF6-0F7D-4653-8535-B9F68734AF5D}" type="slidenum">
               <a:rPr lang="zh-CN" altLang="en-US" smtClean="0"/>
-              <a:t>‹#›</a:t>
             </a:fld>
             <a:endParaRPr lang="zh-CN" altLang="en-US"/>
           </a:p>
@@ -1362,6 +1399,7 @@
               <a:rPr lang="zh-CN" altLang="en-US"/>
               <a:t>单击此处编辑母版标题样式</a:t>
             </a:r>
+            <a:endParaRPr lang="zh-CN" altLang="en-US"/>
           </a:p>
         </p:txBody>
       </p:sp>
@@ -1385,6 +1423,7 @@
               <a:rPr lang="zh-CN" altLang="en-US"/>
               <a:t>单击此处编辑母版文本样式</a:t>
             </a:r>
+            <a:endParaRPr lang="zh-CN" altLang="en-US"/>
           </a:p>
           <a:p>
             <a:pPr lvl="1"/>
@@ -1392,6 +1431,7 @@
               <a:rPr lang="zh-CN" altLang="en-US"/>
               <a:t>第二级</a:t>
             </a:r>
+            <a:endParaRPr lang="zh-CN" altLang="en-US"/>
           </a:p>
           <a:p>
             <a:pPr lvl="2"/>
@@ -1399,6 +1439,7 @@
               <a:rPr lang="zh-CN" altLang="en-US"/>
               <a:t>第三级</a:t>
             </a:r>
+            <a:endParaRPr lang="zh-CN" altLang="en-US"/>
           </a:p>
           <a:p>
             <a:pPr lvl="3"/>
@@ -1406,6 +1447,7 @@
               <a:rPr lang="zh-CN" altLang="en-US"/>
               <a:t>第四级</a:t>
             </a:r>
+            <a:endParaRPr lang="zh-CN" altLang="en-US"/>
           </a:p>
           <a:p>
             <a:pPr lvl="4"/>
@@ -1413,6 +1455,7 @@
               <a:rPr lang="zh-CN" altLang="en-US"/>
               <a:t>第五级</a:t>
             </a:r>
+            <a:endParaRPr lang="zh-CN" altLang="en-US"/>
           </a:p>
         </p:txBody>
       </p:sp>
@@ -1433,7 +1476,6 @@
           <a:p>
             <a:fld id="{C1F886BA-5FC7-4C45-9AF2-D10BC1540A8E}" type="datetimeFigureOut">
               <a:rPr lang="zh-CN" altLang="en-US" smtClean="0"/>
-              <a:t>2018/9/25</a:t>
             </a:fld>
             <a:endParaRPr lang="zh-CN" altLang="en-US"/>
           </a:p>
@@ -1475,7 +1517,6 @@
           <a:p>
             <a:fld id="{DD6D0CF6-0F7D-4653-8535-B9F68734AF5D}" type="slidenum">
               <a:rPr lang="zh-CN" altLang="en-US" smtClean="0"/>
-              <a:t>‹#›</a:t>
             </a:fld>
             <a:endParaRPr lang="zh-CN" altLang="en-US"/>
           </a:p>
@@ -1535,6 +1576,7 @@
               <a:rPr lang="zh-CN" altLang="en-US"/>
               <a:t>单击此处编辑母版标题样式</a:t>
             </a:r>
+            <a:endParaRPr lang="zh-CN" altLang="en-US"/>
           </a:p>
         </p:txBody>
       </p:sp>
@@ -1654,6 +1696,7 @@
               <a:rPr lang="zh-CN" altLang="en-US"/>
               <a:t>单击此处编辑母版文本样式</a:t>
             </a:r>
+            <a:endParaRPr lang="zh-CN" altLang="en-US"/>
           </a:p>
         </p:txBody>
       </p:sp>
@@ -1674,7 +1717,6 @@
           <a:p>
             <a:fld id="{C1F886BA-5FC7-4C45-9AF2-D10BC1540A8E}" type="datetimeFigureOut">
               <a:rPr lang="zh-CN" altLang="en-US" smtClean="0"/>
-              <a:t>2018/9/25</a:t>
             </a:fld>
             <a:endParaRPr lang="zh-CN" altLang="en-US"/>
           </a:p>
@@ -1716,7 +1758,6 @@
           <a:p>
             <a:fld id="{DD6D0CF6-0F7D-4653-8535-B9F68734AF5D}" type="slidenum">
               <a:rPr lang="zh-CN" altLang="en-US" smtClean="0"/>
-              <a:t>‹#›</a:t>
             </a:fld>
             <a:endParaRPr lang="zh-CN" altLang="en-US"/>
           </a:p>
@@ -1767,6 +1808,7 @@
               <a:rPr lang="zh-CN" altLang="en-US"/>
               <a:t>单击此处编辑母版标题样式</a:t>
             </a:r>
+            <a:endParaRPr lang="zh-CN" altLang="en-US"/>
           </a:p>
         </p:txBody>
       </p:sp>
@@ -1823,6 +1865,7 @@
               <a:rPr lang="zh-CN" altLang="en-US"/>
               <a:t>单击此处编辑母版文本样式</a:t>
             </a:r>
+            <a:endParaRPr lang="zh-CN" altLang="en-US"/>
           </a:p>
           <a:p>
             <a:pPr lvl="1"/>
@@ -1830,6 +1873,7 @@
               <a:rPr lang="zh-CN" altLang="en-US"/>
               <a:t>第二级</a:t>
             </a:r>
+            <a:endParaRPr lang="zh-CN" altLang="en-US"/>
           </a:p>
           <a:p>
             <a:pPr lvl="2"/>
@@ -1837,6 +1881,7 @@
               <a:rPr lang="zh-CN" altLang="en-US"/>
               <a:t>第三级</a:t>
             </a:r>
+            <a:endParaRPr lang="zh-CN" altLang="en-US"/>
           </a:p>
           <a:p>
             <a:pPr lvl="3"/>
@@ -1844,6 +1889,7 @@
               <a:rPr lang="zh-CN" altLang="en-US"/>
               <a:t>第四级</a:t>
             </a:r>
+            <a:endParaRPr lang="zh-CN" altLang="en-US"/>
           </a:p>
           <a:p>
             <a:pPr lvl="4"/>
@@ -1851,6 +1897,7 @@
               <a:rPr lang="zh-CN" altLang="en-US"/>
               <a:t>第五级</a:t>
             </a:r>
+            <a:endParaRPr lang="zh-CN" altLang="en-US"/>
           </a:p>
         </p:txBody>
       </p:sp>
@@ -1907,6 +1954,7 @@
               <a:rPr lang="zh-CN" altLang="en-US"/>
               <a:t>单击此处编辑母版文本样式</a:t>
             </a:r>
+            <a:endParaRPr lang="zh-CN" altLang="en-US"/>
           </a:p>
           <a:p>
             <a:pPr lvl="1"/>
@@ -1914,6 +1962,7 @@
               <a:rPr lang="zh-CN" altLang="en-US"/>
               <a:t>第二级</a:t>
             </a:r>
+            <a:endParaRPr lang="zh-CN" altLang="en-US"/>
           </a:p>
           <a:p>
             <a:pPr lvl="2"/>
@@ -1921,6 +1970,7 @@
               <a:rPr lang="zh-CN" altLang="en-US"/>
               <a:t>第三级</a:t>
             </a:r>
+            <a:endParaRPr lang="zh-CN" altLang="en-US"/>
           </a:p>
           <a:p>
             <a:pPr lvl="3"/>
@@ -1928,6 +1978,7 @@
               <a:rPr lang="zh-CN" altLang="en-US"/>
               <a:t>第四级</a:t>
             </a:r>
+            <a:endParaRPr lang="zh-CN" altLang="en-US"/>
           </a:p>
           <a:p>
             <a:pPr lvl="4"/>
@@ -1935,6 +1986,7 @@
               <a:rPr lang="zh-CN" altLang="en-US"/>
               <a:t>第五级</a:t>
             </a:r>
+            <a:endParaRPr lang="zh-CN" altLang="en-US"/>
           </a:p>
         </p:txBody>
       </p:sp>
@@ -1955,7 +2007,6 @@
           <a:p>
             <a:fld id="{C1F886BA-5FC7-4C45-9AF2-D10BC1540A8E}" type="datetimeFigureOut">
               <a:rPr lang="zh-CN" altLang="en-US" smtClean="0"/>
-              <a:t>2018/9/25</a:t>
             </a:fld>
             <a:endParaRPr lang="zh-CN" altLang="en-US"/>
           </a:p>
@@ -1997,7 +2048,6 @@
           <a:p>
             <a:fld id="{DD6D0CF6-0F7D-4653-8535-B9F68734AF5D}" type="slidenum">
               <a:rPr lang="zh-CN" altLang="en-US" smtClean="0"/>
-              <a:t>‹#›</a:t>
             </a:fld>
             <a:endParaRPr lang="zh-CN" altLang="en-US"/>
           </a:p>
@@ -2057,6 +2107,7 @@
               <a:rPr lang="zh-CN" altLang="en-US"/>
               <a:t>单击此处编辑母版标题样式</a:t>
             </a:r>
+            <a:endParaRPr lang="zh-CN" altLang="en-US"/>
           </a:p>
         </p:txBody>
       </p:sp>
@@ -2122,6 +2173,7 @@
               <a:rPr lang="zh-CN" altLang="en-US"/>
               <a:t>单击此处编辑母版文本样式</a:t>
             </a:r>
+            <a:endParaRPr lang="zh-CN" altLang="en-US"/>
           </a:p>
         </p:txBody>
       </p:sp>
@@ -2178,6 +2230,7 @@
               <a:rPr lang="zh-CN" altLang="en-US"/>
               <a:t>单击此处编辑母版文本样式</a:t>
             </a:r>
+            <a:endParaRPr lang="zh-CN" altLang="en-US"/>
           </a:p>
           <a:p>
             <a:pPr lvl="1"/>
@@ -2185,6 +2238,7 @@
               <a:rPr lang="zh-CN" altLang="en-US"/>
               <a:t>第二级</a:t>
             </a:r>
+            <a:endParaRPr lang="zh-CN" altLang="en-US"/>
           </a:p>
           <a:p>
             <a:pPr lvl="2"/>
@@ -2192,6 +2246,7 @@
               <a:rPr lang="zh-CN" altLang="en-US"/>
               <a:t>第三级</a:t>
             </a:r>
+            <a:endParaRPr lang="zh-CN" altLang="en-US"/>
           </a:p>
           <a:p>
             <a:pPr lvl="3"/>
@@ -2199,6 +2254,7 @@
               <a:rPr lang="zh-CN" altLang="en-US"/>
               <a:t>第四级</a:t>
             </a:r>
+            <a:endParaRPr lang="zh-CN" altLang="en-US"/>
           </a:p>
           <a:p>
             <a:pPr lvl="4"/>
@@ -2206,6 +2262,7 @@
               <a:rPr lang="zh-CN" altLang="en-US"/>
               <a:t>第五级</a:t>
             </a:r>
+            <a:endParaRPr lang="zh-CN" altLang="en-US"/>
           </a:p>
         </p:txBody>
       </p:sp>
@@ -2271,6 +2328,7 @@
               <a:rPr lang="zh-CN" altLang="en-US"/>
               <a:t>单击此处编辑母版文本样式</a:t>
             </a:r>
+            <a:endParaRPr lang="zh-CN" altLang="en-US"/>
           </a:p>
         </p:txBody>
       </p:sp>
@@ -2327,6 +2385,7 @@
               <a:rPr lang="zh-CN" altLang="en-US"/>
               <a:t>单击此处编辑母版文本样式</a:t>
             </a:r>
+            <a:endParaRPr lang="zh-CN" altLang="en-US"/>
           </a:p>
           <a:p>
             <a:pPr lvl="1"/>
@@ -2334,6 +2393,7 @@
               <a:rPr lang="zh-CN" altLang="en-US"/>
               <a:t>第二级</a:t>
             </a:r>
+            <a:endParaRPr lang="zh-CN" altLang="en-US"/>
           </a:p>
           <a:p>
             <a:pPr lvl="2"/>
@@ -2341,6 +2401,7 @@
               <a:rPr lang="zh-CN" altLang="en-US"/>
               <a:t>第三级</a:t>
             </a:r>
+            <a:endParaRPr lang="zh-CN" altLang="en-US"/>
           </a:p>
           <a:p>
             <a:pPr lvl="3"/>
@@ -2348,6 +2409,7 @@
               <a:rPr lang="zh-CN" altLang="en-US"/>
               <a:t>第四级</a:t>
             </a:r>
+            <a:endParaRPr lang="zh-CN" altLang="en-US"/>
           </a:p>
           <a:p>
             <a:pPr lvl="4"/>
@@ -2355,6 +2417,7 @@
               <a:rPr lang="zh-CN" altLang="en-US"/>
               <a:t>第五级</a:t>
             </a:r>
+            <a:endParaRPr lang="zh-CN" altLang="en-US"/>
           </a:p>
         </p:txBody>
       </p:sp>
@@ -2375,7 +2438,6 @@
           <a:p>
             <a:fld id="{C1F886BA-5FC7-4C45-9AF2-D10BC1540A8E}" type="datetimeFigureOut">
               <a:rPr lang="zh-CN" altLang="en-US" smtClean="0"/>
-              <a:t>2018/9/25</a:t>
             </a:fld>
             <a:endParaRPr lang="zh-CN" altLang="en-US"/>
           </a:p>
@@ -2417,7 +2479,6 @@
           <a:p>
             <a:fld id="{DD6D0CF6-0F7D-4653-8535-B9F68734AF5D}" type="slidenum">
               <a:rPr lang="zh-CN" altLang="en-US" smtClean="0"/>
-              <a:t>‹#›</a:t>
             </a:fld>
             <a:endParaRPr lang="zh-CN" altLang="en-US"/>
           </a:p>
@@ -2468,6 +2529,7 @@
               <a:rPr lang="zh-CN" altLang="en-US"/>
               <a:t>单击此处编辑母版标题样式</a:t>
             </a:r>
+            <a:endParaRPr lang="zh-CN" altLang="en-US"/>
           </a:p>
         </p:txBody>
       </p:sp>
@@ -2488,7 +2550,6 @@
           <a:p>
             <a:fld id="{C1F886BA-5FC7-4C45-9AF2-D10BC1540A8E}" type="datetimeFigureOut">
               <a:rPr lang="zh-CN" altLang="en-US" smtClean="0"/>
-              <a:t>2018/9/25</a:t>
             </a:fld>
             <a:endParaRPr lang="zh-CN" altLang="en-US"/>
           </a:p>
@@ -2530,7 +2591,6 @@
           <a:p>
             <a:fld id="{DD6D0CF6-0F7D-4653-8535-B9F68734AF5D}" type="slidenum">
               <a:rPr lang="zh-CN" altLang="en-US" smtClean="0"/>
-              <a:t>‹#›</a:t>
             </a:fld>
             <a:endParaRPr lang="zh-CN" altLang="en-US"/>
           </a:p>
@@ -2608,7 +2668,6 @@
           <a:p>
             <a:fld id="{C1F886BA-5FC7-4C45-9AF2-D10BC1540A8E}" type="datetimeFigureOut">
               <a:rPr lang="zh-CN" altLang="en-US" smtClean="0"/>
-              <a:t>2018/9/25</a:t>
             </a:fld>
             <a:endParaRPr lang="zh-CN" altLang="en-US"/>
           </a:p>
@@ -2650,7 +2709,6 @@
           <a:p>
             <a:fld id="{DD6D0CF6-0F7D-4653-8535-B9F68734AF5D}" type="slidenum">
               <a:rPr lang="zh-CN" altLang="en-US" smtClean="0"/>
-              <a:t>‹#›</a:t>
             </a:fld>
             <a:endParaRPr lang="zh-CN" altLang="en-US"/>
           </a:p>
@@ -2747,6 +2805,17 @@
               </a:rPr>
               <a:t>点击添加相关标题文字</a:t>
             </a:r>
+            <a:endParaRPr lang="zh-CN" altLang="en-US" sz="1600" dirty="0">
+              <a:solidFill>
+                <a:schemeClr val="bg1">
+                  <a:lumMod val="65000"/>
+                </a:schemeClr>
+              </a:solidFill>
+              <a:latin typeface="微软雅黑" panose="020B0503020204020204" pitchFamily="34" charset="-122"/>
+              <a:ea typeface="微软雅黑" panose="020B0503020204020204" pitchFamily="34" charset="-122"/>
+              <a:cs typeface="+mn-ea"/>
+              <a:sym typeface="+mn-lt"/>
+            </a:endParaRPr>
           </a:p>
         </p:txBody>
       </p:sp>
@@ -2851,6 +2920,7 @@
               <a:rPr lang="zh-CN" altLang="en-US"/>
               <a:t>单击此处编辑母版标题样式</a:t>
             </a:r>
+            <a:endParaRPr lang="zh-CN" altLang="en-US"/>
           </a:p>
         </p:txBody>
       </p:sp>
@@ -2907,6 +2977,7 @@
               <a:rPr lang="zh-CN" altLang="en-US"/>
               <a:t>单击此处编辑母版文本样式</a:t>
             </a:r>
+            <a:endParaRPr lang="zh-CN" altLang="en-US"/>
           </a:p>
           <a:p>
             <a:pPr lvl="1"/>
@@ -2914,6 +2985,7 @@
               <a:rPr lang="zh-CN" altLang="en-US"/>
               <a:t>第二级</a:t>
             </a:r>
+            <a:endParaRPr lang="zh-CN" altLang="en-US"/>
           </a:p>
           <a:p>
             <a:pPr lvl="2"/>
@@ -2921,6 +2993,7 @@
               <a:rPr lang="zh-CN" altLang="en-US"/>
               <a:t>第三级</a:t>
             </a:r>
+            <a:endParaRPr lang="zh-CN" altLang="en-US"/>
           </a:p>
           <a:p>
             <a:pPr lvl="3"/>
@@ -2928,6 +3001,7 @@
               <a:rPr lang="zh-CN" altLang="en-US"/>
               <a:t>第四级</a:t>
             </a:r>
+            <a:endParaRPr lang="zh-CN" altLang="en-US"/>
           </a:p>
           <a:p>
             <a:pPr lvl="4"/>
@@ -2935,6 +3009,7 @@
               <a:rPr lang="zh-CN" altLang="en-US"/>
               <a:t>第五级</a:t>
             </a:r>
+            <a:endParaRPr lang="zh-CN" altLang="en-US"/>
           </a:p>
         </p:txBody>
       </p:sp>
@@ -3000,6 +3075,7 @@
               <a:rPr lang="zh-CN" altLang="en-US"/>
               <a:t>单击此处编辑母版文本样式</a:t>
             </a:r>
+            <a:endParaRPr lang="zh-CN" altLang="en-US"/>
           </a:p>
         </p:txBody>
       </p:sp>
@@ -3020,7 +3096,6 @@
           <a:p>
             <a:fld id="{C1F886BA-5FC7-4C45-9AF2-D10BC1540A8E}" type="datetimeFigureOut">
               <a:rPr lang="zh-CN" altLang="en-US" smtClean="0"/>
-              <a:t>2018/9/25</a:t>
             </a:fld>
             <a:endParaRPr lang="zh-CN" altLang="en-US"/>
           </a:p>
@@ -3062,7 +3137,6 @@
           <a:p>
             <a:fld id="{DD6D0CF6-0F7D-4653-8535-B9F68734AF5D}" type="slidenum">
               <a:rPr lang="zh-CN" altLang="en-US" smtClean="0"/>
-              <a:t>‹#›</a:t>
             </a:fld>
             <a:endParaRPr lang="zh-CN" altLang="en-US"/>
           </a:p>
@@ -3122,6 +3196,7 @@
               <a:rPr lang="zh-CN" altLang="en-US"/>
               <a:t>单击此处编辑母版标题样式</a:t>
             </a:r>
+            <a:endParaRPr lang="zh-CN" altLang="en-US"/>
           </a:p>
         </p:txBody>
       </p:sp>
@@ -3248,6 +3323,7 @@
               <a:rPr lang="zh-CN" altLang="en-US"/>
               <a:t>单击此处编辑母版文本样式</a:t>
             </a:r>
+            <a:endParaRPr lang="zh-CN" altLang="en-US"/>
           </a:p>
         </p:txBody>
       </p:sp>
@@ -3268,7 +3344,6 @@
           <a:p>
             <a:fld id="{C1F886BA-5FC7-4C45-9AF2-D10BC1540A8E}" type="datetimeFigureOut">
               <a:rPr lang="zh-CN" altLang="en-US" smtClean="0"/>
-              <a:t>2018/9/25</a:t>
             </a:fld>
             <a:endParaRPr lang="zh-CN" altLang="en-US"/>
           </a:p>
@@ -3310,7 +3385,6 @@
           <a:p>
             <a:fld id="{DD6D0CF6-0F7D-4653-8535-B9F68734AF5D}" type="slidenum">
               <a:rPr lang="zh-CN" altLang="en-US" smtClean="0"/>
-              <a:t>‹#›</a:t>
             </a:fld>
             <a:endParaRPr lang="zh-CN" altLang="en-US"/>
           </a:p>
@@ -3376,6 +3450,7 @@
               <a:rPr lang="zh-CN" altLang="en-US"/>
               <a:t>单击此处编辑母版标题样式</a:t>
             </a:r>
+            <a:endParaRPr lang="zh-CN" altLang="en-US"/>
           </a:p>
         </p:txBody>
       </p:sp>
@@ -3409,6 +3484,7 @@
               <a:rPr lang="zh-CN" altLang="en-US"/>
               <a:t>单击此处编辑母版文本样式</a:t>
             </a:r>
+            <a:endParaRPr lang="zh-CN" altLang="en-US"/>
           </a:p>
           <a:p>
             <a:pPr lvl="1"/>
@@ -3416,6 +3492,7 @@
               <a:rPr lang="zh-CN" altLang="en-US"/>
               <a:t>第二级</a:t>
             </a:r>
+            <a:endParaRPr lang="zh-CN" altLang="en-US"/>
           </a:p>
           <a:p>
             <a:pPr lvl="2"/>
@@ -3423,6 +3500,7 @@
               <a:rPr lang="zh-CN" altLang="en-US"/>
               <a:t>第三级</a:t>
             </a:r>
+            <a:endParaRPr lang="zh-CN" altLang="en-US"/>
           </a:p>
           <a:p>
             <a:pPr lvl="3"/>
@@ -3430,6 +3508,7 @@
               <a:rPr lang="zh-CN" altLang="en-US"/>
               <a:t>第四级</a:t>
             </a:r>
+            <a:endParaRPr lang="zh-CN" altLang="en-US"/>
           </a:p>
           <a:p>
             <a:pPr lvl="4"/>
@@ -3437,6 +3516,7 @@
               <a:rPr lang="zh-CN" altLang="en-US"/>
               <a:t>第五级</a:t>
             </a:r>
+            <a:endParaRPr lang="zh-CN" altLang="en-US"/>
           </a:p>
         </p:txBody>
       </p:sp>
@@ -3475,7 +3555,6 @@
           <a:p>
             <a:fld id="{C1F886BA-5FC7-4C45-9AF2-D10BC1540A8E}" type="datetimeFigureOut">
               <a:rPr lang="zh-CN" altLang="en-US" smtClean="0"/>
-              <a:t>2018/9/25</a:t>
             </a:fld>
             <a:endParaRPr lang="zh-CN" altLang="en-US"/>
           </a:p>
@@ -3553,7 +3632,6 @@
           <a:p>
             <a:fld id="{DD6D0CF6-0F7D-4653-8535-B9F68734AF5D}" type="slidenum">
               <a:rPr lang="zh-CN" altLang="en-US" smtClean="0"/>
-              <a:t>‹#›</a:t>
             </a:fld>
             <a:endParaRPr lang="zh-CN" altLang="en-US"/>
           </a:p>
@@ -3856,7 +3934,7 @@
           <p:nvPr/>
         </p:nvPicPr>
         <p:blipFill>
-          <a:blip r:embed="rId2" cstate="print">
+          <a:blip r:embed="rId1" cstate="print">
             <a:extLst>
               <a:ext uri="{28A0092B-C50C-407E-A947-70E740481C1C}">
                 <a14:useLocalDpi xmlns:a14="http://schemas.microsoft.com/office/drawing/2010/main" val="0"/>
@@ -3927,6 +4005,16 @@
               </a:rPr>
               <a:t>学习探讨</a:t>
             </a:r>
+            <a:endParaRPr lang="zh-CN" altLang="en-US" sz="3600" dirty="0">
+              <a:ln w="6350">
+                <a:noFill/>
+              </a:ln>
+              <a:solidFill>
+                <a:srgbClr val="F08C00"/>
+              </a:solidFill>
+              <a:latin typeface="Impact" panose="020B0806030902050204" pitchFamily="34" charset="0"/>
+              <a:ea typeface="微软雅黑" panose="020B0503020204020204" pitchFamily="34" charset="-122"/>
+            </a:endParaRPr>
           </a:p>
         </p:txBody>
       </p:sp>
@@ -4203,1698 +4291,6 @@
 </p:sld>
 </file>
 
-<file path=ppt/slides/slide10.xml><?xml version="1.0" encoding="utf-8"?>
-<p:sld xmlns:a="http://schemas.openxmlformats.org/drawingml/2006/main" xmlns:r="http://schemas.openxmlformats.org/officeDocument/2006/relationships" xmlns:p="http://schemas.openxmlformats.org/presentationml/2006/main">
-  <p:cSld>
-    <p:spTree>
-      <p:nvGrpSpPr>
-        <p:cNvPr id="1" name=""/>
-        <p:cNvGrpSpPr/>
-        <p:nvPr/>
-      </p:nvGrpSpPr>
-      <p:grpSpPr>
-        <a:xfrm>
-          <a:off x="0" y="0"/>
-          <a:ext cx="0" cy="0"/>
-          <a:chOff x="0" y="0"/>
-          <a:chExt cx="0" cy="0"/>
-        </a:xfrm>
-      </p:grpSpPr>
-      <p:sp>
-        <p:nvSpPr>
-          <p:cNvPr id="2" name="标题 1"/>
-          <p:cNvSpPr>
-            <a:spLocks noGrp="1"/>
-          </p:cNvSpPr>
-          <p:nvPr>
-            <p:ph type="title"/>
-          </p:nvPr>
-        </p:nvSpPr>
-        <p:spPr/>
-        <p:txBody>
-          <a:bodyPr/>
-          <a:lstStyle/>
-          <a:p>
-            <a:pPr algn="l"/>
-            <a:r>
-              <a:rPr lang="zh-CN" altLang="en-US" sz="2800">
-                <a:solidFill>
-                  <a:srgbClr val="FCC83A"/>
-                </a:solidFill>
-              </a:rPr>
-              <a:t>监控流程简要</a:t>
-            </a:r>
-          </a:p>
-        </p:txBody>
-      </p:sp>
-      <p:pic>
-        <p:nvPicPr>
-          <p:cNvPr id="4" name="内容占位符 3"/>
-          <p:cNvPicPr>
-            <a:picLocks noGrp="1" noChangeAspect="1"/>
-          </p:cNvPicPr>
-          <p:nvPr>
-            <p:ph idx="1"/>
-          </p:nvPr>
-        </p:nvPicPr>
-        <p:blipFill>
-          <a:blip r:embed="rId2"/>
-          <a:stretch>
-            <a:fillRect/>
-          </a:stretch>
-        </p:blipFill>
-        <p:spPr>
-          <a:xfrm>
-            <a:off x="875665" y="1200785"/>
-            <a:ext cx="7391400" cy="3395345"/>
-          </a:xfrm>
-          <a:prstGeom prst="rect">
-            <a:avLst/>
-          </a:prstGeom>
-        </p:spPr>
-      </p:pic>
-    </p:spTree>
-  </p:cSld>
-  <p:clrMapOvr>
-    <a:masterClrMapping/>
-  </p:clrMapOvr>
-  <p:transition spd="med" advClick="0" advTm="0"/>
-</p:sld>
-</file>
-
-<file path=ppt/slides/slide11.xml><?xml version="1.0" encoding="utf-8"?>
-<p:sld xmlns:a="http://schemas.openxmlformats.org/drawingml/2006/main" xmlns:r="http://schemas.openxmlformats.org/officeDocument/2006/relationships" xmlns:p="http://schemas.openxmlformats.org/presentationml/2006/main">
-  <p:cSld>
-    <p:spTree>
-      <p:nvGrpSpPr>
-        <p:cNvPr id="1" name=""/>
-        <p:cNvGrpSpPr/>
-        <p:nvPr/>
-      </p:nvGrpSpPr>
-      <p:grpSpPr>
-        <a:xfrm>
-          <a:off x="0" y="0"/>
-          <a:ext cx="0" cy="0"/>
-          <a:chOff x="0" y="0"/>
-          <a:chExt cx="0" cy="0"/>
-        </a:xfrm>
-      </p:grpSpPr>
-      <p:sp>
-        <p:nvSpPr>
-          <p:cNvPr id="2" name="标题 1"/>
-          <p:cNvSpPr>
-            <a:spLocks noGrp="1"/>
-          </p:cNvSpPr>
-          <p:nvPr>
-            <p:ph type="title"/>
-          </p:nvPr>
-        </p:nvSpPr>
-        <p:spPr>
-          <a:xfrm>
-            <a:off x="457200" y="205740"/>
-            <a:ext cx="4057650" cy="489585"/>
-          </a:xfrm>
-        </p:spPr>
-        <p:txBody>
-          <a:bodyPr>
-            <a:noAutofit/>
-          </a:bodyPr>
-          <a:lstStyle/>
-          <a:p>
-            <a:pPr algn="l"/>
-            <a:r>
-              <a:rPr lang="zh-CN" altLang="en-US" sz="2800">
-                <a:ln w="22225">
-                  <a:solidFill>
-                    <a:schemeClr val="accent2"/>
-                  </a:solidFill>
-                  <a:prstDash val="solid"/>
-                </a:ln>
-                <a:solidFill>
-                  <a:srgbClr val="FF0000"/>
-                </a:solidFill>
-                <a:effectLst/>
-              </a:rPr>
-              <a:t>什么是</a:t>
-            </a:r>
-            <a:r>
-              <a:rPr lang="en-US" altLang="zh-CN" sz="2800">
-                <a:ln w="22225">
-                  <a:solidFill>
-                    <a:schemeClr val="accent2"/>
-                  </a:solidFill>
-                  <a:prstDash val="solid"/>
-                </a:ln>
-                <a:solidFill>
-                  <a:srgbClr val="FF0000"/>
-                </a:solidFill>
-                <a:effectLst/>
-              </a:rPr>
-              <a:t>influxdb</a:t>
-            </a:r>
-            <a:r>
-              <a:rPr lang="zh-CN" altLang="en-US" sz="2800">
-                <a:ln w="22225">
-                  <a:solidFill>
-                    <a:schemeClr val="accent2"/>
-                  </a:solidFill>
-                  <a:prstDash val="solid"/>
-                </a:ln>
-                <a:solidFill>
-                  <a:srgbClr val="FF0000"/>
-                </a:solidFill>
-                <a:effectLst/>
-              </a:rPr>
-              <a:t>？</a:t>
-            </a:r>
-          </a:p>
-        </p:txBody>
-      </p:sp>
-      <p:sp>
-        <p:nvSpPr>
-          <p:cNvPr id="3" name="内容占位符 2"/>
-          <p:cNvSpPr>
-            <a:spLocks noGrp="1"/>
-          </p:cNvSpPr>
-          <p:nvPr>
-            <p:ph idx="1"/>
-          </p:nvPr>
-        </p:nvSpPr>
-        <p:spPr/>
-        <p:txBody>
-          <a:bodyPr>
-            <a:normAutofit/>
-          </a:bodyPr>
-          <a:lstStyle/>
-          <a:p>
-            <a:r>
-              <a:rPr lang="zh-CN" altLang="en-US" sz="1800" b="1"/>
-              <a:t>InfluxDB是一个时间序列数据库，旨在处理高写入和查询负载。它是TICK堆栈的组成部分 。InfluxDB旨在用作涉及大量带时间戳数据的任何用例的后备存储，包括DevOps监控，应用程序指标，物联网传感器数据和实时分析。</a:t>
-            </a:r>
-            <a:endParaRPr lang="zh-CN" altLang="en-US" sz="2000" b="1"/>
-          </a:p>
-          <a:p>
-            <a:r>
-              <a:rPr lang="zh-CN" altLang="en-US" sz="1800"/>
-              <a:t>主要特征</a:t>
-            </a:r>
-            <a:endParaRPr lang="zh-CN" altLang="en-US" sz="2000" b="1"/>
-          </a:p>
-          <a:p>
-            <a:pPr marL="0" indent="0">
-              <a:buNone/>
-            </a:pPr>
-            <a:r>
-              <a:rPr lang="en-US" altLang="zh-CN" sz="2000" b="1"/>
-              <a:t>          </a:t>
-            </a:r>
-            <a:r>
-              <a:rPr lang="en-US" altLang="zh-CN" sz="1000" b="1"/>
-              <a:t>  </a:t>
-            </a:r>
-            <a:r>
-              <a:rPr lang="zh-CN" altLang="en-US" sz="1000" b="1"/>
-              <a:t>①专为时间序列数据编写的自定义高性能数据存储。TSM引擎允许高摄取速度和数据压缩</a:t>
-            </a:r>
-          </a:p>
-          <a:p>
-            <a:pPr marL="0" indent="0">
-              <a:buNone/>
-            </a:pPr>
-            <a:r>
-              <a:rPr lang="en-US" altLang="zh-CN" sz="2000" b="1"/>
-              <a:t>           </a:t>
-            </a:r>
-            <a:r>
-              <a:rPr lang="zh-CN" altLang="en-US" sz="1000" b="1"/>
-              <a:t>②</a:t>
-            </a:r>
-            <a:r>
-              <a:rPr lang="en-US" altLang="zh-CN" sz="1000" b="1"/>
-              <a:t>简单，高性能的写入和查询HTTP API</a:t>
-            </a:r>
-          </a:p>
-          <a:p>
-            <a:pPr marL="0" indent="0">
-              <a:buNone/>
-            </a:pPr>
-            <a:r>
-              <a:rPr lang="en-US" altLang="zh-CN" sz="1000" b="1"/>
-              <a:t>                      </a:t>
-            </a:r>
-            <a:r>
-              <a:rPr lang="zh-CN" altLang="en-US" sz="1000" b="1"/>
-              <a:t>③插件支持其他数据提取协议，如Graphite，collectd和OpenTSDB。</a:t>
-            </a:r>
-          </a:p>
-          <a:p>
-            <a:pPr marL="0" indent="0">
-              <a:buNone/>
-            </a:pPr>
-            <a:r>
-              <a:rPr lang="zh-CN" altLang="en-US" sz="1000" b="1"/>
-              <a:t>                      ④标签允许对系列进行索引以实现快速有效的查询。</a:t>
-            </a:r>
-          </a:p>
-          <a:p>
-            <a:pPr marL="0" indent="0">
-              <a:buNone/>
-            </a:pPr>
-            <a:r>
-              <a:rPr lang="zh-CN" altLang="en-US" sz="1000" b="1"/>
-              <a:t>                      ⑤保留策略有效地自动使过时数据过期。</a:t>
-            </a:r>
-          </a:p>
-          <a:p>
-            <a:pPr marL="0" indent="0">
-              <a:buNone/>
-            </a:pPr>
-            <a:r>
-              <a:rPr lang="zh-CN" altLang="en-US" sz="1000" b="1"/>
-              <a:t>                      ⑥连续查询自动计算聚合数据，以提高频繁查询的效率。</a:t>
-            </a:r>
-          </a:p>
-        </p:txBody>
-      </p:sp>
-    </p:spTree>
-  </p:cSld>
-  <p:clrMapOvr>
-    <a:masterClrMapping/>
-  </p:clrMapOvr>
-  <p:transition spd="med" advClick="0" advTm="0"/>
-  <p:timing>
-    <p:tnLst>
-      <p:par>
-        <p:cTn id="1" dur="indefinite" restart="never" nodeType="tmRoot"/>
-      </p:par>
-    </p:tnLst>
-  </p:timing>
-</p:sld>
-</file>
-
-<file path=ppt/slides/slide12.xml><?xml version="1.0" encoding="utf-8"?>
-<p:sld xmlns:a="http://schemas.openxmlformats.org/drawingml/2006/main" xmlns:r="http://schemas.openxmlformats.org/officeDocument/2006/relationships" xmlns:p="http://schemas.openxmlformats.org/presentationml/2006/main">
-  <p:cSld>
-    <p:spTree>
-      <p:nvGrpSpPr>
-        <p:cNvPr id="1" name=""/>
-        <p:cNvGrpSpPr/>
-        <p:nvPr/>
-      </p:nvGrpSpPr>
-      <p:grpSpPr>
-        <a:xfrm>
-          <a:off x="0" y="0"/>
-          <a:ext cx="0" cy="0"/>
-          <a:chOff x="0" y="0"/>
-          <a:chExt cx="0" cy="0"/>
-        </a:xfrm>
-      </p:grpSpPr>
-      <p:sp>
-        <p:nvSpPr>
-          <p:cNvPr id="2" name="标题 1"/>
-          <p:cNvSpPr>
-            <a:spLocks noGrp="1"/>
-          </p:cNvSpPr>
-          <p:nvPr>
-            <p:ph type="title"/>
-          </p:nvPr>
-        </p:nvSpPr>
-        <p:spPr/>
-        <p:txBody>
-          <a:bodyPr>
-            <a:scene3d>
-              <a:camera prst="orthographicFront"/>
-              <a:lightRig rig="soft" dir="t">
-                <a:rot lat="0" lon="0" rev="15600000"/>
-              </a:lightRig>
-            </a:scene3d>
-            <a:sp3d extrusionH="57150" prstMaterial="softEdge">
-              <a:bevelT w="25400" h="38100"/>
-            </a:sp3d>
-          </a:bodyPr>
-          <a:lstStyle/>
-          <a:p>
-            <a:pPr algn="l"/>
-            <a:r>
-              <a:rPr lang="zh-CN" altLang="en-US" sz="2800">
-                <a:solidFill>
-                  <a:schemeClr val="accent4"/>
-                </a:solidFill>
-                <a:effectLst/>
-              </a:rPr>
-              <a:t>什么是</a:t>
-            </a:r>
-            <a:r>
-              <a:rPr lang="en-US" altLang="zh-CN" sz="2800">
-                <a:solidFill>
-                  <a:schemeClr val="accent4"/>
-                </a:solidFill>
-                <a:effectLst/>
-              </a:rPr>
-              <a:t>granafa</a:t>
-            </a:r>
-            <a:r>
-              <a:rPr lang="zh-CN" altLang="en-US" sz="2800">
-                <a:solidFill>
-                  <a:schemeClr val="accent4"/>
-                </a:solidFill>
-                <a:effectLst/>
-              </a:rPr>
-              <a:t>？</a:t>
-            </a:r>
-          </a:p>
-        </p:txBody>
-      </p:sp>
-      <p:sp>
-        <p:nvSpPr>
-          <p:cNvPr id="3" name="内容占位符 2"/>
-          <p:cNvSpPr>
-            <a:spLocks noGrp="1"/>
-          </p:cNvSpPr>
-          <p:nvPr>
-            <p:ph idx="1"/>
-          </p:nvPr>
-        </p:nvSpPr>
-        <p:spPr/>
-        <p:txBody>
-          <a:bodyPr>
-            <a:normAutofit/>
-          </a:bodyPr>
-          <a:lstStyle/>
-          <a:p>
-            <a:r>
-              <a:rPr lang="zh-CN" altLang="en-US" sz="1800" b="1" dirty="0"/>
-              <a:t>适用于所有指标的分析平台</a:t>
-            </a:r>
-          </a:p>
-          <a:p>
-            <a:pPr marL="0" indent="0">
-              <a:buNone/>
-            </a:pPr>
-            <a:r>
-              <a:rPr lang="zh-CN" altLang="en-US" sz="1800" b="1" dirty="0"/>
-              <a:t>Grafana允许您查询，可视化，提醒和理解您的指标，无论它们存储在何处。与您的团队一起创建，探索和共享仪表板，并培养数据驱动的文化</a:t>
-            </a:r>
-            <a:r>
-              <a:rPr lang="zh-CN" altLang="en-US" sz="1800" b="1" dirty="0" smtClean="0"/>
-              <a:t>。</a:t>
-            </a:r>
-            <a:endParaRPr lang="zh-CN" altLang="en-US" dirty="0"/>
-          </a:p>
-          <a:p>
-            <a:pPr marL="0" indent="0">
-              <a:buNone/>
-            </a:pPr>
-            <a:endParaRPr lang="zh-CN" altLang="en-US" dirty="0"/>
-          </a:p>
-          <a:p>
-            <a:r>
-              <a:rPr lang="zh-CN" altLang="en-US" sz="1600" dirty="0"/>
-              <a:t>社区提问</a:t>
-            </a:r>
-          </a:p>
-          <a:p>
-            <a:pPr marL="0" indent="0">
-              <a:buNone/>
-            </a:pPr>
-            <a:r>
-              <a:rPr lang="zh-CN" altLang="en-US" sz="1600" dirty="0"/>
-              <a:t>  https://community.grafana.com/t/what-is-the-meaning-of-alert-query-a-10s-now/858</a:t>
-            </a:r>
-          </a:p>
-        </p:txBody>
-      </p:sp>
-    </p:spTree>
-  </p:cSld>
-  <p:clrMapOvr>
-    <a:masterClrMapping/>
-  </p:clrMapOvr>
-  <p:transition spd="med" advClick="0" advTm="0"/>
-  <p:timing>
-    <p:tnLst>
-      <p:par>
-        <p:cTn id="1" dur="indefinite" restart="never" nodeType="tmRoot"/>
-      </p:par>
-    </p:tnLst>
-  </p:timing>
-</p:sld>
-</file>
-
-<file path=ppt/slides/slide13.xml><?xml version="1.0" encoding="utf-8"?>
-<p:sld xmlns:a="http://schemas.openxmlformats.org/drawingml/2006/main" xmlns:r="http://schemas.openxmlformats.org/officeDocument/2006/relationships" xmlns:p="http://schemas.openxmlformats.org/presentationml/2006/main">
-  <p:cSld>
-    <p:spTree>
-      <p:nvGrpSpPr>
-        <p:cNvPr id="1" name=""/>
-        <p:cNvGrpSpPr/>
-        <p:nvPr/>
-      </p:nvGrpSpPr>
-      <p:grpSpPr>
-        <a:xfrm>
-          <a:off x="0" y="0"/>
-          <a:ext cx="0" cy="0"/>
-          <a:chOff x="0" y="0"/>
-          <a:chExt cx="0" cy="0"/>
-        </a:xfrm>
-      </p:grpSpPr>
-      <p:sp>
-        <p:nvSpPr>
-          <p:cNvPr id="4" name="标题 3"/>
-          <p:cNvSpPr>
-            <a:spLocks noGrp="1"/>
-          </p:cNvSpPr>
-          <p:nvPr>
-            <p:ph type="title"/>
-          </p:nvPr>
-        </p:nvSpPr>
-        <p:spPr/>
-        <p:txBody>
-          <a:bodyPr/>
-          <a:lstStyle/>
-          <a:p>
-            <a:pPr algn="l"/>
-            <a:r>
-              <a:rPr lang="en-US" altLang="zh-CN" sz="2800">
-                <a:solidFill>
-                  <a:srgbClr val="FCC83A"/>
-                </a:solidFill>
-              </a:rPr>
-              <a:t>gafana</a:t>
-            </a:r>
-            <a:r>
-              <a:rPr lang="zh-CN" altLang="en-US" sz="2800">
-                <a:solidFill>
-                  <a:srgbClr val="FCC83A"/>
-                </a:solidFill>
-              </a:rPr>
-              <a:t>使用说明</a:t>
-            </a:r>
-            <a:r>
-              <a:rPr lang="en-US" altLang="zh-CN" sz="2800">
-                <a:solidFill>
-                  <a:srgbClr val="FCC83A"/>
-                </a:solidFill>
-              </a:rPr>
-              <a:t>(</a:t>
-            </a:r>
-            <a:r>
-              <a:rPr lang="zh-CN" altLang="en-US" sz="2800">
-                <a:solidFill>
-                  <a:srgbClr val="FCC83A"/>
-                </a:solidFill>
-              </a:rPr>
-              <a:t>中文</a:t>
-            </a:r>
-            <a:r>
-              <a:rPr lang="en-US" altLang="zh-CN" sz="2800">
-                <a:solidFill>
-                  <a:srgbClr val="FCC83A"/>
-                </a:solidFill>
-              </a:rPr>
-              <a:t>)</a:t>
-            </a:r>
-          </a:p>
-        </p:txBody>
-      </p:sp>
-      <p:sp>
-        <p:nvSpPr>
-          <p:cNvPr id="5" name="文本占位符 4"/>
-          <p:cNvSpPr>
-            <a:spLocks noGrp="1"/>
-          </p:cNvSpPr>
-          <p:nvPr>
-            <p:ph type="body" idx="1"/>
-          </p:nvPr>
-        </p:nvSpPr>
-        <p:spPr/>
-        <p:txBody>
-          <a:bodyPr/>
-          <a:lstStyle/>
-          <a:p>
-            <a:r>
-              <a:rPr lang="zh-CN" altLang="en-US"/>
-              <a:t>设置</a:t>
-            </a:r>
-            <a:r>
-              <a:rPr lang="en-US" altLang="zh-CN"/>
-              <a:t>panel</a:t>
-            </a:r>
-            <a:r>
-              <a:rPr lang="zh-CN" altLang="en-US"/>
-              <a:t>时间</a:t>
-            </a:r>
-          </a:p>
-        </p:txBody>
-      </p:sp>
-      <p:sp>
-        <p:nvSpPr>
-          <p:cNvPr id="7" name="文本占位符 6"/>
-          <p:cNvSpPr>
-            <a:spLocks noGrp="1"/>
-          </p:cNvSpPr>
-          <p:nvPr>
-            <p:ph type="body" sz="quarter" idx="3"/>
-          </p:nvPr>
-        </p:nvSpPr>
-        <p:spPr/>
-        <p:txBody>
-          <a:bodyPr/>
-          <a:lstStyle/>
-          <a:p>
-            <a:r>
-              <a:rPr lang="zh-CN" altLang="en-US"/>
-              <a:t>设置标题</a:t>
-            </a:r>
-          </a:p>
-        </p:txBody>
-      </p:sp>
-      <p:pic>
-        <p:nvPicPr>
-          <p:cNvPr id="11" name="内容占位符 10"/>
-          <p:cNvPicPr>
-            <a:picLocks noGrp="1" noChangeAspect="1"/>
-          </p:cNvPicPr>
-          <p:nvPr>
-            <p:ph sz="half" idx="2"/>
-          </p:nvPr>
-        </p:nvPicPr>
-        <p:blipFill>
-          <a:blip r:embed="rId2"/>
-          <a:stretch>
-            <a:fillRect/>
-          </a:stretch>
-        </p:blipFill>
-        <p:spPr>
-          <a:xfrm>
-            <a:off x="457200" y="2359025"/>
-            <a:ext cx="4040505" cy="1509395"/>
-          </a:xfrm>
-          <a:prstGeom prst="rect">
-            <a:avLst/>
-          </a:prstGeom>
-        </p:spPr>
-      </p:pic>
-      <p:pic>
-        <p:nvPicPr>
-          <p:cNvPr id="12" name="内容占位符 11"/>
-          <p:cNvPicPr>
-            <a:picLocks noGrp="1" noChangeAspect="1"/>
-          </p:cNvPicPr>
-          <p:nvPr>
-            <p:ph sz="quarter" idx="4"/>
-          </p:nvPr>
-        </p:nvPicPr>
-        <p:blipFill>
-          <a:blip r:embed="rId3"/>
-          <a:stretch>
-            <a:fillRect/>
-          </a:stretch>
-        </p:blipFill>
-        <p:spPr>
-          <a:xfrm>
-            <a:off x="4645025" y="2460625"/>
-            <a:ext cx="4041775" cy="1197610"/>
-          </a:xfrm>
-          <a:prstGeom prst="rect">
-            <a:avLst/>
-          </a:prstGeom>
-        </p:spPr>
-      </p:pic>
-    </p:spTree>
-  </p:cSld>
-  <p:clrMapOvr>
-    <a:masterClrMapping/>
-  </p:clrMapOvr>
-  <p:transition spd="med" advClick="0" advTm="0"/>
-</p:sld>
-</file>
-
-<file path=ppt/slides/slide14.xml><?xml version="1.0" encoding="utf-8"?>
-<p:sld xmlns:a="http://schemas.openxmlformats.org/drawingml/2006/main" xmlns:r="http://schemas.openxmlformats.org/officeDocument/2006/relationships" xmlns:p="http://schemas.openxmlformats.org/presentationml/2006/main">
-  <p:cSld>
-    <p:spTree>
-      <p:nvGrpSpPr>
-        <p:cNvPr id="1" name=""/>
-        <p:cNvGrpSpPr/>
-        <p:nvPr/>
-      </p:nvGrpSpPr>
-      <p:grpSpPr>
-        <a:xfrm>
-          <a:off x="0" y="0"/>
-          <a:ext cx="0" cy="0"/>
-          <a:chOff x="0" y="0"/>
-          <a:chExt cx="0" cy="0"/>
-        </a:xfrm>
-      </p:grpSpPr>
-      <p:sp>
-        <p:nvSpPr>
-          <p:cNvPr id="4" name="标题 3"/>
-          <p:cNvSpPr>
-            <a:spLocks noGrp="1"/>
-          </p:cNvSpPr>
-          <p:nvPr>
-            <p:ph type="title"/>
-          </p:nvPr>
-        </p:nvSpPr>
-        <p:spPr/>
-        <p:txBody>
-          <a:bodyPr/>
-          <a:lstStyle/>
-          <a:p>
-            <a:pPr algn="l"/>
-            <a:r>
-              <a:rPr lang="zh-CN" altLang="en-US" sz="2800">
-                <a:solidFill>
-                  <a:srgbClr val="FCC83A"/>
-                </a:solidFill>
-              </a:rPr>
-              <a:t>设置指标和报警</a:t>
-            </a:r>
-          </a:p>
-        </p:txBody>
-      </p:sp>
-      <p:sp>
-        <p:nvSpPr>
-          <p:cNvPr id="5" name="文本占位符 4"/>
-          <p:cNvSpPr>
-            <a:spLocks noGrp="1"/>
-          </p:cNvSpPr>
-          <p:nvPr>
-            <p:ph type="body" idx="1"/>
-          </p:nvPr>
-        </p:nvSpPr>
-        <p:spPr/>
-        <p:txBody>
-          <a:bodyPr/>
-          <a:lstStyle/>
-          <a:p>
-            <a:r>
-              <a:rPr lang="zh-CN" altLang="en-US"/>
-              <a:t>配置</a:t>
-            </a:r>
-            <a:r>
-              <a:rPr lang="en-US" altLang="zh-CN"/>
-              <a:t>metrics</a:t>
-            </a:r>
-          </a:p>
-        </p:txBody>
-      </p:sp>
-      <p:sp>
-        <p:nvSpPr>
-          <p:cNvPr id="7" name="文本占位符 6"/>
-          <p:cNvSpPr>
-            <a:spLocks noGrp="1"/>
-          </p:cNvSpPr>
-          <p:nvPr>
-            <p:ph type="body" sz="quarter" idx="3"/>
-          </p:nvPr>
-        </p:nvSpPr>
-        <p:spPr/>
-        <p:txBody>
-          <a:bodyPr/>
-          <a:lstStyle/>
-          <a:p>
-            <a:r>
-              <a:rPr lang="zh-CN" altLang="en-US"/>
-              <a:t>配置</a:t>
-            </a:r>
-            <a:r>
-              <a:rPr lang="en-US" altLang="zh-CN"/>
-              <a:t>alert</a:t>
-            </a:r>
-            <a:r>
-              <a:rPr lang="zh-CN" altLang="en-US"/>
-              <a:t>时注意</a:t>
-            </a:r>
-          </a:p>
-        </p:txBody>
-      </p:sp>
-      <p:pic>
-        <p:nvPicPr>
-          <p:cNvPr id="9" name="内容占位符 8"/>
-          <p:cNvPicPr>
-            <a:picLocks noGrp="1" noChangeAspect="1"/>
-          </p:cNvPicPr>
-          <p:nvPr>
-            <p:ph sz="half" idx="2"/>
-          </p:nvPr>
-        </p:nvPicPr>
-        <p:blipFill>
-          <a:blip r:embed="rId2"/>
-          <a:stretch>
-            <a:fillRect/>
-          </a:stretch>
-        </p:blipFill>
-        <p:spPr>
-          <a:xfrm>
-            <a:off x="457200" y="1938020"/>
-            <a:ext cx="4040505" cy="2350770"/>
-          </a:xfrm>
-          <a:prstGeom prst="rect">
-            <a:avLst/>
-          </a:prstGeom>
-        </p:spPr>
-      </p:pic>
-      <p:pic>
-        <p:nvPicPr>
-          <p:cNvPr id="10" name="内容占位符 9"/>
-          <p:cNvPicPr>
-            <a:picLocks noGrp="1" noChangeAspect="1"/>
-          </p:cNvPicPr>
-          <p:nvPr>
-            <p:ph sz="quarter" idx="4"/>
-          </p:nvPr>
-        </p:nvPicPr>
-        <p:blipFill>
-          <a:blip r:embed="rId3"/>
-          <a:stretch>
-            <a:fillRect/>
-          </a:stretch>
-        </p:blipFill>
-        <p:spPr>
-          <a:xfrm>
-            <a:off x="4653915" y="1631950"/>
-            <a:ext cx="4023360" cy="2964180"/>
-          </a:xfrm>
-          <a:prstGeom prst="rect">
-            <a:avLst/>
-          </a:prstGeom>
-        </p:spPr>
-      </p:pic>
-    </p:spTree>
-  </p:cSld>
-  <p:clrMapOvr>
-    <a:masterClrMapping/>
-  </p:clrMapOvr>
-  <p:transition spd="med" advClick="0" advTm="0"/>
-</p:sld>
-</file>
-
-<file path=ppt/slides/slide15.xml><?xml version="1.0" encoding="utf-8"?>
-<p:sld xmlns:a="http://schemas.openxmlformats.org/drawingml/2006/main" xmlns:r="http://schemas.openxmlformats.org/officeDocument/2006/relationships" xmlns:p="http://schemas.openxmlformats.org/presentationml/2006/main">
-  <p:cSld>
-    <p:spTree>
-      <p:nvGrpSpPr>
-        <p:cNvPr id="1" name=""/>
-        <p:cNvGrpSpPr/>
-        <p:nvPr/>
-      </p:nvGrpSpPr>
-      <p:grpSpPr>
-        <a:xfrm>
-          <a:off x="0" y="0"/>
-          <a:ext cx="0" cy="0"/>
-          <a:chOff x="0" y="0"/>
-          <a:chExt cx="0" cy="0"/>
-        </a:xfrm>
-      </p:grpSpPr>
-      <p:sp>
-        <p:nvSpPr>
-          <p:cNvPr id="4" name="标题 3"/>
-          <p:cNvSpPr>
-            <a:spLocks noGrp="1"/>
-          </p:cNvSpPr>
-          <p:nvPr>
-            <p:ph type="title"/>
-          </p:nvPr>
-        </p:nvSpPr>
-        <p:spPr/>
-        <p:txBody>
-          <a:bodyPr/>
-          <a:lstStyle/>
-          <a:p>
-            <a:pPr algn="l"/>
-            <a:r>
-              <a:rPr lang="zh-CN" altLang="en-US" sz="2800">
-                <a:solidFill>
-                  <a:srgbClr val="FCC83A"/>
-                </a:solidFill>
-              </a:rPr>
-              <a:t>仪表设置</a:t>
-            </a:r>
-            <a:r>
-              <a:rPr lang="en-US" altLang="zh-CN" sz="2800">
-                <a:solidFill>
-                  <a:srgbClr val="FCC83A"/>
-                </a:solidFill>
-              </a:rPr>
-              <a:t>metrics</a:t>
-            </a:r>
-            <a:r>
-              <a:rPr lang="zh-CN" altLang="en-US" sz="2800">
-                <a:solidFill>
-                  <a:srgbClr val="FCC83A"/>
-                </a:solidFill>
-              </a:rPr>
-              <a:t>栏</a:t>
-            </a:r>
-          </a:p>
-        </p:txBody>
-      </p:sp>
-      <p:sp>
-        <p:nvSpPr>
-          <p:cNvPr id="5" name="文本占位符 4"/>
-          <p:cNvSpPr>
-            <a:spLocks noGrp="1"/>
-          </p:cNvSpPr>
-          <p:nvPr>
-            <p:ph type="body" idx="1"/>
-          </p:nvPr>
-        </p:nvSpPr>
-        <p:spPr/>
-        <p:txBody>
-          <a:bodyPr/>
-          <a:lstStyle/>
-          <a:p>
-            <a:r>
-              <a:rPr lang="zh-CN" altLang="en-US"/>
-              <a:t>查询编辑器（</a:t>
-            </a:r>
-            <a:r>
-              <a:rPr lang="en-US" altLang="zh-CN"/>
-              <a:t>edit</a:t>
-            </a:r>
-            <a:r>
-              <a:rPr lang="zh-CN" altLang="en-US"/>
-              <a:t>）</a:t>
-            </a:r>
-          </a:p>
-        </p:txBody>
-      </p:sp>
-      <p:sp>
-        <p:nvSpPr>
-          <p:cNvPr id="7" name="文本占位符 6"/>
-          <p:cNvSpPr>
-            <a:spLocks noGrp="1"/>
-          </p:cNvSpPr>
-          <p:nvPr>
-            <p:ph type="body" sz="quarter" idx="3"/>
-          </p:nvPr>
-        </p:nvSpPr>
-        <p:spPr/>
-        <p:txBody>
-          <a:bodyPr/>
-          <a:lstStyle/>
-          <a:p>
-            <a:r>
-              <a:rPr lang="zh-CN" altLang="en-US">
-                <a:sym typeface="+mn-ea"/>
-              </a:rPr>
-              <a:t>过滤数据（WHERE）</a:t>
-            </a:r>
-            <a:endParaRPr lang="zh-CN" altLang="en-US"/>
-          </a:p>
-        </p:txBody>
-      </p:sp>
-      <p:sp>
-        <p:nvSpPr>
-          <p:cNvPr id="8" name="内容占位符 7"/>
-          <p:cNvSpPr>
-            <a:spLocks noGrp="1"/>
-          </p:cNvSpPr>
-          <p:nvPr>
-            <p:ph sz="quarter" idx="4"/>
-          </p:nvPr>
-        </p:nvSpPr>
-        <p:spPr/>
-        <p:txBody>
-          <a:bodyPr/>
-          <a:lstStyle/>
-          <a:p>
-            <a:pPr marL="0" indent="0">
-              <a:buNone/>
-            </a:pPr>
-            <a:r>
-              <a:rPr lang="zh-CN" altLang="en-US" sz="1800"/>
-              <a:t>要添加标记过滤器，请单击WHERE条件右侧的加号图标。您可以通过单击标记键删除标记过滤器并选择--remove tag filter--。</a:t>
-            </a:r>
-          </a:p>
-        </p:txBody>
-      </p:sp>
-      <p:sp>
-        <p:nvSpPr>
-          <p:cNvPr id="10" name="内容占位符 9"/>
-          <p:cNvSpPr>
-            <a:spLocks noGrp="1"/>
-          </p:cNvSpPr>
-          <p:nvPr>
-            <p:ph sz="half" idx="2"/>
-          </p:nvPr>
-        </p:nvSpPr>
-        <p:spPr/>
-        <p:txBody>
-          <a:bodyPr/>
-          <a:lstStyle/>
-          <a:p>
-            <a:r>
-              <a:rPr lang="zh-CN" altLang="en-US" sz="1800"/>
-              <a:t>您可以在Graph或Singlestat面板的编辑模式的metrics选项卡中找到InfluxDB编辑器。单击面板标题进入编辑模式，然后编辑。编辑器允许您选择指标和标签。</a:t>
-            </a:r>
-          </a:p>
-        </p:txBody>
-      </p:sp>
-    </p:spTree>
-  </p:cSld>
-  <p:clrMapOvr>
-    <a:masterClrMapping/>
-  </p:clrMapOvr>
-  <p:transition spd="med" advClick="0" advTm="0"/>
-</p:sld>
-</file>
-
-<file path=ppt/slides/slide16.xml><?xml version="1.0" encoding="utf-8"?>
-<p:sld xmlns:a="http://schemas.openxmlformats.org/drawingml/2006/main" xmlns:r="http://schemas.openxmlformats.org/officeDocument/2006/relationships" xmlns:p="http://schemas.openxmlformats.org/presentationml/2006/main">
-  <p:cSld>
-    <p:spTree>
-      <p:nvGrpSpPr>
-        <p:cNvPr id="1" name=""/>
-        <p:cNvGrpSpPr/>
-        <p:nvPr/>
-      </p:nvGrpSpPr>
-      <p:grpSpPr>
-        <a:xfrm>
-          <a:off x="0" y="0"/>
-          <a:ext cx="0" cy="0"/>
-          <a:chOff x="0" y="0"/>
-          <a:chExt cx="0" cy="0"/>
-        </a:xfrm>
-      </p:grpSpPr>
-      <p:sp>
-        <p:nvSpPr>
-          <p:cNvPr id="4" name="标题 3"/>
-          <p:cNvSpPr>
-            <a:spLocks noGrp="1"/>
-          </p:cNvSpPr>
-          <p:nvPr>
-            <p:ph type="title"/>
-          </p:nvPr>
-        </p:nvSpPr>
-        <p:spPr/>
-        <p:txBody>
-          <a:bodyPr>
-            <a:normAutofit/>
-          </a:bodyPr>
-          <a:lstStyle/>
-          <a:p>
-            <a:pPr algn="l"/>
-            <a:r>
-              <a:rPr lang="zh-CN" altLang="en-US" sz="2800">
-                <a:solidFill>
-                  <a:srgbClr val="FCC83A"/>
-                </a:solidFill>
-              </a:rPr>
-              <a:t>仪表设置</a:t>
-            </a:r>
-            <a:r>
-              <a:rPr lang="en-US" altLang="zh-CN" sz="2800">
-                <a:solidFill>
-                  <a:srgbClr val="FCC83A"/>
-                </a:solidFill>
-              </a:rPr>
-              <a:t>metrics</a:t>
-            </a:r>
-            <a:r>
-              <a:rPr lang="zh-CN" altLang="en-US" sz="2800">
-                <a:solidFill>
-                  <a:srgbClr val="FCC83A"/>
-                </a:solidFill>
-              </a:rPr>
-              <a:t>栏</a:t>
-            </a:r>
-          </a:p>
-        </p:txBody>
-      </p:sp>
-      <p:sp>
-        <p:nvSpPr>
-          <p:cNvPr id="5" name="文本占位符 4"/>
-          <p:cNvSpPr>
-            <a:spLocks noGrp="1"/>
-          </p:cNvSpPr>
-          <p:nvPr>
-            <p:ph type="body" idx="1"/>
-          </p:nvPr>
-        </p:nvSpPr>
-        <p:spPr/>
-        <p:txBody>
-          <a:bodyPr/>
-          <a:lstStyle/>
-          <a:p>
-            <a:r>
-              <a:rPr lang="zh-CN" altLang="en-US"/>
-              <a:t>别名模式</a:t>
-            </a:r>
-          </a:p>
-        </p:txBody>
-      </p:sp>
-      <p:sp>
-        <p:nvSpPr>
-          <p:cNvPr id="6" name="内容占位符 5"/>
-          <p:cNvSpPr>
-            <a:spLocks noGrp="1"/>
-          </p:cNvSpPr>
-          <p:nvPr>
-            <p:ph sz="half" idx="2"/>
-          </p:nvPr>
-        </p:nvSpPr>
-        <p:spPr/>
-        <p:txBody>
-          <a:bodyPr>
-            <a:normAutofit fontScale="67500" lnSpcReduction="10000"/>
-          </a:bodyPr>
-          <a:lstStyle/>
-          <a:p>
-            <a:r>
-              <a:rPr lang="zh-CN" altLang="en-US"/>
-              <a:t>$ m =替换为测量名称</a:t>
-            </a:r>
-          </a:p>
-          <a:p>
-            <a:r>
-              <a:rPr lang="zh-CN" altLang="en-US"/>
-              <a:t>$ measurement =替换为测量名称</a:t>
-            </a:r>
-          </a:p>
-          <a:p>
-            <a:r>
-              <a:rPr lang="zh-CN" altLang="en-US"/>
-              <a:t>$ col =替换为列名</a:t>
-            </a:r>
-          </a:p>
-          <a:p>
-            <a:r>
-              <a:rPr lang="zh-CN" altLang="en-US"/>
-              <a:t>$ tag_exampletag =替换为exampletag标记的值。语法是$tag_yourTagName（必须以$tag_）开头。要在ALIAS BY字段中将标记用作别名，则必须使用标记在查询中进行分组。</a:t>
-            </a:r>
-          </a:p>
-          <a:p>
-            <a:r>
-              <a:rPr lang="zh-CN" altLang="en-US"/>
-              <a:t>您还可以使用[[tag_hostname]]模式替换语法。例如，在使用此文本的ALIAS BY字段中，Host: [[tag_hostname]]将替换hostname每个图例值的标记值，示例图例值将为：Host: server1。</a:t>
-            </a:r>
-          </a:p>
-        </p:txBody>
-      </p:sp>
-      <p:sp>
-        <p:nvSpPr>
-          <p:cNvPr id="7" name="文本占位符 6"/>
-          <p:cNvSpPr>
-            <a:spLocks noGrp="1"/>
-          </p:cNvSpPr>
-          <p:nvPr>
-            <p:ph type="body" sz="quarter" idx="3"/>
-          </p:nvPr>
-        </p:nvSpPr>
-        <p:spPr/>
-        <p:txBody>
-          <a:bodyPr/>
-          <a:lstStyle/>
-          <a:p>
-            <a:r>
-              <a:rPr lang="zh-CN" altLang="en-US"/>
-              <a:t>字段和聚合功能</a:t>
-            </a:r>
-          </a:p>
-        </p:txBody>
-      </p:sp>
-      <p:sp>
-        <p:nvSpPr>
-          <p:cNvPr id="8" name="内容占位符 7"/>
-          <p:cNvSpPr>
-            <a:spLocks noGrp="1"/>
-          </p:cNvSpPr>
-          <p:nvPr>
-            <p:ph sz="quarter" idx="4"/>
-          </p:nvPr>
-        </p:nvSpPr>
-        <p:spPr/>
-        <p:txBody>
-          <a:bodyPr/>
-          <a:lstStyle/>
-          <a:p>
-            <a:r>
-              <a:rPr lang="zh-CN" altLang="en-US" sz="1400"/>
-              <a:t>在该SELECT行中，您可以指定要使用的字段和函数。如果您有一个按时间分组，则需要聚合功能。像衍生物这样的函数需要聚合函数。编辑器尝试简化和统一查询的这一部分。例如：</a:t>
-            </a:r>
-          </a:p>
-        </p:txBody>
-      </p:sp>
-    </p:spTree>
-  </p:cSld>
-  <p:clrMapOvr>
-    <a:masterClrMapping/>
-  </p:clrMapOvr>
-  <p:transition spd="med" advClick="0" advTm="0"/>
-</p:sld>
-</file>
-
-<file path=ppt/slides/slide17.xml><?xml version="1.0" encoding="utf-8"?>
-<p:sld xmlns:a="http://schemas.openxmlformats.org/drawingml/2006/main" xmlns:r="http://schemas.openxmlformats.org/officeDocument/2006/relationships" xmlns:p="http://schemas.openxmlformats.org/presentationml/2006/main">
-  <p:cSld>
-    <p:spTree>
-      <p:nvGrpSpPr>
-        <p:cNvPr id="1" name=""/>
-        <p:cNvGrpSpPr/>
-        <p:nvPr/>
-      </p:nvGrpSpPr>
-      <p:grpSpPr>
-        <a:xfrm>
-          <a:off x="0" y="0"/>
-          <a:ext cx="0" cy="0"/>
-          <a:chOff x="0" y="0"/>
-          <a:chExt cx="0" cy="0"/>
-        </a:xfrm>
-      </p:grpSpPr>
-      <p:sp>
-        <p:nvSpPr>
-          <p:cNvPr id="2" name="标题 1"/>
-          <p:cNvSpPr>
-            <a:spLocks noGrp="1"/>
-          </p:cNvSpPr>
-          <p:nvPr>
-            <p:ph type="title"/>
-          </p:nvPr>
-        </p:nvSpPr>
-        <p:spPr/>
-        <p:txBody>
-          <a:bodyPr/>
-          <a:lstStyle/>
-          <a:p>
-            <a:pPr algn="l"/>
-            <a:r>
-              <a:rPr lang="zh-CN" altLang="en-US" sz="2800">
-                <a:solidFill>
-                  <a:srgbClr val="FCC83A"/>
-                </a:solidFill>
-              </a:rPr>
-              <a:t>关于</a:t>
-            </a:r>
-            <a:r>
-              <a:rPr lang="en-US" altLang="zh-CN" sz="2800">
-                <a:solidFill>
-                  <a:srgbClr val="FCC83A"/>
-                </a:solidFill>
-              </a:rPr>
-              <a:t>ganafa</a:t>
-            </a:r>
-            <a:r>
-              <a:rPr lang="zh-CN" altLang="en-US" sz="2800">
-                <a:solidFill>
-                  <a:srgbClr val="FCC83A"/>
-                </a:solidFill>
-              </a:rPr>
-              <a:t>操作建议</a:t>
-            </a:r>
-          </a:p>
-        </p:txBody>
-      </p:sp>
-      <p:sp>
-        <p:nvSpPr>
-          <p:cNvPr id="3" name="内容占位符 2"/>
-          <p:cNvSpPr>
-            <a:spLocks noGrp="1"/>
-          </p:cNvSpPr>
-          <p:nvPr>
-            <p:ph idx="1"/>
-          </p:nvPr>
-        </p:nvSpPr>
-        <p:spPr/>
-        <p:txBody>
-          <a:bodyPr/>
-          <a:lstStyle/>
-          <a:p>
-            <a:r>
-              <a:rPr lang="zh-CN" altLang="en-US" sz="1800"/>
-              <a:t>多测试一些指标</a:t>
-            </a:r>
-          </a:p>
-          <a:p>
-            <a:r>
-              <a:rPr lang="zh-CN" altLang="en-US" sz="1800"/>
-              <a:t>参照官网学习地址：https://play.grafana.org/d/000000012/grafana-play-home?orgId=1</a:t>
-            </a:r>
-          </a:p>
-        </p:txBody>
-      </p:sp>
-    </p:spTree>
-  </p:cSld>
-  <p:clrMapOvr>
-    <a:masterClrMapping/>
-  </p:clrMapOvr>
-  <p:transition spd="med" advClick="0" advTm="0"/>
-</p:sld>
-</file>
-
-<file path=ppt/slides/slide18.xml><?xml version="1.0" encoding="utf-8"?>
-<p:sld xmlns:a="http://schemas.openxmlformats.org/drawingml/2006/main" xmlns:r="http://schemas.openxmlformats.org/officeDocument/2006/relationships" xmlns:p="http://schemas.openxmlformats.org/presentationml/2006/main">
-  <p:cSld>
-    <p:spTree>
-      <p:nvGrpSpPr>
-        <p:cNvPr id="1" name=""/>
-        <p:cNvGrpSpPr/>
-        <p:nvPr/>
-      </p:nvGrpSpPr>
-      <p:grpSpPr>
-        <a:xfrm>
-          <a:off x="0" y="0"/>
-          <a:ext cx="0" cy="0"/>
-          <a:chOff x="0" y="0"/>
-          <a:chExt cx="0" cy="0"/>
-        </a:xfrm>
-      </p:grpSpPr>
-      <p:sp>
-        <p:nvSpPr>
-          <p:cNvPr id="2" name="标题 1"/>
-          <p:cNvSpPr>
-            <a:spLocks noGrp="1"/>
-          </p:cNvSpPr>
-          <p:nvPr>
-            <p:ph type="title"/>
-          </p:nvPr>
-        </p:nvSpPr>
-        <p:spPr/>
-        <p:txBody>
-          <a:bodyPr>
-            <a:normAutofit/>
-          </a:bodyPr>
-          <a:lstStyle/>
-          <a:p>
-            <a:pPr algn="l"/>
-            <a:r>
-              <a:rPr lang="zh-CN" altLang="en-US" sz="2800" dirty="0" smtClean="0">
-                <a:solidFill>
-                  <a:srgbClr val="FFC000"/>
-                </a:solidFill>
-              </a:rPr>
-              <a:t>常见使用问题</a:t>
-            </a:r>
-            <a:endParaRPr lang="zh-CN" altLang="en-US" sz="2800" dirty="0">
-              <a:solidFill>
-                <a:srgbClr val="FFC000"/>
-              </a:solidFill>
-            </a:endParaRPr>
-          </a:p>
-        </p:txBody>
-      </p:sp>
-      <p:sp>
-        <p:nvSpPr>
-          <p:cNvPr id="3" name="内容占位符 2"/>
-          <p:cNvSpPr>
-            <a:spLocks noGrp="1"/>
-          </p:cNvSpPr>
-          <p:nvPr>
-            <p:ph idx="1"/>
-          </p:nvPr>
-        </p:nvSpPr>
-        <p:spPr/>
-        <p:txBody>
-          <a:bodyPr>
-            <a:normAutofit/>
-          </a:bodyPr>
-          <a:lstStyle/>
-          <a:p>
-            <a:r>
-              <a:rPr lang="zh-CN" altLang="en-US" sz="1600" b="1" dirty="0">
-                <a:hlinkClick r:id="rId2"/>
-              </a:rPr>
-              <a:t>如何解决度量标准查询问题</a:t>
-            </a:r>
-            <a:endParaRPr lang="zh-CN" altLang="en-US" sz="1600" b="1" dirty="0"/>
-          </a:p>
-          <a:p>
-            <a:r>
-              <a:rPr lang="zh-CN" altLang="en-US" sz="1600" b="1" dirty="0">
-                <a:hlinkClick r:id="rId3"/>
-              </a:rPr>
-              <a:t>放大时为什么我的图表为空？</a:t>
-            </a:r>
-            <a:endParaRPr lang="zh-CN" altLang="en-US" sz="1600" b="1" dirty="0"/>
-          </a:p>
-          <a:p>
-            <a:r>
-              <a:rPr lang="zh-CN" altLang="en-US" sz="1600" b="1" dirty="0">
-                <a:hlinkClick r:id="rId4"/>
-              </a:rPr>
-              <a:t>非常简单的图 </a:t>
-            </a:r>
-            <a:r>
-              <a:rPr lang="en-US" altLang="zh-CN" sz="1600" b="1" dirty="0">
-                <a:hlinkClick r:id="rId4"/>
-              </a:rPr>
-              <a:t>- </a:t>
-            </a:r>
-            <a:r>
-              <a:rPr lang="zh-CN" altLang="en-US" sz="1600" b="1" dirty="0">
-                <a:hlinkClick r:id="rId4"/>
-              </a:rPr>
-              <a:t>没有数据点</a:t>
-            </a:r>
-            <a:endParaRPr lang="zh-CN" altLang="en-US" sz="1600" b="1" dirty="0"/>
-          </a:p>
-          <a:p>
-            <a:r>
-              <a:rPr lang="en-US" altLang="zh-CN" sz="1600" b="1" dirty="0" err="1">
-                <a:hlinkClick r:id="rId5"/>
-              </a:rPr>
-              <a:t>Grafana</a:t>
-            </a:r>
-            <a:r>
-              <a:rPr lang="zh-CN" altLang="en-US" sz="1600" b="1" dirty="0">
-                <a:hlinkClick r:id="rId5"/>
-              </a:rPr>
-              <a:t>查询下拉菜单没有所有指标</a:t>
-            </a:r>
-            <a:endParaRPr lang="zh-CN" altLang="en-US" sz="1600" b="1" dirty="0"/>
-          </a:p>
-          <a:p>
-            <a:r>
-              <a:rPr lang="en-US" altLang="zh-CN" sz="1600" b="1" dirty="0" err="1">
-                <a:hlinkClick r:id="rId6"/>
-              </a:rPr>
-              <a:t>Grafana</a:t>
-            </a:r>
-            <a:r>
-              <a:rPr lang="zh-CN" altLang="en-US" sz="1600" b="1" dirty="0">
-                <a:hlinkClick r:id="rId6"/>
-              </a:rPr>
-              <a:t>是否将数据存储到磁盘？</a:t>
-            </a:r>
-            <a:endParaRPr lang="zh-CN" altLang="en-US" sz="1600" b="1" dirty="0"/>
-          </a:p>
-          <a:p>
-            <a:r>
-              <a:rPr lang="zh-CN" altLang="en-US" sz="1600" b="1" dirty="0">
-                <a:hlinkClick r:id="rId7"/>
-              </a:rPr>
-              <a:t>警报 </a:t>
-            </a:r>
-            <a:r>
-              <a:rPr lang="en-US" altLang="zh-CN" sz="1600" b="1" dirty="0">
-                <a:hlinkClick r:id="rId7"/>
-              </a:rPr>
-              <a:t>- </a:t>
-            </a:r>
-            <a:r>
-              <a:rPr lang="zh-CN" altLang="en-US" sz="1600" b="1" dirty="0">
-                <a:hlinkClick r:id="rId7"/>
-              </a:rPr>
-              <a:t>没有数据</a:t>
-            </a:r>
-            <a:endParaRPr lang="zh-CN" altLang="en-US" sz="1600" b="1" dirty="0"/>
-          </a:p>
-          <a:p>
-            <a:r>
-              <a:rPr lang="zh-CN" altLang="en-US" sz="1600" b="1" dirty="0">
-                <a:hlinkClick r:id="rId8"/>
-              </a:rPr>
-              <a:t>警报名称（邮件主题）参数</a:t>
-            </a:r>
-            <a:r>
-              <a:rPr lang="zh-CN" altLang="en-US" sz="1600" b="1" dirty="0" smtClean="0">
-                <a:hlinkClick r:id="rId8"/>
-              </a:rPr>
-              <a:t>化</a:t>
-            </a:r>
-            <a:endParaRPr lang="en-US" altLang="zh-CN" sz="1600" b="1" dirty="0" smtClean="0"/>
-          </a:p>
-          <a:p>
-            <a:r>
-              <a:rPr lang="en-US" altLang="zh-CN" sz="1600" b="1" dirty="0">
-                <a:hlinkClick r:id="rId9"/>
-              </a:rPr>
-              <a:t>[</a:t>
-            </a:r>
-            <a:r>
-              <a:rPr lang="en-US" altLang="zh-CN" sz="1600" b="1" dirty="0" err="1">
-                <a:hlinkClick r:id="rId9"/>
-              </a:rPr>
-              <a:t>Grafana</a:t>
-            </a:r>
-            <a:r>
-              <a:rPr lang="en-US" altLang="zh-CN" sz="1600" b="1" dirty="0">
-                <a:hlinkClick r:id="rId9"/>
-              </a:rPr>
-              <a:t>] [</a:t>
-            </a:r>
-            <a:r>
-              <a:rPr lang="en-US" altLang="zh-CN" sz="1600" b="1" dirty="0" err="1">
-                <a:hlinkClick r:id="rId9"/>
-              </a:rPr>
-              <a:t>InfluxDB</a:t>
-            </a:r>
-            <a:r>
-              <a:rPr lang="en-US" altLang="zh-CN" sz="1600" b="1" dirty="0">
-                <a:hlinkClick r:id="rId9"/>
-              </a:rPr>
-              <a:t>]</a:t>
-            </a:r>
-            <a:r>
-              <a:rPr lang="zh-CN" altLang="en-US" sz="1600" b="1" dirty="0">
-                <a:hlinkClick r:id="rId9"/>
-              </a:rPr>
-              <a:t>上周与时间范围过滤器的差异结果集</a:t>
-            </a:r>
-            <a:endParaRPr lang="zh-CN" altLang="en-US" sz="1600" b="1" dirty="0"/>
-          </a:p>
-          <a:p>
-            <a:r>
-              <a:rPr lang="en-US" altLang="zh-CN" sz="1600" b="1" dirty="0" err="1">
-                <a:hlinkClick r:id="rId10"/>
-              </a:rPr>
-              <a:t>Grafana</a:t>
-            </a:r>
-            <a:r>
-              <a:rPr lang="en-US" altLang="zh-CN" sz="1600" b="1" dirty="0">
-                <a:hlinkClick r:id="rId10"/>
-              </a:rPr>
-              <a:t> - </a:t>
-            </a:r>
-            <a:r>
-              <a:rPr lang="zh-CN" altLang="en-US" sz="1600" b="1" dirty="0">
-                <a:hlinkClick r:id="rId10"/>
-              </a:rPr>
-              <a:t>多维分析</a:t>
-            </a:r>
-            <a:r>
-              <a:rPr lang="zh-CN" altLang="en-US" sz="1600" b="1" dirty="0" smtClean="0">
-                <a:hlinkClick r:id="rId10"/>
-              </a:rPr>
-              <a:t>？</a:t>
-            </a:r>
-            <a:endParaRPr lang="en-US" altLang="zh-CN" sz="1600" b="1" dirty="0" smtClean="0"/>
-          </a:p>
-          <a:p>
-            <a:r>
-              <a:rPr lang="zh-CN" altLang="en-US" sz="1600" b="1" dirty="0">
-                <a:hlinkClick r:id="rId11"/>
-              </a:rPr>
-              <a:t>限制某些面板的时间范围</a:t>
-            </a:r>
-            <a:endParaRPr lang="zh-CN" altLang="en-US" sz="1600" b="1" dirty="0"/>
-          </a:p>
-          <a:p>
-            <a:pPr marL="0" indent="0">
-              <a:buNone/>
-            </a:pPr>
-            <a:endParaRPr lang="zh-CN" altLang="en-US" sz="1600" b="1" dirty="0"/>
-          </a:p>
-          <a:p>
-            <a:endParaRPr lang="zh-CN" altLang="en-US" sz="1600" b="1" dirty="0"/>
-          </a:p>
-          <a:p>
-            <a:endParaRPr lang="zh-CN" altLang="en-US" sz="1600" dirty="0"/>
-          </a:p>
-        </p:txBody>
-      </p:sp>
-    </p:spTree>
-  </p:cSld>
-  <p:clrMapOvr>
-    <a:masterClrMapping/>
-  </p:clrMapOvr>
-  <p:transition spd="med" advClick="0" advTm="0"/>
-  <p:timing>
-    <p:tnLst>
-      <p:par>
-        <p:cTn id="1" dur="indefinite" restart="never" nodeType="tmRoot"/>
-      </p:par>
-    </p:tnLst>
-  </p:timing>
-</p:sld>
-</file>
-
-<file path=ppt/slides/slide19.xml><?xml version="1.0" encoding="utf-8"?>
-<p:sld xmlns:a="http://schemas.openxmlformats.org/drawingml/2006/main" xmlns:r="http://schemas.openxmlformats.org/officeDocument/2006/relationships" xmlns:p="http://schemas.openxmlformats.org/presentationml/2006/main">
-  <p:cSld>
-    <p:spTree>
-      <p:nvGrpSpPr>
-        <p:cNvPr id="1" name=""/>
-        <p:cNvGrpSpPr/>
-        <p:nvPr/>
-      </p:nvGrpSpPr>
-      <p:grpSpPr>
-        <a:xfrm>
-          <a:off x="0" y="0"/>
-          <a:ext cx="0" cy="0"/>
-          <a:chOff x="0" y="0"/>
-          <a:chExt cx="0" cy="0"/>
-        </a:xfrm>
-      </p:grpSpPr>
-      <p:sp>
-        <p:nvSpPr>
-          <p:cNvPr id="17" name="标题 1"/>
-          <p:cNvSpPr txBox="1"/>
-          <p:nvPr/>
-        </p:nvSpPr>
-        <p:spPr>
-          <a:xfrm>
-            <a:off x="214282" y="143652"/>
-            <a:ext cx="4572032" cy="714380"/>
-          </a:xfrm>
-          <a:prstGeom prst="rect">
-            <a:avLst/>
-          </a:prstGeom>
-        </p:spPr>
-        <p:txBody>
-          <a:bodyPr vert="horz" lIns="91440" tIns="45720" rIns="91440" bIns="45720" rtlCol="0" anchor="ctr">
-            <a:normAutofit/>
-          </a:bodyPr>
-          <a:lstStyle/>
-          <a:p>
-            <a:pPr lvl="0">
-              <a:spcBef>
-                <a:spcPct val="0"/>
-              </a:spcBef>
-            </a:pPr>
-            <a:r>
-              <a:rPr lang="zh-CN" altLang="en-US" sz="2900" dirty="0">
-                <a:solidFill>
-                  <a:srgbClr val="F08C00"/>
-                </a:solidFill>
-                <a:latin typeface="+mj-lt"/>
-                <a:ea typeface="+mj-ea"/>
-                <a:cs typeface="+mj-cs"/>
-              </a:rPr>
-              <a:t>想扩展到</a:t>
-            </a:r>
-            <a:r>
-              <a:rPr lang="en-US" altLang="zh-CN" sz="2900" dirty="0">
-                <a:solidFill>
-                  <a:srgbClr val="F08C00"/>
-                </a:solidFill>
-                <a:latin typeface="+mj-lt"/>
-                <a:ea typeface="+mj-ea"/>
-                <a:cs typeface="+mj-cs"/>
-              </a:rPr>
-              <a:t>springboot</a:t>
-            </a:r>
-            <a:r>
-              <a:rPr lang="zh-CN" altLang="en-US" sz="2900" dirty="0">
-                <a:solidFill>
-                  <a:srgbClr val="F08C00"/>
-                </a:solidFill>
-                <a:latin typeface="+mj-lt"/>
-                <a:ea typeface="+mj-ea"/>
-                <a:cs typeface="+mj-cs"/>
-              </a:rPr>
-              <a:t>吗？</a:t>
-            </a:r>
-          </a:p>
-        </p:txBody>
-      </p:sp>
-      <p:sp>
-        <p:nvSpPr>
-          <p:cNvPr id="5" name="TextBox 4"/>
-          <p:cNvSpPr txBox="1"/>
-          <p:nvPr/>
-        </p:nvSpPr>
-        <p:spPr>
-          <a:xfrm>
-            <a:off x="535305" y="929640"/>
-            <a:ext cx="8300720" cy="1938020"/>
-          </a:xfrm>
-          <a:prstGeom prst="rect">
-            <a:avLst/>
-          </a:prstGeom>
-          <a:solidFill>
-            <a:schemeClr val="bg2"/>
-          </a:solidFill>
-        </p:spPr>
-        <p:txBody>
-          <a:bodyPr wrap="square" rtlCol="0">
-            <a:spAutoFit/>
-          </a:bodyPr>
-          <a:lstStyle/>
-          <a:p>
-            <a:pPr marL="342900" indent="-342900"/>
-            <a:r>
-              <a:rPr lang="zh-CN" altLang="en-US" dirty="0"/>
-              <a:t>Spring Boot Actutaur + Telegraf + InFluxDB + Grafana</a:t>
-            </a:r>
-          </a:p>
-          <a:p>
-            <a:pPr marL="342900" indent="-342900"/>
-            <a:endParaRPr lang="zh-CN" altLang="en-US" dirty="0"/>
-          </a:p>
-          <a:p>
-            <a:pPr marL="342900" indent="-342900">
-              <a:buFont typeface="Arial" panose="020B0604020202020204" pitchFamily="34" charset="0"/>
-              <a:buChar char="•"/>
-            </a:pPr>
-            <a:r>
-              <a:rPr lang="zh-CN" altLang="en-US" sz="1200" dirty="0"/>
-              <a:t>Telegraf：它负责收集我们通过配置文件传递的所有数据，Telegraf收集我们配置的输出结果，例如CPU / RAM / LOAD或Nginx，MariaDB等服务。</a:t>
-            </a:r>
-          </a:p>
-          <a:p>
-            <a:pPr marL="342900" indent="-342900">
-              <a:buFont typeface="Arial" panose="020B0604020202020204" pitchFamily="34" charset="0"/>
-              <a:buChar char="•"/>
-            </a:pPr>
-            <a:r>
-              <a:rPr lang="zh-CN" altLang="en-US" sz="1200" dirty="0"/>
-              <a:t>InfluxDB：这是Telegraf发送所有这些信息的地方，InfluxDB专门设计用于高效存储大量信息，此外，可以定义信息保留期以防万一出现性能问题</a:t>
-            </a:r>
-          </a:p>
-          <a:p>
-            <a:pPr marL="342900" indent="-342900">
-              <a:buFont typeface="Arial" panose="020B0604020202020204" pitchFamily="34" charset="0"/>
-              <a:buChar char="•"/>
-            </a:pPr>
-            <a:r>
-              <a:rPr lang="zh-CN" altLang="en-US" sz="1200" dirty="0"/>
-              <a:t>Grafana：它是仪表板，负责显示InfluxDB存储在数据库中的所有信息</a:t>
-            </a:r>
-          </a:p>
-          <a:p>
-            <a:pPr marL="342900" indent="-342900">
-              <a:buFont typeface="Arial" panose="020B0604020202020204" pitchFamily="34" charset="0"/>
-              <a:buChar char="•"/>
-            </a:pPr>
-            <a:endParaRPr lang="zh-CN" altLang="en-US" sz="1200" dirty="0"/>
-          </a:p>
-          <a:p>
-            <a:pPr indent="0">
-              <a:buFont typeface="Arial" panose="020B0604020202020204" pitchFamily="34" charset="0"/>
-              <a:buNone/>
-            </a:pPr>
-            <a:endParaRPr lang="zh-CN" altLang="en-US" sz="1200" dirty="0"/>
-          </a:p>
-        </p:txBody>
-      </p:sp>
-    </p:spTree>
-  </p:cSld>
-  <p:clrMapOvr>
-    <a:masterClrMapping/>
-  </p:clrMapOvr>
-  <p:transition spd="med" advClick="0"/>
-  <p:timing>
-    <p:tnLst>
-      <p:par>
-        <p:cTn id="1" dur="indefinite" restart="never" nodeType="tmRoot"/>
-      </p:par>
-    </p:tnLst>
-  </p:timing>
-</p:sld>
-</file>
-
 <file path=ppt/slides/slide2.xml><?xml version="1.0" encoding="utf-8"?>
 <p:sld xmlns:a="http://schemas.openxmlformats.org/drawingml/2006/main" xmlns:r="http://schemas.openxmlformats.org/officeDocument/2006/relationships" xmlns:p="http://schemas.openxmlformats.org/presentationml/2006/main">
   <p:cSld>
@@ -5995,6 +4391,7 @@
               <a:rPr lang="zh-CN" altLang="en-US" sz="1800" dirty="0"/>
               <a:t>环境支持</a:t>
             </a:r>
+            <a:endParaRPr lang="zh-CN" altLang="en-US" sz="1800" dirty="0"/>
           </a:p>
           <a:p>
             <a:r>
@@ -6066,12 +4463,14 @@
               <a:rPr lang="zh-CN" altLang="en-US" sz="1800" dirty="0"/>
               <a:t>应用场景介绍</a:t>
             </a:r>
+            <a:endParaRPr lang="zh-CN" altLang="en-US" sz="1800" dirty="0"/>
           </a:p>
           <a:p>
             <a:r>
               <a:rPr lang="zh-CN" altLang="en-US" sz="1800" dirty="0"/>
               <a:t>大数据行业前景</a:t>
             </a:r>
+            <a:endParaRPr lang="zh-CN" altLang="en-US" sz="1800" dirty="0"/>
           </a:p>
           <a:p>
             <a:endParaRPr lang="zh-CN" altLang="en-US" sz="1800" dirty="0"/>
@@ -6084,197 +4483,6 @@
     <a:masterClrMapping/>
   </p:clrMapOvr>
   <p:transition spd="med" advClick="0" advTm="0"/>
-</p:sld>
-</file>
-
-<file path=ppt/slides/slide20.xml><?xml version="1.0" encoding="utf-8"?>
-<p:sld xmlns:a="http://schemas.openxmlformats.org/drawingml/2006/main" xmlns:r="http://schemas.openxmlformats.org/officeDocument/2006/relationships" xmlns:p="http://schemas.openxmlformats.org/presentationml/2006/main">
-  <p:cSld>
-    <p:spTree>
-      <p:nvGrpSpPr>
-        <p:cNvPr id="1" name=""/>
-        <p:cNvGrpSpPr/>
-        <p:nvPr/>
-      </p:nvGrpSpPr>
-      <p:grpSpPr>
-        <a:xfrm>
-          <a:off x="0" y="0"/>
-          <a:ext cx="0" cy="0"/>
-          <a:chOff x="0" y="0"/>
-          <a:chExt cx="0" cy="0"/>
-        </a:xfrm>
-      </p:grpSpPr>
-      <p:sp>
-        <p:nvSpPr>
-          <p:cNvPr id="2" name="标题 1"/>
-          <p:cNvSpPr>
-            <a:spLocks noGrp="1"/>
-          </p:cNvSpPr>
-          <p:nvPr>
-            <p:ph type="title"/>
-          </p:nvPr>
-        </p:nvSpPr>
-        <p:spPr/>
-        <p:txBody>
-          <a:bodyPr/>
-          <a:lstStyle/>
-          <a:p>
-            <a:endParaRPr lang="zh-CN" altLang="en-US"/>
-          </a:p>
-        </p:txBody>
-      </p:sp>
-      <p:sp>
-        <p:nvSpPr>
-          <p:cNvPr id="3" name="文本占位符 2"/>
-          <p:cNvSpPr>
-            <a:spLocks noGrp="1"/>
-          </p:cNvSpPr>
-          <p:nvPr>
-            <p:ph type="body" idx="1"/>
-          </p:nvPr>
-        </p:nvSpPr>
-        <p:spPr>
-          <a:xfrm>
-            <a:off x="722630" y="710565"/>
-            <a:ext cx="7655560" cy="2090420"/>
-          </a:xfrm>
-        </p:spPr>
-        <p:txBody>
-          <a:bodyPr/>
-          <a:lstStyle/>
-          <a:p>
-            <a:r>
-              <a:rPr lang="zh-CN" altLang="en-US"/>
-              <a:t>想了解，可以私下交流</a:t>
-            </a:r>
-          </a:p>
-        </p:txBody>
-      </p:sp>
-      <p:pic>
-        <p:nvPicPr>
-          <p:cNvPr id="4" name="图片 3"/>
-          <p:cNvPicPr>
-            <a:picLocks noChangeAspect="1"/>
-          </p:cNvPicPr>
-          <p:nvPr/>
-        </p:nvPicPr>
-        <p:blipFill>
-          <a:blip r:embed="rId2"/>
-          <a:stretch>
-            <a:fillRect/>
-          </a:stretch>
-        </p:blipFill>
-        <p:spPr>
-          <a:xfrm>
-            <a:off x="460375" y="396875"/>
-            <a:ext cx="8222615" cy="2063115"/>
-          </a:xfrm>
-          <a:prstGeom prst="rect">
-            <a:avLst/>
-          </a:prstGeom>
-        </p:spPr>
-      </p:pic>
-      <p:pic>
-        <p:nvPicPr>
-          <p:cNvPr id="5" name="图片 4"/>
-          <p:cNvPicPr>
-            <a:picLocks noChangeAspect="1"/>
-          </p:cNvPicPr>
-          <p:nvPr/>
-        </p:nvPicPr>
-        <p:blipFill>
-          <a:blip r:embed="rId3"/>
-          <a:stretch>
-            <a:fillRect/>
-          </a:stretch>
-        </p:blipFill>
-        <p:spPr>
-          <a:xfrm>
-            <a:off x="765175" y="2915920"/>
-            <a:ext cx="7613015" cy="1978025"/>
-          </a:xfrm>
-          <a:prstGeom prst="rect">
-            <a:avLst/>
-          </a:prstGeom>
-        </p:spPr>
-      </p:pic>
-    </p:spTree>
-  </p:cSld>
-  <p:clrMapOvr>
-    <a:masterClrMapping/>
-  </p:clrMapOvr>
-  <p:transition spd="med" advClick="0" advTm="0"/>
-  <p:timing>
-    <p:tnLst>
-      <p:par>
-        <p:cTn id="1" dur="indefinite" restart="never" nodeType="tmRoot"/>
-      </p:par>
-    </p:tnLst>
-  </p:timing>
-</p:sld>
-</file>
-
-<file path=ppt/slides/slide21.xml><?xml version="1.0" encoding="utf-8"?>
-<p:sld xmlns:a="http://schemas.openxmlformats.org/drawingml/2006/main" xmlns:r="http://schemas.openxmlformats.org/officeDocument/2006/relationships" xmlns:p="http://schemas.openxmlformats.org/presentationml/2006/main">
-  <p:cSld>
-    <p:spTree>
-      <p:nvGrpSpPr>
-        <p:cNvPr id="1" name=""/>
-        <p:cNvGrpSpPr/>
-        <p:nvPr/>
-      </p:nvGrpSpPr>
-      <p:grpSpPr>
-        <a:xfrm>
-          <a:off x="0" y="0"/>
-          <a:ext cx="0" cy="0"/>
-          <a:chOff x="0" y="0"/>
-          <a:chExt cx="0" cy="0"/>
-        </a:xfrm>
-      </p:grpSpPr>
-      <p:sp>
-        <p:nvSpPr>
-          <p:cNvPr id="2" name="标题 1"/>
-          <p:cNvSpPr>
-            <a:spLocks noGrp="1"/>
-          </p:cNvSpPr>
-          <p:nvPr>
-            <p:ph type="title"/>
-          </p:nvPr>
-        </p:nvSpPr>
-        <p:spPr>
-          <a:xfrm>
-            <a:off x="372745" y="1002665"/>
-            <a:ext cx="8229600" cy="3138805"/>
-          </a:xfrm>
-        </p:spPr>
-        <p:txBody>
-          <a:bodyPr/>
-          <a:lstStyle/>
-          <a:p>
-            <a:r>
-              <a:rPr lang="zh-CN" altLang="en-US">
-                <a:solidFill>
-                  <a:srgbClr val="FFC000"/>
-                </a:solidFill>
-              </a:rPr>
-              <a:t>谢谢观赏</a:t>
-            </a:r>
-          </a:p>
-        </p:txBody>
-      </p:sp>
-    </p:spTree>
-  </p:cSld>
-  <p:clrMapOvr>
-    <a:masterClrMapping/>
-  </p:clrMapOvr>
-  <p:transition spd="med" advClick="0" advTm="0"/>
-  <p:timing>
-    <p:tnLst>
-      <p:par>
-        <p:cTn id="1" dur="indefinite" restart="never" nodeType="tmRoot"/>
-      </p:par>
-    </p:tnLst>
-  </p:timing>
 </p:sld>
 </file>
 
@@ -6426,6 +4634,7 @@
               <a:rPr lang="zh-CN" altLang="en-US" sz="800" dirty="0"/>
               <a:t>Hadoop框架透明地为应用提供可靠性和数据移动。它实现了名为MapReduce的编程范式：应用程序被分区成许多小部分，而每个部分都能在集群中的任意节点上运行或重新运行。此外，Hadoop还提供了分布式文件系统，用以存储所有计算节点的数据，这为整个集群带来了非常高的带宽。MapReduce和分布式文件系统的设计，使得整个框架能够自动处理节点故障。它使应用程序与成千上万的独立计算的计算机和PB级的数据连接起来。现在普遍认为整个Apache Hadoop“平台”包括Hadoop内核、MapReduce、Hadoop分布式文件系统（HDFS）以及一些相关项目，有Apache Hive和Apache HBase等等。</a:t>
             </a:r>
+            <a:endParaRPr lang="zh-CN" altLang="en-US" sz="800" dirty="0"/>
           </a:p>
         </p:txBody>
       </p:sp>
@@ -6475,6 +4684,7 @@
               <a:rPr lang="en-US" altLang="zh-CN"/>
               <a:t>MapReduce</a:t>
             </a:r>
+            <a:endParaRPr lang="en-US" altLang="zh-CN"/>
           </a:p>
           <a:p>
             <a:pPr algn="ctr"/>
@@ -6482,6 +4692,7 @@
               <a:rPr lang="zh-CN" altLang="en-US"/>
               <a:t>分布式计算框架</a:t>
             </a:r>
+            <a:endParaRPr lang="zh-CN" altLang="en-US"/>
           </a:p>
         </p:txBody>
       </p:sp>
@@ -6528,6 +4739,7 @@
               <a:rPr lang="en-US" altLang="zh-CN"/>
               <a:t>Hbase</a:t>
             </a:r>
+            <a:endParaRPr lang="en-US" altLang="zh-CN"/>
           </a:p>
           <a:p>
             <a:pPr algn="ctr"/>
@@ -6535,6 +4747,7 @@
               <a:rPr lang="zh-CN" altLang="en-US"/>
               <a:t>面向列式持久化数据库</a:t>
             </a:r>
+            <a:endParaRPr lang="zh-CN" altLang="en-US"/>
           </a:p>
         </p:txBody>
       </p:sp>
@@ -6581,6 +4794,7 @@
               <a:rPr lang="en-US" altLang="zh-CN"/>
               <a:t>HDFS</a:t>
             </a:r>
+            <a:endParaRPr lang="en-US" altLang="zh-CN"/>
           </a:p>
           <a:p>
             <a:pPr algn="ctr"/>
@@ -6588,6 +4802,7 @@
               <a:rPr lang="zh-CN" altLang="en-US"/>
               <a:t>分布式文件系统</a:t>
             </a:r>
+            <a:endParaRPr lang="zh-CN" altLang="en-US"/>
           </a:p>
         </p:txBody>
       </p:sp>
@@ -6634,6 +4849,7 @@
               <a:rPr lang="en-US" altLang="zh-CN"/>
               <a:t>Zookeeper</a:t>
             </a:r>
+            <a:endParaRPr lang="en-US" altLang="zh-CN"/>
           </a:p>
           <a:p>
             <a:pPr algn="ctr"/>
@@ -6641,6 +4857,7 @@
               <a:rPr lang="zh-CN" altLang="en-US"/>
               <a:t>分布式协作服务</a:t>
             </a:r>
+            <a:endParaRPr lang="zh-CN" altLang="en-US"/>
           </a:p>
         </p:txBody>
       </p:sp>
@@ -6689,6 +4906,7 @@
               <a:rPr lang="en-US" altLang="zh-CN"/>
               <a:t>Avro</a:t>
             </a:r>
+            <a:endParaRPr lang="en-US" altLang="zh-CN"/>
           </a:p>
           <a:p>
             <a:pPr algn="ctr"/>
@@ -6696,6 +4914,7 @@
               <a:rPr lang="en-US" altLang="zh-CN"/>
               <a:t>(Serilization)</a:t>
             </a:r>
+            <a:endParaRPr lang="en-US" altLang="zh-CN"/>
           </a:p>
         </p:txBody>
       </p:sp>
@@ -6757,6 +4976,7 @@
               <a:rPr lang="en-US" altLang="zh-CN"/>
               <a:t>)</a:t>
             </a:r>
+            <a:endParaRPr lang="en-US" altLang="zh-CN"/>
           </a:p>
         </p:txBody>
       </p:sp>
@@ -6806,6 +5026,7 @@
               <a:rPr lang="en-US" altLang="zh-CN"/>
               <a:t>Hive(sql)</a:t>
             </a:r>
+            <a:endParaRPr lang="en-US" altLang="zh-CN"/>
           </a:p>
         </p:txBody>
       </p:sp>
@@ -6866,6 +5087,7 @@
               <a:rPr lang="en-US" altLang="zh-CN" sz="900"/>
               <a:t>)</a:t>
             </a:r>
+            <a:endParaRPr lang="en-US" altLang="zh-CN" sz="900"/>
           </a:p>
         </p:txBody>
       </p:sp>
@@ -6907,6 +5129,7 @@
               <a:rPr lang="zh-CN" altLang="en-US"/>
               <a:t>生态圈中的位置</a:t>
             </a:r>
+            <a:endParaRPr lang="zh-CN" altLang="en-US"/>
           </a:p>
         </p:txBody>
       </p:sp>
@@ -7006,6 +5229,12 @@
               </a:rPr>
               <a:t>环境支持</a:t>
             </a:r>
+            <a:endParaRPr lang="zh-CN" altLang="en-US" sz="2800">
+              <a:solidFill>
+                <a:srgbClr val="FFC000"/>
+              </a:solidFill>
+              <a:sym typeface="+mn-ea"/>
+            </a:endParaRPr>
           </a:p>
         </p:txBody>
       </p:sp>
@@ -7143,6 +5372,7 @@
               <a:rPr lang="en-US" altLang="zh-CN"/>
               <a:t>API</a:t>
             </a:r>
+            <a:endParaRPr lang="en-US" altLang="zh-CN"/>
           </a:p>
         </p:txBody>
       </p:sp>
@@ -7212,6 +5442,7 @@
               <a:rPr lang="en-US" altLang="zh-CN"/>
               <a:t>Master</a:t>
             </a:r>
+            <a:endParaRPr lang="en-US" altLang="zh-CN"/>
           </a:p>
         </p:txBody>
       </p:sp>
@@ -7279,6 +5510,7 @@
               <a:rPr lang="en-US" altLang="zh-CN" sz="1000"/>
               <a:t>Region Server</a:t>
             </a:r>
+            <a:endParaRPr lang="en-US" altLang="zh-CN" sz="1000"/>
           </a:p>
         </p:txBody>
       </p:sp>
@@ -7346,6 +5578,7 @@
               <a:rPr lang="en-US" altLang="zh-CN" sz="1000"/>
               <a:t>region</a:t>
             </a:r>
+            <a:endParaRPr lang="en-US" altLang="zh-CN" sz="1000"/>
           </a:p>
         </p:txBody>
       </p:sp>
@@ -7413,6 +5646,7 @@
               <a:rPr lang="en-US" altLang="zh-CN" sz="1000"/>
               <a:t>region</a:t>
             </a:r>
+            <a:endParaRPr lang="en-US" altLang="zh-CN" sz="1000"/>
           </a:p>
         </p:txBody>
       </p:sp>
@@ -7442,6 +5676,7 @@
               <a:rPr lang="en-US" altLang="zh-CN" sz="2000" b="1"/>
               <a:t>HBASE</a:t>
             </a:r>
+            <a:endParaRPr lang="en-US" altLang="zh-CN" sz="2000" b="1"/>
           </a:p>
         </p:txBody>
       </p:sp>
@@ -7511,6 +5746,7 @@
               <a:rPr lang="en-US" altLang="zh-CN"/>
               <a:t>HDFS</a:t>
             </a:r>
+            <a:endParaRPr lang="en-US" altLang="zh-CN"/>
           </a:p>
         </p:txBody>
       </p:sp>
@@ -7583,6 +5819,7 @@
               <a:rPr lang="en-US" altLang="zh-CN"/>
               <a:t>Zookeeper</a:t>
             </a:r>
+            <a:endParaRPr lang="en-US" altLang="zh-CN"/>
           </a:p>
         </p:txBody>
       </p:sp>
@@ -7643,6 +5880,7 @@
               <a:rPr lang="zh-CN" altLang="en-US"/>
               <a:t>）</a:t>
             </a:r>
+            <a:endParaRPr lang="zh-CN" altLang="en-US"/>
           </a:p>
           <a:p>
             <a:pPr marL="342900" indent="-342900">
@@ -7652,6 +5890,7 @@
               <a:rPr lang="zh-CN" altLang="en-US" sz="1200"/>
               <a:t>HBase 上层提供了访问的数据的 Java API 层，供应用访问存储在 HBase 的数据</a:t>
             </a:r>
+            <a:endParaRPr lang="zh-CN" altLang="en-US" sz="1200"/>
           </a:p>
           <a:p>
             <a:pPr marL="342900" indent="-342900">
@@ -7661,6 +5900,7 @@
               <a:rPr lang="zh-CN" altLang="en-US" sz="1200"/>
               <a:t>HBase 的集群中主要由 Master 和 Region Server 组成，以及 Zookeeper</a:t>
             </a:r>
+            <a:endParaRPr lang="zh-CN" altLang="en-US" sz="1200"/>
           </a:p>
         </p:txBody>
       </p:sp>
@@ -7729,6 +5969,11 @@
               </a:rPr>
               <a:t>结构图中所起的作用</a:t>
             </a:r>
+            <a:endParaRPr lang="zh-CN" altLang="en-US" sz="2800">
+              <a:solidFill>
+                <a:srgbClr val="FCC83A"/>
+              </a:solidFill>
+            </a:endParaRPr>
           </a:p>
         </p:txBody>
       </p:sp>
@@ -7762,6 +6007,7 @@
               <a:rPr lang="en-US" altLang="zh-CN" sz="1000" dirty="0" smtClean="0"/>
               <a:t>Master  </a:t>
             </a:r>
+            <a:endParaRPr lang="en-US" altLang="zh-CN" sz="1000" dirty="0" smtClean="0"/>
           </a:p>
           <a:p>
             <a:pPr fontAlgn="base"/>
@@ -7925,6 +6171,7 @@
               <a:rPr lang="zh-CN" altLang="en-US" sz="1000" b="0" dirty="0"/>
               <a:t>的集群。</a:t>
             </a:r>
+            <a:endParaRPr lang="zh-CN" altLang="en-US" sz="1000" b="0" dirty="0"/>
           </a:p>
           <a:p>
             <a:pPr marL="171450" indent="-171450" fontAlgn="base">
@@ -7939,6 +6186,7 @@
               <a:rPr lang="en-US" altLang="zh-CN" sz="1000" dirty="0" smtClean="0"/>
               <a:t>Server  </a:t>
             </a:r>
+            <a:endParaRPr lang="en-US" altLang="zh-CN" sz="1000" dirty="0" smtClean="0"/>
           </a:p>
           <a:p>
             <a:pPr fontAlgn="base"/>
@@ -8082,6 +6330,7 @@
               <a:rPr lang="zh-CN" altLang="en-US" sz="1000" b="0" dirty="0"/>
               <a:t>）。</a:t>
             </a:r>
+            <a:endParaRPr lang="zh-CN" altLang="en-US" sz="1000" b="0" dirty="0"/>
           </a:p>
           <a:p>
             <a:pPr marL="171450" indent="-171450" fontAlgn="base">
@@ -8092,6 +6341,7 @@
               <a:rPr lang="en-US" altLang="zh-CN" sz="1000" dirty="0" smtClean="0"/>
               <a:t>Zookeeper  </a:t>
             </a:r>
+            <a:endParaRPr lang="en-US" altLang="zh-CN" sz="1000" dirty="0" smtClean="0"/>
           </a:p>
           <a:p>
             <a:pPr fontAlgn="base"/>
@@ -8231,6 +6481,7 @@
               <a:rPr lang="zh-CN" altLang="en-US" sz="1000" b="0" dirty="0"/>
               <a:t>。</a:t>
             </a:r>
+            <a:endParaRPr lang="zh-CN" altLang="en-US" sz="1000" b="0" dirty="0"/>
           </a:p>
           <a:p>
             <a:endParaRPr lang="zh-CN" altLang="en-US" sz="1000" dirty="0"/>
@@ -8273,7 +6524,12 @@
             <p:ph type="title"/>
           </p:nvPr>
         </p:nvSpPr>
-        <p:spPr/>
+        <p:spPr>
+          <a:xfrm>
+            <a:off x="457200" y="206042"/>
+            <a:ext cx="8229600" cy="857515"/>
+          </a:xfrm>
+        </p:spPr>
         <p:txBody>
           <a:bodyPr/>
           <a:lstStyle/>
@@ -8478,26 +6734,576 @@
           </a:p>
         </p:txBody>
       </p:sp>
-      <p:sp>
-        <p:nvSpPr>
-          <p:cNvPr id="9" name="矩形 8"/>
+      <p:cxnSp>
+        <p:nvCxnSpPr>
+          <p:cNvPr id="11" name="直接箭头连接符 10"/>
+          <p:cNvCxnSpPr>
+            <a:stCxn id="9" idx="1"/>
+            <a:endCxn id="8" idx="6"/>
+          </p:cNvCxnSpPr>
+          <p:nvPr/>
+        </p:nvCxnSpPr>
+        <p:spPr>
+          <a:xfrm flipH="1">
+            <a:off x="5004157" y="1347108"/>
+            <a:ext cx="1296035" cy="0"/>
+          </a:xfrm>
+          <a:prstGeom prst="straightConnector1">
+            <a:avLst/>
+          </a:prstGeom>
+          <a:ln>
+            <a:tailEnd type="triangle"/>
+          </a:ln>
+        </p:spPr>
+        <p:style>
+          <a:lnRef idx="1">
+            <a:schemeClr val="accent1"/>
+          </a:lnRef>
+          <a:fillRef idx="0">
+            <a:schemeClr val="accent1"/>
+          </a:fillRef>
+          <a:effectRef idx="0">
+            <a:schemeClr val="accent1"/>
+          </a:effectRef>
+          <a:fontRef idx="minor">
+            <a:schemeClr val="tx1"/>
+          </a:fontRef>
+        </p:style>
+      </p:cxnSp>
+      <p:sp>
+        <p:nvSpPr>
+          <p:cNvPr id="6" name="矩形 5"/>
           <p:cNvSpPr/>
           <p:nvPr/>
         </p:nvSpPr>
         <p:spPr>
           <a:xfrm>
-            <a:off x="6300192" y="1200521"/>
-            <a:ext cx="936104" cy="291903"/>
+            <a:off x="6300470" y="1200785"/>
+            <a:ext cx="1774190" cy="292100"/>
           </a:xfrm>
           <a:prstGeom prst="rect">
             <a:avLst/>
           </a:prstGeom>
           <a:solidFill>
-            <a:schemeClr val="accent2">
-              <a:lumMod val="20000"/>
-              <a:lumOff val="80000"/>
-            </a:schemeClr>
+            <a:schemeClr val="bg2"/>
           </a:solidFill>
+        </p:spPr>
+        <p:style>
+          <a:lnRef idx="2">
+            <a:schemeClr val="accent5"/>
+          </a:lnRef>
+          <a:fillRef idx="1">
+            <a:schemeClr val="lt1"/>
+          </a:fillRef>
+          <a:effectRef idx="0">
+            <a:schemeClr val="accent5"/>
+          </a:effectRef>
+          <a:fontRef idx="minor">
+            <a:schemeClr val="dk1"/>
+          </a:fontRef>
+        </p:style>
+        <p:txBody>
+          <a:bodyPr rtlCol="0" anchor="ctr"/>
+          <a:p>
+            <a:pPr algn="ctr"/>
+            <a:r>
+              <a:rPr lang="en-US" altLang="zh-CN" dirty="0"/>
+              <a:t>Hbase master</a:t>
+            </a:r>
+            <a:endParaRPr lang="en-US" altLang="zh-CN" dirty="0"/>
+          </a:p>
+        </p:txBody>
+      </p:sp>
+      <p:sp>
+        <p:nvSpPr>
+          <p:cNvPr id="10" name="矩形 9"/>
+          <p:cNvSpPr/>
+          <p:nvPr/>
+        </p:nvSpPr>
+        <p:spPr>
+          <a:xfrm>
+            <a:off x="62230" y="1794510"/>
+            <a:ext cx="5974080" cy="2165985"/>
+          </a:xfrm>
+          <a:prstGeom prst="rect">
+            <a:avLst/>
+          </a:prstGeom>
+          <a:solidFill>
+            <a:schemeClr val="bg2"/>
+          </a:solidFill>
+        </p:spPr>
+        <p:style>
+          <a:lnRef idx="2">
+            <a:schemeClr val="accent5"/>
+          </a:lnRef>
+          <a:fillRef idx="1">
+            <a:schemeClr val="lt1"/>
+          </a:fillRef>
+          <a:effectRef idx="0">
+            <a:schemeClr val="accent5"/>
+          </a:effectRef>
+          <a:fontRef idx="minor">
+            <a:schemeClr val="dk1"/>
+          </a:fontRef>
+        </p:style>
+        <p:txBody>
+          <a:bodyPr rtlCol="0" anchor="ctr"/>
+          <a:p>
+            <a:pPr algn="l"/>
+            <a:r>
+              <a:rPr lang="en-US" altLang="zh-CN" dirty="0"/>
+              <a:t>regsion server</a:t>
+            </a:r>
+            <a:endParaRPr lang="en-US" altLang="zh-CN" dirty="0"/>
+          </a:p>
+        </p:txBody>
+      </p:sp>
+      <p:sp>
+        <p:nvSpPr>
+          <p:cNvPr id="12" name="矩形 11"/>
+          <p:cNvSpPr/>
+          <p:nvPr/>
+        </p:nvSpPr>
+        <p:spPr>
+          <a:xfrm>
+            <a:off x="1466215" y="1956435"/>
+            <a:ext cx="2807335" cy="1072515"/>
+          </a:xfrm>
+          <a:prstGeom prst="rect">
+            <a:avLst/>
+          </a:prstGeom>
+          <a:solidFill>
+            <a:schemeClr val="bg2"/>
+          </a:solidFill>
+        </p:spPr>
+        <p:style>
+          <a:lnRef idx="2">
+            <a:schemeClr val="accent5"/>
+          </a:lnRef>
+          <a:fillRef idx="1">
+            <a:schemeClr val="lt1"/>
+          </a:fillRef>
+          <a:effectRef idx="0">
+            <a:schemeClr val="accent5"/>
+          </a:effectRef>
+          <a:fontRef idx="minor">
+            <a:schemeClr val="dk1"/>
+          </a:fontRef>
+        </p:style>
+        <p:txBody>
+          <a:bodyPr rtlCol="0" anchor="ctr"/>
+          <a:p>
+            <a:pPr algn="l"/>
+            <a:r>
+              <a:rPr lang="en-US" altLang="zh-CN" dirty="0"/>
+              <a:t>regsion server</a:t>
+            </a:r>
+            <a:endParaRPr lang="en-US" altLang="zh-CN" dirty="0"/>
+          </a:p>
+        </p:txBody>
+      </p:sp>
+      <p:sp>
+        <p:nvSpPr>
+          <p:cNvPr id="13" name="矩形 12"/>
+          <p:cNvSpPr/>
+          <p:nvPr/>
+        </p:nvSpPr>
+        <p:spPr>
+          <a:xfrm>
+            <a:off x="2750185" y="1956435"/>
+            <a:ext cx="1522730" cy="941070"/>
+          </a:xfrm>
+          <a:prstGeom prst="rect">
+            <a:avLst/>
+          </a:prstGeom>
+          <a:solidFill>
+            <a:schemeClr val="bg2"/>
+          </a:solidFill>
+        </p:spPr>
+        <p:style>
+          <a:lnRef idx="2">
+            <a:schemeClr val="accent5"/>
+          </a:lnRef>
+          <a:fillRef idx="1">
+            <a:schemeClr val="lt1"/>
+          </a:fillRef>
+          <a:effectRef idx="0">
+            <a:schemeClr val="accent5"/>
+          </a:effectRef>
+          <a:fontRef idx="minor">
+            <a:schemeClr val="dk1"/>
+          </a:fontRef>
+        </p:style>
+        <p:txBody>
+          <a:bodyPr rtlCol="0" anchor="ctr"/>
+          <a:p>
+            <a:pPr algn="l"/>
+            <a:r>
+              <a:rPr lang="en-US" altLang="zh-CN" dirty="0"/>
+              <a:t>Store</a:t>
+            </a:r>
+            <a:endParaRPr lang="en-US" altLang="zh-CN" dirty="0"/>
+          </a:p>
+        </p:txBody>
+      </p:sp>
+      <p:sp>
+        <p:nvSpPr>
+          <p:cNvPr id="14" name="矩形 13"/>
+          <p:cNvSpPr/>
+          <p:nvPr/>
+        </p:nvSpPr>
+        <p:spPr>
+          <a:xfrm>
+            <a:off x="3390900" y="2258060"/>
+            <a:ext cx="827405" cy="481965"/>
+          </a:xfrm>
+          <a:prstGeom prst="rect">
+            <a:avLst/>
+          </a:prstGeom>
+          <a:solidFill>
+            <a:schemeClr val="bg2"/>
+          </a:solidFill>
+        </p:spPr>
+        <p:style>
+          <a:lnRef idx="2">
+            <a:schemeClr val="accent5"/>
+          </a:lnRef>
+          <a:fillRef idx="1">
+            <a:schemeClr val="lt1"/>
+          </a:fillRef>
+          <a:effectRef idx="0">
+            <a:schemeClr val="accent5"/>
+          </a:effectRef>
+          <a:fontRef idx="minor">
+            <a:schemeClr val="dk1"/>
+          </a:fontRef>
+        </p:style>
+        <p:txBody>
+          <a:bodyPr rtlCol="0" anchor="ctr"/>
+          <a:p>
+            <a:pPr algn="l"/>
+            <a:r>
+              <a:rPr lang="en-US" altLang="zh-CN" dirty="0"/>
+              <a:t>MemStore</a:t>
+            </a:r>
+            <a:endParaRPr lang="en-US" altLang="zh-CN" dirty="0"/>
+          </a:p>
+        </p:txBody>
+      </p:sp>
+      <p:sp>
+        <p:nvSpPr>
+          <p:cNvPr id="16" name="矩形 15"/>
+          <p:cNvSpPr/>
+          <p:nvPr/>
+        </p:nvSpPr>
+        <p:spPr>
+          <a:xfrm>
+            <a:off x="4436745" y="2252345"/>
+            <a:ext cx="1087755" cy="640080"/>
+          </a:xfrm>
+          <a:prstGeom prst="rect">
+            <a:avLst/>
+          </a:prstGeom>
+          <a:solidFill>
+            <a:schemeClr val="bg2"/>
+          </a:solidFill>
+        </p:spPr>
+        <p:style>
+          <a:lnRef idx="2">
+            <a:schemeClr val="accent5"/>
+          </a:lnRef>
+          <a:fillRef idx="1">
+            <a:schemeClr val="lt1"/>
+          </a:fillRef>
+          <a:effectRef idx="0">
+            <a:schemeClr val="accent5"/>
+          </a:effectRef>
+          <a:fontRef idx="minor">
+            <a:schemeClr val="dk1"/>
+          </a:fontRef>
+        </p:style>
+        <p:txBody>
+          <a:bodyPr rtlCol="0" anchor="ctr"/>
+          <a:p>
+            <a:pPr algn="l"/>
+            <a:r>
+              <a:rPr lang="en-US" altLang="zh-CN" dirty="0">
+                <a:sym typeface="+mn-ea"/>
+              </a:rPr>
+              <a:t>regsion</a:t>
+            </a:r>
+            <a:endParaRPr lang="en-US" altLang="zh-CN" dirty="0">
+              <a:sym typeface="+mn-ea"/>
+            </a:endParaRPr>
+          </a:p>
+          <a:p>
+            <a:pPr algn="l"/>
+            <a:r>
+              <a:rPr lang="en-US" altLang="zh-CN" dirty="0">
+                <a:sym typeface="+mn-ea"/>
+              </a:rPr>
+              <a:t>...... </a:t>
+            </a:r>
+            <a:endParaRPr lang="en-US" altLang="zh-CN" dirty="0"/>
+          </a:p>
+        </p:txBody>
+      </p:sp>
+      <p:sp>
+        <p:nvSpPr>
+          <p:cNvPr id="17" name="矩形 16"/>
+          <p:cNvSpPr/>
+          <p:nvPr/>
+        </p:nvSpPr>
+        <p:spPr>
+          <a:xfrm>
+            <a:off x="4948555" y="3106420"/>
+            <a:ext cx="1087755" cy="640080"/>
+          </a:xfrm>
+          <a:prstGeom prst="rect">
+            <a:avLst/>
+          </a:prstGeom>
+          <a:solidFill>
+            <a:schemeClr val="bg2"/>
+          </a:solidFill>
+        </p:spPr>
+        <p:style>
+          <a:lnRef idx="2">
+            <a:schemeClr val="accent5"/>
+          </a:lnRef>
+          <a:fillRef idx="1">
+            <a:schemeClr val="lt1"/>
+          </a:fillRef>
+          <a:effectRef idx="0">
+            <a:schemeClr val="accent5"/>
+          </a:effectRef>
+          <a:fontRef idx="minor">
+            <a:schemeClr val="dk1"/>
+          </a:fontRef>
+        </p:style>
+        <p:txBody>
+          <a:bodyPr rtlCol="0" anchor="ctr"/>
+          <a:p>
+            <a:pPr algn="l"/>
+            <a:r>
+              <a:rPr lang="en-US" altLang="zh-CN" dirty="0"/>
+              <a:t>Hlog</a:t>
+            </a:r>
+            <a:endParaRPr lang="en-US" altLang="zh-CN" dirty="0"/>
+          </a:p>
+        </p:txBody>
+      </p:sp>
+      <p:sp>
+        <p:nvSpPr>
+          <p:cNvPr id="18" name="矩形 17"/>
+          <p:cNvSpPr/>
+          <p:nvPr/>
+        </p:nvSpPr>
+        <p:spPr>
+          <a:xfrm>
+            <a:off x="6373495" y="1794510"/>
+            <a:ext cx="2651125" cy="2165350"/>
+          </a:xfrm>
+          <a:prstGeom prst="rect">
+            <a:avLst/>
+          </a:prstGeom>
+          <a:solidFill>
+            <a:schemeClr val="bg2"/>
+          </a:solidFill>
+        </p:spPr>
+        <p:style>
+          <a:lnRef idx="2">
+            <a:schemeClr val="accent5"/>
+          </a:lnRef>
+          <a:fillRef idx="1">
+            <a:schemeClr val="lt1"/>
+          </a:fillRef>
+          <a:effectRef idx="0">
+            <a:schemeClr val="accent5"/>
+          </a:effectRef>
+          <a:fontRef idx="minor">
+            <a:schemeClr val="dk1"/>
+          </a:fontRef>
+        </p:style>
+        <p:txBody>
+          <a:bodyPr rtlCol="0" anchor="ctr"/>
+          <a:p>
+            <a:pPr algn="l"/>
+            <a:r>
+              <a:rPr lang="en-US" altLang="zh-CN" dirty="0"/>
+              <a:t>regsion server</a:t>
+            </a:r>
+            <a:endParaRPr lang="en-US" altLang="zh-CN" dirty="0"/>
+          </a:p>
+        </p:txBody>
+      </p:sp>
+      <p:sp>
+        <p:nvSpPr>
+          <p:cNvPr id="19" name="矩形 18"/>
+          <p:cNvSpPr/>
+          <p:nvPr/>
+        </p:nvSpPr>
+        <p:spPr>
+          <a:xfrm>
+            <a:off x="6644005" y="3152775"/>
+            <a:ext cx="1087755" cy="640080"/>
+          </a:xfrm>
+          <a:prstGeom prst="rect">
+            <a:avLst/>
+          </a:prstGeom>
+          <a:solidFill>
+            <a:schemeClr val="bg2"/>
+          </a:solidFill>
+        </p:spPr>
+        <p:style>
+          <a:lnRef idx="2">
+            <a:schemeClr val="accent5"/>
+          </a:lnRef>
+          <a:fillRef idx="1">
+            <a:schemeClr val="lt1"/>
+          </a:fillRef>
+          <a:effectRef idx="0">
+            <a:schemeClr val="accent5"/>
+          </a:effectRef>
+          <a:fontRef idx="minor">
+            <a:schemeClr val="dk1"/>
+          </a:fontRef>
+        </p:style>
+        <p:txBody>
+          <a:bodyPr rtlCol="0" anchor="ctr"/>
+          <a:p>
+            <a:pPr algn="l"/>
+            <a:r>
+              <a:rPr lang="en-US" altLang="zh-CN" dirty="0">
+                <a:sym typeface="+mn-ea"/>
+              </a:rPr>
+              <a:t>regsion</a:t>
+            </a:r>
+            <a:endParaRPr lang="en-US" altLang="zh-CN" dirty="0">
+              <a:sym typeface="+mn-ea"/>
+            </a:endParaRPr>
+          </a:p>
+          <a:p>
+            <a:pPr algn="l"/>
+            <a:r>
+              <a:rPr lang="en-US" altLang="zh-CN" dirty="0">
+                <a:sym typeface="+mn-ea"/>
+              </a:rPr>
+              <a:t>...... </a:t>
+            </a:r>
+            <a:endParaRPr lang="en-US" altLang="zh-CN" dirty="0"/>
+          </a:p>
+        </p:txBody>
+      </p:sp>
+      <p:sp>
+        <p:nvSpPr>
+          <p:cNvPr id="20" name="矩形 19"/>
+          <p:cNvSpPr/>
+          <p:nvPr/>
+        </p:nvSpPr>
+        <p:spPr>
+          <a:xfrm>
+            <a:off x="7831455" y="3152775"/>
+            <a:ext cx="1087755" cy="640080"/>
+          </a:xfrm>
+          <a:prstGeom prst="rect">
+            <a:avLst/>
+          </a:prstGeom>
+          <a:solidFill>
+            <a:schemeClr val="bg2"/>
+          </a:solidFill>
+        </p:spPr>
+        <p:style>
+          <a:lnRef idx="2">
+            <a:schemeClr val="accent5"/>
+          </a:lnRef>
+          <a:fillRef idx="1">
+            <a:schemeClr val="lt1"/>
+          </a:fillRef>
+          <a:effectRef idx="0">
+            <a:schemeClr val="accent5"/>
+          </a:effectRef>
+          <a:fontRef idx="minor">
+            <a:schemeClr val="dk1"/>
+          </a:fontRef>
+        </p:style>
+        <p:txBody>
+          <a:bodyPr rtlCol="0" anchor="ctr"/>
+          <a:p>
+            <a:pPr algn="l"/>
+            <a:r>
+              <a:rPr lang="en-US" altLang="zh-CN" dirty="0"/>
+              <a:t>Hlog</a:t>
+            </a:r>
+            <a:endParaRPr lang="en-US" altLang="zh-CN" dirty="0"/>
+          </a:p>
+        </p:txBody>
+      </p:sp>
+      <p:sp>
+        <p:nvSpPr>
+          <p:cNvPr id="21" name="矩形 20"/>
+          <p:cNvSpPr/>
+          <p:nvPr/>
+        </p:nvSpPr>
+        <p:spPr>
+          <a:xfrm>
+            <a:off x="62230" y="4262755"/>
+            <a:ext cx="8855710" cy="841375"/>
+          </a:xfrm>
+          <a:prstGeom prst="rect">
+            <a:avLst/>
+          </a:prstGeom>
+          <a:solidFill>
+            <a:schemeClr val="bg2"/>
+          </a:solidFill>
+        </p:spPr>
+        <p:style>
+          <a:lnRef idx="2">
+            <a:schemeClr val="accent5"/>
+          </a:lnRef>
+          <a:fillRef idx="1">
+            <a:schemeClr val="lt1"/>
+          </a:fillRef>
+          <a:effectRef idx="0">
+            <a:schemeClr val="accent5"/>
+          </a:effectRef>
+          <a:fontRef idx="minor">
+            <a:schemeClr val="dk1"/>
+          </a:fontRef>
+        </p:style>
+        <p:txBody>
+          <a:bodyPr rtlCol="0" anchor="ctr"/>
+          <a:p>
+            <a:pPr algn="l"/>
+            <a:r>
+              <a:rPr lang="en-US" altLang="zh-CN" dirty="0"/>
+              <a:t>HDFS</a:t>
+            </a:r>
+            <a:endParaRPr lang="en-US" altLang="zh-CN" dirty="0"/>
+          </a:p>
+        </p:txBody>
+      </p:sp>
+      <p:sp>
+        <p:nvSpPr>
+          <p:cNvPr id="22" name="椭圆 21"/>
+          <p:cNvSpPr/>
+          <p:nvPr/>
+        </p:nvSpPr>
+        <p:spPr>
+          <a:xfrm>
+            <a:off x="797560" y="4377690"/>
+            <a:ext cx="1975485" cy="452755"/>
+          </a:xfrm>
+          <a:prstGeom prst="ellipse">
+            <a:avLst/>
+          </a:prstGeom>
+          <a:solidFill>
+            <a:srgbClr val="FFC000"/>
+          </a:solidFill>
+          <a:ln>
+            <a:solidFill>
+              <a:srgbClr val="00B050"/>
+            </a:solidFill>
+          </a:ln>
         </p:spPr>
         <p:style>
           <a:lnRef idx="2">
@@ -8517,36 +7323,416 @@
         </p:style>
         <p:txBody>
           <a:bodyPr rtlCol="0" anchor="ctr"/>
-          <a:lstStyle/>
           <a:p>
             <a:pPr algn="ctr"/>
             <a:r>
-              <a:rPr lang="en-US" altLang="zh-CN" sz="1200" b="1" dirty="0" err="1" smtClean="0"/>
-              <a:t>Hbase</a:t>
-            </a:r>
-            <a:endParaRPr lang="zh-CN" altLang="en-US" sz="1200" b="1" dirty="0"/>
+              <a:rPr lang="en-US" altLang="zh-CN" sz="1200" dirty="0"/>
+              <a:t>Store file</a:t>
+            </a:r>
+            <a:endParaRPr lang="en-US" altLang="zh-CN" sz="1200" dirty="0"/>
+          </a:p>
+          <a:p>
+            <a:pPr algn="ctr"/>
+            <a:endParaRPr lang="en-US" altLang="zh-CN" sz="1200" dirty="0"/>
+          </a:p>
+        </p:txBody>
+      </p:sp>
+      <p:sp>
+        <p:nvSpPr>
+          <p:cNvPr id="23" name="矩形 22"/>
+          <p:cNvSpPr/>
+          <p:nvPr/>
+        </p:nvSpPr>
+        <p:spPr>
+          <a:xfrm>
+            <a:off x="1633855" y="4596130"/>
+            <a:ext cx="620395" cy="174625"/>
+          </a:xfrm>
+          <a:prstGeom prst="rect">
+            <a:avLst/>
+          </a:prstGeom>
+          <a:solidFill>
+            <a:srgbClr val="C00000"/>
+          </a:solidFill>
+        </p:spPr>
+        <p:style>
+          <a:lnRef idx="2">
+            <a:schemeClr val="accent5"/>
+          </a:lnRef>
+          <a:fillRef idx="1">
+            <a:schemeClr val="lt1"/>
+          </a:fillRef>
+          <a:effectRef idx="0">
+            <a:schemeClr val="accent5"/>
+          </a:effectRef>
+          <a:fontRef idx="minor">
+            <a:schemeClr val="dk1"/>
+          </a:fontRef>
+        </p:style>
+        <p:txBody>
+          <a:bodyPr rtlCol="0" anchor="ctr"/>
+          <a:p>
+            <a:pPr algn="l"/>
+            <a:r>
+              <a:rPr lang="en-US" altLang="zh-CN" sz="1200" dirty="0"/>
+              <a:t>Hfile</a:t>
+            </a:r>
+            <a:endParaRPr lang="en-US" altLang="zh-CN" sz="1200" dirty="0"/>
+          </a:p>
+        </p:txBody>
+      </p:sp>
+      <p:sp>
+        <p:nvSpPr>
+          <p:cNvPr id="24" name="椭圆 23"/>
+          <p:cNvSpPr/>
+          <p:nvPr/>
+        </p:nvSpPr>
+        <p:spPr>
+          <a:xfrm>
+            <a:off x="2973070" y="4377690"/>
+            <a:ext cx="1975485" cy="452755"/>
+          </a:xfrm>
+          <a:prstGeom prst="ellipse">
+            <a:avLst/>
+          </a:prstGeom>
+          <a:solidFill>
+            <a:srgbClr val="FFC000"/>
+          </a:solidFill>
+          <a:ln>
+            <a:solidFill>
+              <a:srgbClr val="00B050"/>
+            </a:solidFill>
+          </a:ln>
+        </p:spPr>
+        <p:style>
+          <a:lnRef idx="2">
+            <a:schemeClr val="accent1">
+              <a:shade val="50000"/>
+            </a:schemeClr>
+          </a:lnRef>
+          <a:fillRef idx="1">
+            <a:schemeClr val="accent1"/>
+          </a:fillRef>
+          <a:effectRef idx="0">
+            <a:schemeClr val="accent1"/>
+          </a:effectRef>
+          <a:fontRef idx="minor">
+            <a:schemeClr val="lt1"/>
+          </a:fontRef>
+        </p:style>
+        <p:txBody>
+          <a:bodyPr rtlCol="0" anchor="ctr"/>
+          <a:p>
+            <a:pPr algn="ctr"/>
+            <a:r>
+              <a:rPr lang="en-US" altLang="zh-CN" sz="1200" dirty="0"/>
+              <a:t>Store file</a:t>
+            </a:r>
+            <a:endParaRPr lang="en-US" altLang="zh-CN" sz="1200" dirty="0"/>
+          </a:p>
+          <a:p>
+            <a:pPr algn="ctr"/>
+            <a:endParaRPr lang="en-US" altLang="zh-CN" sz="1200" dirty="0"/>
+          </a:p>
+        </p:txBody>
+      </p:sp>
+      <p:sp>
+        <p:nvSpPr>
+          <p:cNvPr id="25" name="矩形 24"/>
+          <p:cNvSpPr/>
+          <p:nvPr/>
+        </p:nvSpPr>
+        <p:spPr>
+          <a:xfrm>
+            <a:off x="3653155" y="4581525"/>
+            <a:ext cx="620395" cy="204470"/>
+          </a:xfrm>
+          <a:prstGeom prst="rect">
+            <a:avLst/>
+          </a:prstGeom>
+          <a:solidFill>
+            <a:srgbClr val="C00000"/>
+          </a:solidFill>
+        </p:spPr>
+        <p:style>
+          <a:lnRef idx="2">
+            <a:schemeClr val="accent5"/>
+          </a:lnRef>
+          <a:fillRef idx="1">
+            <a:schemeClr val="lt1"/>
+          </a:fillRef>
+          <a:effectRef idx="0">
+            <a:schemeClr val="accent5"/>
+          </a:effectRef>
+          <a:fontRef idx="minor">
+            <a:schemeClr val="dk1"/>
+          </a:fontRef>
+        </p:style>
+        <p:txBody>
+          <a:bodyPr rtlCol="0" anchor="ctr"/>
+          <a:p>
+            <a:pPr algn="l"/>
+            <a:r>
+              <a:rPr lang="en-US" altLang="zh-CN" sz="1200" dirty="0"/>
+              <a:t>Hfile</a:t>
+            </a:r>
+            <a:endParaRPr lang="en-US" altLang="zh-CN" sz="1200" dirty="0"/>
+          </a:p>
+        </p:txBody>
+      </p:sp>
+      <p:sp>
+        <p:nvSpPr>
+          <p:cNvPr id="26" name="椭圆 25"/>
+          <p:cNvSpPr/>
+          <p:nvPr/>
+        </p:nvSpPr>
+        <p:spPr>
+          <a:xfrm>
+            <a:off x="6711315" y="4377690"/>
+            <a:ext cx="1975485" cy="452755"/>
+          </a:xfrm>
+          <a:prstGeom prst="ellipse">
+            <a:avLst/>
+          </a:prstGeom>
+          <a:solidFill>
+            <a:srgbClr val="FFC000"/>
+          </a:solidFill>
+          <a:ln>
+            <a:solidFill>
+              <a:srgbClr val="00B050"/>
+            </a:solidFill>
+          </a:ln>
+        </p:spPr>
+        <p:style>
+          <a:lnRef idx="2">
+            <a:schemeClr val="accent1">
+              <a:shade val="50000"/>
+            </a:schemeClr>
+          </a:lnRef>
+          <a:fillRef idx="1">
+            <a:schemeClr val="accent1"/>
+          </a:fillRef>
+          <a:effectRef idx="0">
+            <a:schemeClr val="accent1"/>
+          </a:effectRef>
+          <a:fontRef idx="minor">
+            <a:schemeClr val="lt1"/>
+          </a:fontRef>
+        </p:style>
+        <p:txBody>
+          <a:bodyPr rtlCol="0" anchor="ctr"/>
+          <a:p>
+            <a:pPr algn="ctr"/>
+            <a:r>
+              <a:rPr lang="en-US" altLang="zh-CN" sz="1200" dirty="0"/>
+              <a:t>Store file</a:t>
+            </a:r>
+            <a:endParaRPr lang="en-US" altLang="zh-CN" sz="1200" dirty="0"/>
+          </a:p>
+          <a:p>
+            <a:pPr algn="ctr"/>
+            <a:endParaRPr lang="en-US" altLang="zh-CN" sz="1200" dirty="0"/>
+          </a:p>
+        </p:txBody>
+      </p:sp>
+      <p:sp>
+        <p:nvSpPr>
+          <p:cNvPr id="27" name="矩形 26"/>
+          <p:cNvSpPr/>
+          <p:nvPr/>
+        </p:nvSpPr>
+        <p:spPr>
+          <a:xfrm>
+            <a:off x="7437755" y="4625975"/>
+            <a:ext cx="620395" cy="204470"/>
+          </a:xfrm>
+          <a:prstGeom prst="rect">
+            <a:avLst/>
+          </a:prstGeom>
+          <a:solidFill>
+            <a:srgbClr val="C00000"/>
+          </a:solidFill>
+        </p:spPr>
+        <p:style>
+          <a:lnRef idx="2">
+            <a:schemeClr val="accent5"/>
+          </a:lnRef>
+          <a:fillRef idx="1">
+            <a:schemeClr val="lt1"/>
+          </a:fillRef>
+          <a:effectRef idx="0">
+            <a:schemeClr val="accent5"/>
+          </a:effectRef>
+          <a:fontRef idx="minor">
+            <a:schemeClr val="dk1"/>
+          </a:fontRef>
+        </p:style>
+        <p:txBody>
+          <a:bodyPr rtlCol="0" anchor="ctr"/>
+          <a:p>
+            <a:pPr algn="l"/>
+            <a:r>
+              <a:rPr lang="en-US" altLang="zh-CN" sz="1200" dirty="0"/>
+              <a:t>Hfile</a:t>
+            </a:r>
+            <a:endParaRPr lang="en-US" altLang="zh-CN" sz="1200" dirty="0"/>
           </a:p>
         </p:txBody>
       </p:sp>
       <p:cxnSp>
         <p:nvCxnSpPr>
-          <p:cNvPr id="11" name="直接箭头连接符 10"/>
-          <p:cNvCxnSpPr>
-            <a:stCxn id="9" idx="1"/>
-            <a:endCxn id="8" idx="6"/>
-          </p:cNvCxnSpPr>
+          <p:cNvPr id="28" name="直接箭头连接符 27"/>
+          <p:cNvCxnSpPr/>
           <p:nvPr/>
         </p:nvCxnSpPr>
         <p:spPr>
-          <a:xfrm flipH="1">
-            <a:off x="5004048" y="1346473"/>
-            <a:ext cx="1296144" cy="0"/>
+          <a:xfrm flipV="1">
+            <a:off x="2733675" y="1492250"/>
+            <a:ext cx="254000" cy="278765"/>
           </a:xfrm>
           <a:prstGeom prst="straightConnector1">
             <a:avLst/>
           </a:prstGeom>
           <a:ln>
-            <a:tailEnd type="triangle"/>
+            <a:tailEnd type="arrow"/>
+          </a:ln>
+        </p:spPr>
+        <p:style>
+          <a:lnRef idx="1">
+            <a:schemeClr val="accent1"/>
+          </a:lnRef>
+          <a:fillRef idx="0">
+            <a:schemeClr val="accent1"/>
+          </a:fillRef>
+          <a:effectRef idx="0">
+            <a:schemeClr val="accent1"/>
+          </a:effectRef>
+          <a:fontRef idx="minor">
+            <a:schemeClr val="tx1"/>
+          </a:fontRef>
+        </p:style>
+      </p:cxnSp>
+      <p:cxnSp>
+        <p:nvCxnSpPr>
+          <p:cNvPr id="29" name="直接箭头连接符 28"/>
+          <p:cNvCxnSpPr/>
+          <p:nvPr/>
+        </p:nvCxnSpPr>
+        <p:spPr>
+          <a:xfrm flipH="1" flipV="1">
+            <a:off x="4500245" y="1492250"/>
+            <a:ext cx="2185035" cy="302260"/>
+          </a:xfrm>
+          <a:prstGeom prst="straightConnector1">
+            <a:avLst/>
+          </a:prstGeom>
+          <a:ln>
+            <a:tailEnd type="arrow"/>
+          </a:ln>
+        </p:spPr>
+        <p:style>
+          <a:lnRef idx="1">
+            <a:schemeClr val="accent1"/>
+          </a:lnRef>
+          <a:fillRef idx="0">
+            <a:schemeClr val="accent1"/>
+          </a:fillRef>
+          <a:effectRef idx="0">
+            <a:schemeClr val="accent1"/>
+          </a:effectRef>
+          <a:fontRef idx="minor">
+            <a:schemeClr val="tx1"/>
+          </a:fontRef>
+        </p:style>
+      </p:cxnSp>
+      <p:cxnSp>
+        <p:nvCxnSpPr>
+          <p:cNvPr id="30" name="直接箭头连接符 29"/>
+          <p:cNvCxnSpPr>
+            <a:stCxn id="14" idx="2"/>
+          </p:cNvCxnSpPr>
+          <p:nvPr/>
+        </p:nvCxnSpPr>
+        <p:spPr>
+          <a:xfrm flipH="1">
+            <a:off x="1547495" y="2740025"/>
+            <a:ext cx="2257425" cy="1632585"/>
+          </a:xfrm>
+          <a:prstGeom prst="straightConnector1">
+            <a:avLst/>
+          </a:prstGeom>
+          <a:ln>
+            <a:tailEnd type="arrow"/>
+          </a:ln>
+        </p:spPr>
+        <p:style>
+          <a:lnRef idx="1">
+            <a:schemeClr val="accent1"/>
+          </a:lnRef>
+          <a:fillRef idx="0">
+            <a:schemeClr val="accent1"/>
+          </a:fillRef>
+          <a:effectRef idx="0">
+            <a:schemeClr val="accent1"/>
+          </a:effectRef>
+          <a:fontRef idx="minor">
+            <a:schemeClr val="tx1"/>
+          </a:fontRef>
+        </p:style>
+      </p:cxnSp>
+      <p:cxnSp>
+        <p:nvCxnSpPr>
+          <p:cNvPr id="31" name="直接箭头连接符 30"/>
+          <p:cNvCxnSpPr>
+            <a:endCxn id="24" idx="0"/>
+          </p:cNvCxnSpPr>
+          <p:nvPr/>
+        </p:nvCxnSpPr>
+        <p:spPr>
+          <a:xfrm flipH="1">
+            <a:off x="3961130" y="2927350"/>
+            <a:ext cx="740410" cy="1450340"/>
+          </a:xfrm>
+          <a:prstGeom prst="straightConnector1">
+            <a:avLst/>
+          </a:prstGeom>
+          <a:ln>
+            <a:tailEnd type="arrow"/>
+          </a:ln>
+        </p:spPr>
+        <p:style>
+          <a:lnRef idx="1">
+            <a:schemeClr val="accent1"/>
+          </a:lnRef>
+          <a:fillRef idx="0">
+            <a:schemeClr val="accent1"/>
+          </a:fillRef>
+          <a:effectRef idx="0">
+            <a:schemeClr val="accent1"/>
+          </a:effectRef>
+          <a:fontRef idx="minor">
+            <a:schemeClr val="tx1"/>
+          </a:fontRef>
+        </p:style>
+      </p:cxnSp>
+      <p:cxnSp>
+        <p:nvCxnSpPr>
+          <p:cNvPr id="32" name="直接箭头连接符 31"/>
+          <p:cNvCxnSpPr>
+            <a:stCxn id="19" idx="2"/>
+          </p:cNvCxnSpPr>
+          <p:nvPr/>
+        </p:nvCxnSpPr>
+        <p:spPr>
+          <a:xfrm>
+            <a:off x="7188200" y="3792855"/>
+            <a:ext cx="408305" cy="579755"/>
+          </a:xfrm>
+          <a:prstGeom prst="straightConnector1">
+            <a:avLst/>
+          </a:prstGeom>
+          <a:ln>
+            <a:tailEnd type="arrow"/>
           </a:ln>
         </p:spPr>
         <p:style>
@@ -8582,14 +7768,7 @@
         <p:cNvGrpSpPr/>
         <p:nvPr/>
       </p:nvGrpSpPr>
-      <p:grpSpPr>
-        <a:xfrm>
-          <a:off x="0" y="0"/>
-          <a:ext cx="0" cy="0"/>
-          <a:chOff x="0" y="0"/>
-          <a:chExt cx="0" cy="0"/>
-        </a:xfrm>
-      </p:grpSpPr>
+      <p:grpSpPr/>
       <p:sp>
         <p:nvSpPr>
           <p:cNvPr id="2" name="标题 1"/>
@@ -8603,96 +7782,97 @@
         <p:spPr/>
         <p:txBody>
           <a:bodyPr/>
-          <a:lstStyle/>
           <a:p>
             <a:pPr algn="l"/>
             <a:r>
               <a:rPr lang="zh-CN" altLang="en-US" sz="2800">
                 <a:solidFill>
-                  <a:srgbClr val="FCC83A"/>
+                  <a:srgbClr val="FFC000"/>
                 </a:solidFill>
               </a:rPr>
-              <a:t>定制指标准备知识</a:t>
-            </a:r>
-          </a:p>
-        </p:txBody>
-      </p:sp>
-      <p:sp>
-        <p:nvSpPr>
-          <p:cNvPr id="3" name="内容占位符 2"/>
-          <p:cNvSpPr>
-            <a:spLocks noGrp="1"/>
-          </p:cNvSpPr>
+              <a:t>HFile 的结构</a:t>
+            </a:r>
+            <a:endParaRPr lang="zh-CN" altLang="en-US" sz="2800">
+              <a:solidFill>
+                <a:srgbClr val="FFC000"/>
+              </a:solidFill>
+            </a:endParaRPr>
+          </a:p>
+        </p:txBody>
+      </p:sp>
+      <p:pic>
+        <p:nvPicPr>
+          <p:cNvPr id="4" name="内容占位符 3"/>
+          <p:cNvPicPr>
+            <a:picLocks noChangeAspect="1"/>
+          </p:cNvPicPr>
           <p:nvPr>
             <p:ph idx="1"/>
           </p:nvPr>
-        </p:nvSpPr>
-        <p:spPr/>
-        <p:txBody>
-          <a:bodyPr/>
-          <a:lstStyle/>
-          <a:p>
-            <a:r>
-              <a:rPr lang="zh-CN" altLang="en-US" sz="1800"/>
-              <a:t>依赖关系</a:t>
-            </a:r>
-            <a:r>
-              <a:rPr lang="en-US" altLang="zh-CN" sz="1800"/>
-              <a:t>()</a:t>
-            </a:r>
-          </a:p>
-          <a:p>
-            <a:endParaRPr lang="en-US" altLang="zh-CN" sz="1800"/>
-          </a:p>
-          <a:p>
-            <a:endParaRPr lang="en-US" altLang="zh-CN" sz="1800"/>
-          </a:p>
-          <a:p>
-            <a:endParaRPr lang="en-US" altLang="zh-CN" sz="1800"/>
-          </a:p>
-          <a:p>
-            <a:pPr marL="0" indent="0">
-              <a:buNone/>
-            </a:pPr>
-            <a:endParaRPr lang="zh-CN" altLang="en-US" sz="1800"/>
-          </a:p>
-          <a:p>
-            <a:pPr marL="0" indent="0">
-              <a:buNone/>
-            </a:pPr>
-            <a:endParaRPr lang="zh-CN" altLang="en-US" sz="1800"/>
-          </a:p>
-          <a:p>
-            <a:pPr marL="0" indent="0">
-              <a:buNone/>
-            </a:pPr>
-            <a:r>
-              <a:rPr lang="zh-CN" altLang="en-US" sz="1800"/>
-              <a:t>对于时延类的Metrics，都包含max、min、average三个指标。</a:t>
-            </a:r>
-          </a:p>
-          <a:p>
-            <a:pPr marL="0" indent="0">
-              <a:buNone/>
-            </a:pPr>
-            <a:r>
-              <a:rPr lang="zh-CN" altLang="en-US" sz="1800"/>
-              <a:t>为了具备高性能的同时又能保持极低的开销，我们使用固定周期的方式实现Metrics统计，我们公司暂时是</a:t>
-            </a:r>
-            <a:r>
-              <a:rPr lang="en-US" altLang="zh-CN" sz="1800"/>
-              <a:t>1</a:t>
-            </a:r>
-            <a:r>
-              <a:rPr lang="zh-CN" altLang="en-US" sz="1800"/>
-              <a:t>秒采集一次，同时支持多周期以适应不同的场景需求。</a:t>
-            </a:r>
+        </p:nvPicPr>
+        <p:blipFill>
+          <a:blip r:embed="rId1"/>
+          <a:stretch>
+            <a:fillRect/>
+          </a:stretch>
+        </p:blipFill>
+        <p:spPr>
+          <a:xfrm>
+            <a:off x="372745" y="1062990"/>
+            <a:ext cx="4858385" cy="1630680"/>
+          </a:xfrm>
+          <a:prstGeom prst="rect">
+            <a:avLst/>
+          </a:prstGeom>
+        </p:spPr>
+      </p:pic>
+      <p:sp>
+        <p:nvSpPr>
+          <p:cNvPr id="5" name="文本框 4"/>
+          <p:cNvSpPr txBox="1"/>
+          <p:nvPr/>
+        </p:nvSpPr>
+        <p:spPr>
+          <a:xfrm>
+            <a:off x="327025" y="3314065"/>
+            <a:ext cx="4241800" cy="368300"/>
+          </a:xfrm>
+          <a:prstGeom prst="rect">
+            <a:avLst/>
+          </a:prstGeom>
+          <a:solidFill>
+            <a:schemeClr val="bg1"/>
+          </a:solidFill>
+          <a:ln>
+            <a:solidFill>
+              <a:srgbClr val="FFC000"/>
+            </a:solidFill>
+          </a:ln>
+        </p:spPr>
+        <p:txBody>
+          <a:bodyPr wrap="square" rtlCol="0">
+            <a:spAutoFit/>
+          </a:bodyPr>
+          <a:p>
+            <a:r>
+              <a:rPr lang="zh-CN" altLang="en-US">
+                <a:solidFill>
+                  <a:srgbClr val="FFC000"/>
+                </a:solidFill>
+              </a:rPr>
+              <a:t>HBase 的数据映射关系</a:t>
+            </a:r>
+            <a:endParaRPr lang="zh-CN" altLang="en-US">
+              <a:solidFill>
+                <a:srgbClr val="FFC000"/>
+              </a:solidFill>
+            </a:endParaRPr>
           </a:p>
         </p:txBody>
       </p:sp>
       <p:pic>
         <p:nvPicPr>
-          <p:cNvPr id="4" name="图片 3"/>
+          <p:cNvPr id="6" name="图片 5"/>
           <p:cNvPicPr>
             <a:picLocks noChangeAspect="1"/>
           </p:cNvPicPr>
@@ -8706,8 +7886,8 @@
         </p:blipFill>
         <p:spPr>
           <a:xfrm>
-            <a:off x="457200" y="1526540"/>
-            <a:ext cx="7543165" cy="1602740"/>
+            <a:off x="4470400" y="2966085"/>
+            <a:ext cx="3593465" cy="2092325"/>
           </a:xfrm>
           <a:prstGeom prst="rect">
             <a:avLst/>
@@ -8742,1188 +7922,6 @@
       </p:grpSpPr>
       <p:sp>
         <p:nvSpPr>
-          <p:cNvPr id="6" name="标题 1"/>
-          <p:cNvSpPr>
-            <a:spLocks noGrp="1"/>
-          </p:cNvSpPr>
-          <p:nvPr/>
-        </p:nvSpPr>
-        <p:spPr>
-          <a:xfrm>
-            <a:off x="25400" y="102870"/>
-            <a:ext cx="8352155" cy="857250"/>
-          </a:xfrm>
-          <a:prstGeom prst="rect">
-            <a:avLst/>
-          </a:prstGeom>
-        </p:spPr>
-        <p:txBody>
-          <a:bodyPr vert="horz" lIns="91440" tIns="45720" rIns="91440" bIns="45720" rtlCol="0" anchor="ctr">
-            <a:normAutofit/>
-          </a:bodyPr>
-          <a:lstStyle>
-            <a:lvl1pPr algn="ctr" defTabSz="914400" rtl="0" eaLnBrk="1" latinLnBrk="0" hangingPunct="1">
-              <a:spcBef>
-                <a:spcPct val="0"/>
-              </a:spcBef>
-              <a:buNone/>
-              <a:defRPr sz="4400" kern="1200">
-                <a:solidFill>
-                  <a:schemeClr val="tx1"/>
-                </a:solidFill>
-                <a:latin typeface="+mj-lt"/>
-                <a:ea typeface="+mj-ea"/>
-                <a:cs typeface="+mj-cs"/>
-              </a:defRPr>
-            </a:lvl1pPr>
-          </a:lstStyle>
-          <a:p>
-            <a:pPr algn="l"/>
-            <a:r>
-              <a:rPr lang="en-US" altLang="zh-CN" sz="2800">
-                <a:solidFill>
-                  <a:srgbClr val="FFC000"/>
-                </a:solidFill>
-              </a:rPr>
-              <a:t>metrics</a:t>
-            </a:r>
-            <a:r>
-              <a:rPr lang="zh-CN" altLang="en-US" sz="2800">
-                <a:solidFill>
-                  <a:srgbClr val="FFC000"/>
-                </a:solidFill>
-              </a:rPr>
-              <a:t>的</a:t>
-            </a:r>
-            <a:r>
-              <a:rPr lang="en-US" altLang="zh-CN" sz="2800">
-                <a:solidFill>
-                  <a:srgbClr val="FFC000"/>
-                </a:solidFill>
-              </a:rPr>
-              <a:t>api</a:t>
-            </a:r>
-            <a:r>
-              <a:rPr lang="zh-CN" altLang="en-US" sz="2800">
-                <a:solidFill>
-                  <a:srgbClr val="FFC000"/>
-                </a:solidFill>
-              </a:rPr>
-              <a:t>简介</a:t>
-            </a:r>
-          </a:p>
-        </p:txBody>
-      </p:sp>
-      <p:graphicFrame>
-        <p:nvGraphicFramePr>
-          <p:cNvPr id="7" name="表格 6"/>
-          <p:cNvGraphicFramePr/>
-          <p:nvPr/>
-        </p:nvGraphicFramePr>
-        <p:xfrm>
-          <a:off x="2603500" y="506095"/>
-          <a:ext cx="6370320" cy="4465320"/>
-        </p:xfrm>
-        <a:graphic>
-          <a:graphicData uri="http://schemas.openxmlformats.org/drawingml/2006/table">
-            <a:tbl>
-              <a:tblPr firstRow="1" bandRow="1">
-                <a:tableStyleId>{5C22544A-7EE6-4342-B048-85BDC9FD1C3A}</a:tableStyleId>
-              </a:tblPr>
-              <a:tblGrid>
-                <a:gridCol w="1034415"/>
-                <a:gridCol w="799465"/>
-                <a:gridCol w="116840"/>
-                <a:gridCol w="622935"/>
-                <a:gridCol w="541655"/>
-                <a:gridCol w="702945"/>
-                <a:gridCol w="637540"/>
-                <a:gridCol w="606425"/>
-                <a:gridCol w="621665"/>
-                <a:gridCol w="686435"/>
-              </a:tblGrid>
-              <a:tr h="365760">
-                <a:tc gridSpan="10">
-                  <a:txBody>
-                    <a:bodyPr/>
-                    <a:lstStyle/>
-                    <a:p>
-                      <a:pPr>
-                        <a:buNone/>
-                      </a:pPr>
-                      <a:r>
-                        <a:rPr lang="zh-CN" altLang="en-US" sz="1800">
-                          <a:sym typeface="+mn-ea"/>
-                        </a:rPr>
-                        <a:t>常用</a:t>
-                      </a:r>
-                      <a:r>
-                        <a:rPr lang="en-US" altLang="zh-CN"/>
-                        <a:t>api</a:t>
-                      </a:r>
-                      <a:r>
-                        <a:rPr lang="zh-CN" altLang="en-US"/>
-                        <a:t>指标解释</a:t>
-                      </a:r>
-                    </a:p>
-                  </a:txBody>
-                  <a:tcPr/>
-                </a:tc>
-                <a:tc hMerge="1">
-                  <a:txBody>
-                    <a:bodyPr/>
-                    <a:lstStyle/>
-                    <a:p>
-                      <a:endParaRPr lang="zh-CN"/>
-                    </a:p>
-                  </a:txBody>
-                  <a:tcPr/>
-                </a:tc>
-                <a:tc hMerge="1">
-                  <a:txBody>
-                    <a:bodyPr/>
-                    <a:lstStyle/>
-                    <a:p>
-                      <a:endParaRPr lang="zh-CN"/>
-                    </a:p>
-                  </a:txBody>
-                  <a:tcPr/>
-                </a:tc>
-                <a:tc hMerge="1">
-                  <a:txBody>
-                    <a:bodyPr/>
-                    <a:lstStyle/>
-                    <a:p>
-                      <a:endParaRPr lang="zh-CN"/>
-                    </a:p>
-                  </a:txBody>
-                  <a:tcPr/>
-                </a:tc>
-                <a:tc hMerge="1">
-                  <a:txBody>
-                    <a:bodyPr/>
-                    <a:lstStyle/>
-                    <a:p>
-                      <a:endParaRPr lang="zh-CN"/>
-                    </a:p>
-                  </a:txBody>
-                  <a:tcPr/>
-                </a:tc>
-                <a:tc hMerge="1">
-                  <a:txBody>
-                    <a:bodyPr/>
-                    <a:lstStyle/>
-                    <a:p>
-                      <a:endParaRPr lang="zh-CN"/>
-                    </a:p>
-                  </a:txBody>
-                  <a:tcPr/>
-                </a:tc>
-                <a:tc hMerge="1">
-                  <a:txBody>
-                    <a:bodyPr/>
-                    <a:lstStyle/>
-                    <a:p>
-                      <a:endParaRPr lang="zh-CN"/>
-                    </a:p>
-                  </a:txBody>
-                  <a:tcPr/>
-                </a:tc>
-                <a:tc hMerge="1">
-                  <a:txBody>
-                    <a:bodyPr/>
-                    <a:lstStyle/>
-                    <a:p>
-                      <a:endParaRPr lang="zh-CN"/>
-                    </a:p>
-                  </a:txBody>
-                  <a:tcPr/>
-                </a:tc>
-                <a:tc hMerge="1">
-                  <a:txBody>
-                    <a:bodyPr/>
-                    <a:lstStyle/>
-                    <a:p>
-                      <a:endParaRPr lang="zh-CN"/>
-                    </a:p>
-                  </a:txBody>
-                  <a:tcPr/>
-                </a:tc>
-                <a:tc hMerge="1">
-                  <a:txBody>
-                    <a:bodyPr/>
-                    <a:lstStyle/>
-                    <a:p>
-                      <a:endParaRPr lang="zh-CN"/>
-                    </a:p>
-                  </a:txBody>
-                  <a:tcPr/>
-                </a:tc>
-              </a:tr>
-              <a:tr h="365760">
-                <a:tc rowSpan="2">
-                  <a:txBody>
-                    <a:bodyPr/>
-                    <a:lstStyle/>
-                    <a:p>
-                      <a:pPr>
-                        <a:buNone/>
-                      </a:pPr>
-                      <a:r>
-                        <a:rPr lang="en-US" altLang="zh-CN"/>
-                        <a:t>counter</a:t>
-                      </a:r>
-                    </a:p>
-                  </a:txBody>
-                  <a:tcPr/>
-                </a:tc>
-                <a:tc rowSpan="2" gridSpan="2">
-                  <a:txBody>
-                    <a:bodyPr/>
-                    <a:lstStyle/>
-                    <a:p>
-                      <a:pPr>
-                        <a:buNone/>
-                      </a:pPr>
-                      <a:r>
-                        <a:rPr lang="zh-CN" altLang="en-US" sz="900"/>
-                        <a:t>一个递增和递减计数器度量。</a:t>
-                      </a:r>
-                    </a:p>
-                  </a:txBody>
-                  <a:tcPr/>
-                </a:tc>
-                <a:tc rowSpan="2" hMerge="1">
-                  <a:txBody>
-                    <a:bodyPr/>
-                    <a:lstStyle/>
-                    <a:p>
-                      <a:endParaRPr lang="zh-CN"/>
-                    </a:p>
-                  </a:txBody>
-                  <a:tcPr/>
-                </a:tc>
-                <a:tc>
-                  <a:txBody>
-                    <a:bodyPr/>
-                    <a:lstStyle/>
-                    <a:p>
-                      <a:pPr>
-                        <a:buNone/>
-                      </a:pPr>
-                      <a:r>
-                        <a:rPr lang="zh-CN" altLang="en-US" sz="900"/>
-                        <a:t>dec()</a:t>
-                      </a:r>
-                    </a:p>
-                  </a:txBody>
-                  <a:tcPr/>
-                </a:tc>
-                <a:tc>
-                  <a:txBody>
-                    <a:bodyPr/>
-                    <a:lstStyle/>
-                    <a:p>
-                      <a:pPr>
-                        <a:buNone/>
-                      </a:pPr>
-                      <a:r>
-                        <a:rPr lang="zh-CN" altLang="en-US" sz="900"/>
-                        <a:t>dec(long n)</a:t>
-                      </a:r>
-                    </a:p>
-                  </a:txBody>
-                  <a:tcPr/>
-                </a:tc>
-                <a:tc gridSpan="2">
-                  <a:txBody>
-                    <a:bodyPr/>
-                    <a:lstStyle/>
-                    <a:p>
-                      <a:pPr>
-                        <a:buNone/>
-                      </a:pPr>
-                      <a:r>
-                        <a:rPr lang="zh-CN" altLang="en-US" sz="900"/>
-                        <a:t>getCount()</a:t>
-                      </a:r>
-                    </a:p>
-                  </a:txBody>
-                  <a:tcPr/>
-                </a:tc>
-                <a:tc hMerge="1">
-                  <a:txBody>
-                    <a:bodyPr/>
-                    <a:lstStyle/>
-                    <a:p>
-                      <a:endParaRPr lang="zh-CN"/>
-                    </a:p>
-                  </a:txBody>
-                  <a:tcPr/>
-                </a:tc>
-                <a:tc>
-                  <a:txBody>
-                    <a:bodyPr/>
-                    <a:lstStyle/>
-                    <a:p>
-                      <a:pPr>
-                        <a:buNone/>
-                      </a:pPr>
-                      <a:r>
-                        <a:rPr lang="zh-CN" altLang="en-US" sz="900"/>
-                        <a:t>inc(long n)</a:t>
-                      </a:r>
-                    </a:p>
-                  </a:txBody>
-                  <a:tcPr/>
-                </a:tc>
-                <a:tc gridSpan="2">
-                  <a:txBody>
-                    <a:bodyPr/>
-                    <a:lstStyle/>
-                    <a:p>
-                      <a:pPr>
-                        <a:buNone/>
-                      </a:pPr>
-                      <a:r>
-                        <a:rPr lang="zh-CN" altLang="en-US" sz="900">
-                          <a:sym typeface="Arial" panose="020B0604020202020204" pitchFamily="34" charset="0"/>
-                        </a:rPr>
-                        <a:t>inc()</a:t>
-                      </a:r>
-                    </a:p>
-                    <a:p>
-                      <a:pPr>
-                        <a:buNone/>
-                      </a:pPr>
-                      <a:endParaRPr lang="zh-CN" altLang="en-US" sz="900"/>
-                    </a:p>
-                  </a:txBody>
-                  <a:tcPr/>
-                </a:tc>
-                <a:tc hMerge="1">
-                  <a:txBody>
-                    <a:bodyPr/>
-                    <a:lstStyle/>
-                    <a:p>
-                      <a:endParaRPr lang="zh-CN"/>
-                    </a:p>
-                  </a:txBody>
-                  <a:tcPr/>
-                </a:tc>
-              </a:tr>
-              <a:tr h="502920">
-                <a:tc vMerge="1">
-                  <a:txBody>
-                    <a:bodyPr/>
-                    <a:lstStyle/>
-                    <a:p>
-                      <a:endParaRPr lang="zh-CN"/>
-                    </a:p>
-                  </a:txBody>
-                  <a:tcPr/>
-                </a:tc>
-                <a:tc gridSpan="2" vMerge="1">
-                  <a:txBody>
-                    <a:bodyPr/>
-                    <a:lstStyle/>
-                    <a:p>
-                      <a:endParaRPr lang="zh-CN"/>
-                    </a:p>
-                  </a:txBody>
-                  <a:tcPr/>
-                </a:tc>
-                <a:tc hMerge="1" vMerge="1">
-                  <a:txBody>
-                    <a:bodyPr/>
-                    <a:lstStyle/>
-                    <a:p>
-                      <a:endParaRPr lang="zh-CN"/>
-                    </a:p>
-                  </a:txBody>
-                  <a:tcPr/>
-                </a:tc>
-                <a:tc>
-                  <a:txBody>
-                    <a:bodyPr/>
-                    <a:lstStyle/>
-                    <a:p>
-                      <a:pPr>
-                        <a:buNone/>
-                      </a:pPr>
-                      <a:r>
-                        <a:rPr lang="zh-CN" altLang="en-US" sz="900"/>
-                        <a:t>把计数器减一。</a:t>
-                      </a:r>
-                    </a:p>
-                  </a:txBody>
-                  <a:tcPr/>
-                </a:tc>
-                <a:tc>
-                  <a:txBody>
-                    <a:bodyPr/>
-                    <a:lstStyle/>
-                    <a:p>
-                      <a:pPr>
-                        <a:buNone/>
-                      </a:pPr>
-                      <a:r>
-                        <a:rPr lang="zh-CN" altLang="en-US" sz="900"/>
-                        <a:t>将计数器减为n</a:t>
-                      </a:r>
-                    </a:p>
-                  </a:txBody>
-                  <a:tcPr/>
-                </a:tc>
-                <a:tc gridSpan="2">
-                  <a:txBody>
-                    <a:bodyPr/>
-                    <a:lstStyle/>
-                    <a:p>
-                      <a:pPr>
-                        <a:buNone/>
-                      </a:pPr>
-                      <a:r>
-                        <a:rPr lang="zh-CN" altLang="en-US" sz="900"/>
-                        <a:t>返回计数器的当前值</a:t>
-                      </a:r>
-                    </a:p>
-                  </a:txBody>
-                  <a:tcPr/>
-                </a:tc>
-                <a:tc hMerge="1">
-                  <a:txBody>
-                    <a:bodyPr/>
-                    <a:lstStyle/>
-                    <a:p>
-                      <a:endParaRPr lang="zh-CN"/>
-                    </a:p>
-                  </a:txBody>
-                  <a:tcPr/>
-                </a:tc>
-                <a:tc>
-                  <a:txBody>
-                    <a:bodyPr/>
-                    <a:lstStyle/>
-                    <a:p>
-                      <a:pPr>
-                        <a:buNone/>
-                      </a:pPr>
-                      <a:r>
-                        <a:rPr lang="zh-CN" altLang="en-US" sz="900"/>
-                        <a:t>将计数器增加</a:t>
-                      </a:r>
-                      <a:r>
-                        <a:rPr lang="en-US" altLang="zh-CN" sz="900"/>
-                        <a:t>n</a:t>
-                      </a:r>
-                    </a:p>
-                  </a:txBody>
-                  <a:tcPr/>
-                </a:tc>
-                <a:tc gridSpan="2">
-                  <a:txBody>
-                    <a:bodyPr/>
-                    <a:lstStyle/>
-                    <a:p>
-                      <a:pPr>
-                        <a:buNone/>
-                      </a:pPr>
-                      <a:r>
-                        <a:rPr lang="zh-CN" altLang="en-US" sz="900">
-                          <a:sym typeface="Arial" panose="020B0604020202020204" pitchFamily="34" charset="0"/>
-                        </a:rPr>
-                        <a:t>将计数器增加1</a:t>
-                      </a:r>
-                      <a:endParaRPr lang="zh-CN" altLang="en-US" sz="900"/>
-                    </a:p>
-                  </a:txBody>
-                  <a:tcPr/>
-                </a:tc>
-                <a:tc hMerge="1">
-                  <a:txBody>
-                    <a:bodyPr/>
-                    <a:lstStyle/>
-                    <a:p>
-                      <a:endParaRPr lang="zh-CN"/>
-                    </a:p>
-                  </a:txBody>
-                  <a:tcPr/>
-                </a:tc>
-              </a:tr>
-              <a:tr h="457200">
-                <a:tc rowSpan="2">
-                  <a:txBody>
-                    <a:bodyPr/>
-                    <a:lstStyle/>
-                    <a:p>
-                      <a:pPr>
-                        <a:buNone/>
-                      </a:pPr>
-                      <a:r>
-                        <a:rPr lang="zh-CN" altLang="en-US" sz="1800">
-                          <a:sym typeface="Arial" panose="020B0604020202020204" pitchFamily="34" charset="0"/>
-                        </a:rPr>
-                        <a:t>Meter</a:t>
-                      </a:r>
-                    </a:p>
-                    <a:p>
-                      <a:pPr>
-                        <a:buNone/>
-                      </a:pPr>
-                      <a:endParaRPr lang="zh-CN" altLang="en-US"/>
-                    </a:p>
-                  </a:txBody>
-                  <a:tcPr/>
-                </a:tc>
-                <a:tc rowSpan="2">
-                  <a:txBody>
-                    <a:bodyPr/>
-                    <a:lstStyle/>
-                    <a:p>
-                      <a:pPr>
-                        <a:buNone/>
-                      </a:pPr>
-                      <a:r>
-                        <a:rPr lang="zh-CN" altLang="en-US" sz="900"/>
-                        <a:t>一种测量平均吞吐量和一、五、十五分钟的指数加权移动平均吞吐量的米度量。</a:t>
-                      </a:r>
-                    </a:p>
-                  </a:txBody>
-                  <a:tcPr/>
-                </a:tc>
-                <a:tc gridSpan="2">
-                  <a:txBody>
-                    <a:bodyPr/>
-                    <a:lstStyle/>
-                    <a:p>
-                      <a:pPr>
-                        <a:buNone/>
-                      </a:pPr>
-                      <a:r>
-                        <a:rPr lang="zh-CN" altLang="en-US" sz="800"/>
-                        <a:t>mark(long n)</a:t>
-                      </a:r>
-                    </a:p>
-                  </a:txBody>
-                  <a:tcPr/>
-                </a:tc>
-                <a:tc hMerge="1">
-                  <a:txBody>
-                    <a:bodyPr/>
-                    <a:lstStyle/>
-                    <a:p>
-                      <a:endParaRPr lang="zh-CN"/>
-                    </a:p>
-                  </a:txBody>
-                  <a:tcPr/>
-                </a:tc>
-                <a:tc>
-                  <a:txBody>
-                    <a:bodyPr/>
-                    <a:lstStyle/>
-                    <a:p>
-                      <a:pPr>
-                        <a:buNone/>
-                      </a:pPr>
-                      <a:r>
-                        <a:rPr lang="zh-CN" altLang="en-US" sz="800"/>
-                        <a:t>getCount()</a:t>
-                      </a:r>
-                    </a:p>
-                  </a:txBody>
-                  <a:tcPr/>
-                </a:tc>
-                <a:tc>
-                  <a:txBody>
-                    <a:bodyPr/>
-                    <a:lstStyle/>
-                    <a:p>
-                      <a:pPr>
-                        <a:buNone/>
-                      </a:pPr>
-                      <a:r>
-                        <a:rPr lang="zh-CN" altLang="en-US" sz="800"/>
-                        <a:t>getFiveMinuteRate()</a:t>
-                      </a:r>
-                    </a:p>
-                  </a:txBody>
-                  <a:tcPr/>
-                </a:tc>
-                <a:tc>
-                  <a:txBody>
-                    <a:bodyPr/>
-                    <a:lstStyle/>
-                    <a:p>
-                      <a:pPr>
-                        <a:buNone/>
-                      </a:pPr>
-                      <a:r>
-                        <a:rPr lang="zh-CN" altLang="en-US" sz="800"/>
-                        <a:t>getFifteenMinuteRate()</a:t>
-                      </a:r>
-                    </a:p>
-                  </a:txBody>
-                  <a:tcPr/>
-                </a:tc>
-                <a:tc>
-                  <a:txBody>
-                    <a:bodyPr/>
-                    <a:lstStyle/>
-                    <a:p>
-                      <a:pPr>
-                        <a:buNone/>
-                      </a:pPr>
-                      <a:r>
-                        <a:rPr lang="zh-CN" altLang="en-US" sz="800"/>
-                        <a:t>getMeanRate()</a:t>
-                      </a:r>
-                    </a:p>
-                  </a:txBody>
-                  <a:tcPr/>
-                </a:tc>
-                <a:tc>
-                  <a:txBody>
-                    <a:bodyPr/>
-                    <a:lstStyle/>
-                    <a:p>
-                      <a:pPr>
-                        <a:buNone/>
-                      </a:pPr>
-                      <a:r>
-                        <a:rPr lang="zh-CN" altLang="en-US" sz="800"/>
-                        <a:t>getOneMinuteRate()</a:t>
-                      </a:r>
-                    </a:p>
-                  </a:txBody>
-                  <a:tcPr/>
-                </a:tc>
-                <a:tc>
-                  <a:txBody>
-                    <a:bodyPr/>
-                    <a:lstStyle/>
-                    <a:p>
-                      <a:pPr>
-                        <a:buNone/>
-                      </a:pPr>
-                      <a:r>
-                        <a:rPr lang="zh-CN" altLang="en-US" sz="800">
-                          <a:sym typeface="+mn-ea"/>
-                        </a:rPr>
-                        <a:t>mark()</a:t>
-                      </a:r>
-                    </a:p>
-                    <a:p>
-                      <a:pPr>
-                        <a:buNone/>
-                      </a:pPr>
-                      <a:endParaRPr lang="zh-CN" altLang="en-US" sz="800"/>
-                    </a:p>
-                  </a:txBody>
-                  <a:tcPr/>
-                </a:tc>
-              </a:tr>
-              <a:tr h="944880">
-                <a:tc vMerge="1">
-                  <a:txBody>
-                    <a:bodyPr/>
-                    <a:lstStyle/>
-                    <a:p>
-                      <a:endParaRPr lang="zh-CN"/>
-                    </a:p>
-                  </a:txBody>
-                  <a:tcPr/>
-                </a:tc>
-                <a:tc vMerge="1">
-                  <a:txBody>
-                    <a:bodyPr/>
-                    <a:lstStyle/>
-                    <a:p>
-                      <a:endParaRPr lang="zh-CN"/>
-                    </a:p>
-                  </a:txBody>
-                  <a:tcPr/>
-                </a:tc>
-                <a:tc gridSpan="2">
-                  <a:txBody>
-                    <a:bodyPr/>
-                    <a:lstStyle/>
-                    <a:p>
-                      <a:pPr>
-                        <a:buNone/>
-                      </a:pPr>
-                      <a:r>
-                        <a:rPr lang="zh-CN" altLang="en-US" sz="800"/>
-                        <a:t>标记给定数量的事件的发生</a:t>
-                      </a:r>
-                    </a:p>
-                  </a:txBody>
-                  <a:tcPr/>
-                </a:tc>
-                <a:tc hMerge="1">
-                  <a:txBody>
-                    <a:bodyPr/>
-                    <a:lstStyle/>
-                    <a:p>
-                      <a:endParaRPr lang="zh-CN"/>
-                    </a:p>
-                  </a:txBody>
-                  <a:tcPr/>
-                </a:tc>
-                <a:tc>
-                  <a:txBody>
-                    <a:bodyPr/>
-                    <a:lstStyle/>
-                    <a:p>
-                      <a:pPr>
-                        <a:buNone/>
-                      </a:pPr>
-                      <a:r>
-                        <a:rPr lang="zh-CN" altLang="en-US" sz="800"/>
-                        <a:t>返回已标记的事件的数量</a:t>
-                      </a:r>
-                    </a:p>
-                  </a:txBody>
-                  <a:tcPr/>
-                </a:tc>
-                <a:tc>
-                  <a:txBody>
-                    <a:bodyPr/>
-                    <a:lstStyle/>
-                    <a:p>
-                      <a:pPr>
-                        <a:buNone/>
-                      </a:pPr>
-                      <a:endParaRPr lang="zh-CN" altLang="en-US" sz="800"/>
-                    </a:p>
-                  </a:txBody>
-                  <a:tcPr/>
-                </a:tc>
-                <a:tc>
-                  <a:txBody>
-                    <a:bodyPr/>
-                    <a:lstStyle/>
-                    <a:p>
-                      <a:pPr>
-                        <a:buNone/>
-                      </a:pPr>
-                      <a:endParaRPr lang="zh-CN" altLang="en-US" sz="800"/>
-                    </a:p>
-                  </a:txBody>
-                  <a:tcPr/>
-                </a:tc>
-                <a:tc>
-                  <a:txBody>
-                    <a:bodyPr/>
-                    <a:lstStyle/>
-                    <a:p>
-                      <a:pPr>
-                        <a:buNone/>
-                      </a:pPr>
-                      <a:r>
-                        <a:rPr lang="zh-CN" altLang="en-US" sz="800"/>
-                        <a:t>返回自仪表创建以来发生事件的平均速率</a:t>
-                      </a:r>
-                    </a:p>
-                  </a:txBody>
-                  <a:tcPr/>
-                </a:tc>
-                <a:tc>
-                  <a:txBody>
-                    <a:bodyPr/>
-                    <a:lstStyle/>
-                    <a:p>
-                      <a:pPr>
-                        <a:buNone/>
-                      </a:pPr>
-                      <a:r>
-                        <a:rPr lang="zh-CN" altLang="en-US" sz="800"/>
-                        <a:t>返回自仪表创建以来发生事件的一分钟幂加权移动平均速率</a:t>
-                      </a:r>
-                    </a:p>
-                  </a:txBody>
-                  <a:tcPr/>
-                </a:tc>
-                <a:tc>
-                  <a:txBody>
-                    <a:bodyPr/>
-                    <a:lstStyle/>
-                    <a:p>
-                      <a:pPr>
-                        <a:buNone/>
-                      </a:pPr>
-                      <a:r>
-                        <a:rPr lang="zh-CN" altLang="en-US" sz="800">
-                          <a:sym typeface="+mn-ea"/>
-                        </a:rPr>
-                        <a:t>标记事件的发生</a:t>
-                      </a:r>
-                    </a:p>
-                    <a:p>
-                      <a:pPr>
-                        <a:buNone/>
-                      </a:pPr>
-                      <a:endParaRPr lang="zh-CN" altLang="en-US" sz="800"/>
-                    </a:p>
-                  </a:txBody>
-                  <a:tcPr/>
-                </a:tc>
-              </a:tr>
-              <a:tr h="502920">
-                <a:tc rowSpan="2">
-                  <a:txBody>
-                    <a:bodyPr/>
-                    <a:lstStyle/>
-                    <a:p>
-                      <a:pPr algn="ctr">
-                        <a:buNone/>
-                      </a:pPr>
-                      <a:r>
-                        <a:rPr lang="zh-CN" altLang="en-US" sz="1800">
-                          <a:sym typeface="Arial" panose="020B0604020202020204" pitchFamily="34" charset="0"/>
-                        </a:rPr>
-                        <a:t>Timer</a:t>
-                      </a:r>
-                      <a:endParaRPr lang="zh-CN" altLang="en-US"/>
-                    </a:p>
-                  </a:txBody>
-                  <a:tcPr/>
-                </a:tc>
-                <a:tc rowSpan="2" gridSpan="3">
-                  <a:txBody>
-                    <a:bodyPr/>
-                    <a:lstStyle/>
-                    <a:p>
-                      <a:pPr>
-                        <a:buNone/>
-                      </a:pPr>
-                      <a:r>
-                        <a:rPr lang="zh-CN" altLang="en-US" sz="900"/>
-                        <a:t>一个计时器度量，它聚合计时持续时间，并提供持续时间统计，以及通过仪表的吞吐量统计数据。</a:t>
-                      </a:r>
-                      <a:endParaRPr lang="zh-CN" altLang="en-US"/>
-                    </a:p>
-                  </a:txBody>
-                  <a:tcPr/>
-                </a:tc>
-                <a:tc rowSpan="2" hMerge="1">
-                  <a:txBody>
-                    <a:bodyPr/>
-                    <a:lstStyle/>
-                    <a:p>
-                      <a:endParaRPr lang="zh-CN"/>
-                    </a:p>
-                  </a:txBody>
-                  <a:tcPr/>
-                </a:tc>
-                <a:tc rowSpan="2" hMerge="1">
-                  <a:txBody>
-                    <a:bodyPr/>
-                    <a:lstStyle/>
-                    <a:p>
-                      <a:endParaRPr lang="zh-CN"/>
-                    </a:p>
-                  </a:txBody>
-                  <a:tcPr/>
-                </a:tc>
-                <a:tc>
-                  <a:txBody>
-                    <a:bodyPr/>
-                    <a:lstStyle/>
-                    <a:p>
-                      <a:pPr>
-                        <a:buNone/>
-                      </a:pPr>
-                      <a:r>
-                        <a:rPr lang="zh-CN" altLang="en-US" sz="900"/>
-                        <a:t>time()</a:t>
-                      </a:r>
-                    </a:p>
-                  </a:txBody>
-                  <a:tcPr/>
-                </a:tc>
-                <a:tc>
-                  <a:txBody>
-                    <a:bodyPr/>
-                    <a:lstStyle/>
-                    <a:p>
-                      <a:pPr>
-                        <a:buNone/>
-                      </a:pPr>
-                      <a:r>
-                        <a:rPr lang="zh-CN" altLang="en-US" sz="900"/>
-                        <a:t>getCount()</a:t>
-                      </a:r>
-                    </a:p>
-                  </a:txBody>
-                  <a:tcPr/>
-                </a:tc>
-                <a:tc>
-                  <a:txBody>
-                    <a:bodyPr/>
-                    <a:lstStyle/>
-                    <a:p>
-                      <a:pPr>
-                        <a:buNone/>
-                      </a:pPr>
-                      <a:r>
-                        <a:rPr lang="zh-CN" altLang="en-US" sz="900"/>
-                        <a:t>time(Runnable event)</a:t>
-                      </a:r>
-                    </a:p>
-                  </a:txBody>
-                  <a:tcPr/>
-                </a:tc>
-                <a:tc>
-                  <a:txBody>
-                    <a:bodyPr/>
-                    <a:lstStyle/>
-                    <a:p>
-                      <a:pPr>
-                        <a:buNone/>
-                      </a:pPr>
-                      <a:r>
-                        <a:rPr lang="zh-CN" altLang="en-US" sz="900"/>
-                        <a:t>getMeanRate()</a:t>
-                      </a:r>
-                    </a:p>
-                  </a:txBody>
-                  <a:tcPr/>
-                </a:tc>
-                <a:tc>
-                  <a:txBody>
-                    <a:bodyPr/>
-                    <a:lstStyle/>
-                    <a:p>
-                      <a:pPr>
-                        <a:buNone/>
-                      </a:pPr>
-                      <a:r>
-                        <a:rPr lang="zh-CN" altLang="en-US" sz="900"/>
-                        <a:t>getFiveMinuteRate()</a:t>
-                      </a:r>
-                    </a:p>
-                  </a:txBody>
-                  <a:tcPr/>
-                </a:tc>
-                <a:tc>
-                  <a:txBody>
-                    <a:bodyPr/>
-                    <a:lstStyle/>
-                    <a:p>
-                      <a:pPr>
-                        <a:buNone/>
-                      </a:pPr>
-                      <a:r>
-                        <a:rPr lang="zh-CN" altLang="en-US" sz="900"/>
-                        <a:t>getFifteenMinuteRate()</a:t>
-                      </a:r>
-                    </a:p>
-                  </a:txBody>
-                  <a:tcPr/>
-                </a:tc>
-              </a:tr>
-              <a:tr h="1325880">
-                <a:tc vMerge="1">
-                  <a:txBody>
-                    <a:bodyPr/>
-                    <a:lstStyle/>
-                    <a:p>
-                      <a:endParaRPr lang="zh-CN"/>
-                    </a:p>
-                  </a:txBody>
-                  <a:tcPr/>
-                </a:tc>
-                <a:tc gridSpan="3" vMerge="1">
-                  <a:txBody>
-                    <a:bodyPr/>
-                    <a:lstStyle/>
-                    <a:p>
-                      <a:endParaRPr lang="zh-CN"/>
-                    </a:p>
-                  </a:txBody>
-                  <a:tcPr/>
-                </a:tc>
-                <a:tc hMerge="1" vMerge="1">
-                  <a:txBody>
-                    <a:bodyPr/>
-                    <a:lstStyle/>
-                    <a:p>
-                      <a:endParaRPr lang="zh-CN"/>
-                    </a:p>
-                  </a:txBody>
-                  <a:tcPr/>
-                </a:tc>
-                <a:tc hMerge="1" vMerge="1">
-                  <a:txBody>
-                    <a:bodyPr/>
-                    <a:lstStyle/>
-                    <a:p>
-                      <a:endParaRPr lang="zh-CN"/>
-                    </a:p>
-                  </a:txBody>
-                  <a:tcPr/>
-                </a:tc>
-                <a:tc>
-                  <a:txBody>
-                    <a:bodyPr/>
-                    <a:lstStyle/>
-                    <a:p>
-                      <a:pPr>
-                        <a:buNone/>
-                      </a:pPr>
-                      <a:r>
-                        <a:rPr lang="zh-CN" altLang="en-US" sz="900"/>
-                        <a:t>返回 new Timer.Context.</a:t>
-                      </a:r>
-                    </a:p>
-                  </a:txBody>
-                  <a:tcPr/>
-                </a:tc>
-                <a:tc>
-                  <a:txBody>
-                    <a:bodyPr/>
-                    <a:lstStyle/>
-                    <a:p>
-                      <a:pPr>
-                        <a:buNone/>
-                      </a:pPr>
-                      <a:r>
-                        <a:rPr lang="zh-CN" altLang="en-US" sz="900"/>
-                        <a:t>返回已标记的事件的数量</a:t>
-                      </a:r>
-                    </a:p>
-                  </a:txBody>
-                  <a:tcPr/>
-                </a:tc>
-                <a:tc>
-                  <a:txBody>
-                    <a:bodyPr/>
-                    <a:lstStyle/>
-                    <a:p>
-                      <a:pPr>
-                        <a:buNone/>
-                      </a:pPr>
-                      <a:r>
-                        <a:rPr lang="zh-CN" altLang="en-US" sz="900"/>
-                        <a:t>时间和记录事件的持续时间。</a:t>
-                      </a:r>
-                    </a:p>
-                  </a:txBody>
-                  <a:tcPr/>
-                </a:tc>
-                <a:tc>
-                  <a:txBody>
-                    <a:bodyPr/>
-                    <a:lstStyle/>
-                    <a:p>
-                      <a:pPr>
-                        <a:buNone/>
-                      </a:pPr>
-                      <a:r>
-                        <a:rPr lang="zh-CN" altLang="en-US" sz="900"/>
-                        <a:t>返回自仪表创建以来发生事件的平均速率。</a:t>
-                      </a:r>
-                    </a:p>
-                  </a:txBody>
-                  <a:tcPr/>
-                </a:tc>
-                <a:tc>
-                  <a:txBody>
-                    <a:bodyPr/>
-                    <a:lstStyle/>
-                    <a:p>
-                      <a:pPr>
-                        <a:buNone/>
-                      </a:pPr>
-                      <a:r>
-                        <a:rPr lang="zh-CN" altLang="en-US" sz="900"/>
-                        <a:t>返回自仪表创建以来发生事件的五分钟指数加权移动平均速率。</a:t>
-                      </a:r>
-                    </a:p>
-                  </a:txBody>
-                  <a:tcPr/>
-                </a:tc>
-                <a:tc>
-                  <a:txBody>
-                    <a:bodyPr/>
-                    <a:lstStyle/>
-                    <a:p>
-                      <a:pPr>
-                        <a:buNone/>
-                      </a:pPr>
-                      <a:r>
-                        <a:rPr lang="zh-CN" altLang="en-US" sz="900"/>
-                        <a:t>返回自仪表创建以来发生事件的15分钟的指数加权移动平均速率。</a:t>
-                      </a:r>
-                    </a:p>
-                  </a:txBody>
-                  <a:tcPr/>
-                </a:tc>
-              </a:tr>
-            </a:tbl>
-          </a:graphicData>
-        </a:graphic>
-      </p:graphicFrame>
-      <p:pic>
-        <p:nvPicPr>
-          <p:cNvPr id="12" name="图片 11"/>
-          <p:cNvPicPr>
-            <a:picLocks noChangeAspect="1"/>
-          </p:cNvPicPr>
-          <p:nvPr/>
-        </p:nvPicPr>
-        <p:blipFill>
-          <a:blip r:embed="rId2"/>
-          <a:stretch>
-            <a:fillRect/>
-          </a:stretch>
-        </p:blipFill>
-        <p:spPr>
-          <a:xfrm>
-            <a:off x="147955" y="1035050"/>
-            <a:ext cx="2026920" cy="3726815"/>
-          </a:xfrm>
-          <a:prstGeom prst="rect">
-            <a:avLst/>
-          </a:prstGeom>
-        </p:spPr>
-      </p:pic>
-    </p:spTree>
-  </p:cSld>
-  <p:clrMapOvr>
-    <a:masterClrMapping/>
-  </p:clrMapOvr>
-  <p:transition spd="med" advClick="0" advTm="0"/>
-  <p:timing>
-    <p:tnLst>
-      <p:par>
-        <p:cTn id="1" dur="indefinite" restart="never" nodeType="tmRoot"/>
-      </p:par>
-    </p:tnLst>
-  </p:timing>
-</p:sld>
-</file>
-
-<file path=ppt/slides/slide9.xml><?xml version="1.0" encoding="utf-8"?>
-<p:sld xmlns:a="http://schemas.openxmlformats.org/drawingml/2006/main" xmlns:r="http://schemas.openxmlformats.org/officeDocument/2006/relationships" xmlns:p="http://schemas.openxmlformats.org/presentationml/2006/main">
-  <p:cSld>
-    <p:spTree>
-      <p:nvGrpSpPr>
-        <p:cNvPr id="1" name=""/>
-        <p:cNvGrpSpPr/>
-        <p:nvPr/>
-      </p:nvGrpSpPr>
-      <p:grpSpPr>
-        <a:xfrm>
-          <a:off x="0" y="0"/>
-          <a:ext cx="0" cy="0"/>
-          <a:chOff x="0" y="0"/>
-          <a:chExt cx="0" cy="0"/>
-        </a:xfrm>
-      </p:grpSpPr>
-      <p:sp>
-        <p:nvSpPr>
           <p:cNvPr id="2" name="标题 1"/>
           <p:cNvSpPr>
             <a:spLocks noGrp="1"/>
@@ -9934,247 +7932,27 @@
         </p:nvSpPr>
         <p:spPr>
           <a:xfrm>
-            <a:off x="181610" y="205740"/>
-            <a:ext cx="8505190" cy="857250"/>
+            <a:off x="372745" y="1002665"/>
+            <a:ext cx="8229600" cy="3138805"/>
           </a:xfrm>
         </p:spPr>
         <p:txBody>
           <a:bodyPr/>
           <a:lstStyle/>
           <a:p>
-            <a:pPr algn="l"/>
-            <a:r>
-              <a:rPr lang="zh-CN" altLang="en-US" sz="2800" dirty="0" smtClean="0">
+            <a:r>
+              <a:rPr lang="zh-CN" altLang="en-US">
                 <a:solidFill>
                   <a:srgbClr val="FFC000"/>
                 </a:solidFill>
               </a:rPr>
-              <a:t>应用</a:t>
-            </a:r>
-            <a:r>
-              <a:rPr lang="zh-CN" altLang="en-US" sz="2800" dirty="0">
-                <a:solidFill>
-                  <a:srgbClr val="FFC000"/>
-                </a:solidFill>
-              </a:rPr>
-              <a:t>实例</a:t>
-            </a:r>
-            <a:r>
-              <a:rPr lang="en-US" altLang="zh-CN" sz="2800" dirty="0">
-                <a:solidFill>
-                  <a:srgbClr val="FFC000"/>
-                </a:solidFill>
-              </a:rPr>
-              <a:t>(</a:t>
-            </a:r>
-            <a:r>
-              <a:rPr lang="zh-CN" altLang="en-US" sz="2800" dirty="0">
-                <a:solidFill>
-                  <a:srgbClr val="FFC000"/>
-                </a:solidFill>
-              </a:rPr>
-              <a:t>目前公司统计方式</a:t>
-            </a:r>
-            <a:r>
-              <a:rPr lang="en-US" altLang="zh-CN" sz="2800" dirty="0">
-                <a:solidFill>
-                  <a:srgbClr val="FFC000"/>
-                </a:solidFill>
-              </a:rPr>
-              <a:t>)</a:t>
-            </a:r>
-          </a:p>
-        </p:txBody>
-      </p:sp>
-      <p:sp>
-        <p:nvSpPr>
-          <p:cNvPr id="3" name="内容占位符 2"/>
-          <p:cNvSpPr>
-            <a:spLocks noGrp="1"/>
-          </p:cNvSpPr>
-          <p:nvPr>
-            <p:ph idx="1"/>
-          </p:nvPr>
-        </p:nvSpPr>
-        <p:spPr/>
-        <p:txBody>
-          <a:bodyPr>
-            <a:normAutofit/>
-          </a:bodyPr>
-          <a:lstStyle/>
-          <a:p>
-            <a:r>
-              <a:rPr lang="zh-CN" altLang="en-US" sz="1000" dirty="0"/>
-              <a:t>接口统一要求：</a:t>
-            </a:r>
-          </a:p>
-          <a:p>
-            <a:pPr marL="0" indent="0">
-              <a:buNone/>
-            </a:pPr>
-            <a:r>
-              <a:rPr lang="zh-CN" altLang="en-US" sz="1000" dirty="0"/>
-              <a:t>① </a:t>
-            </a:r>
-            <a:r>
-              <a:rPr lang="en-US" altLang="zh-CN" sz="1000" dirty="0"/>
-              <a:t>Timer</a:t>
-            </a:r>
-            <a:r>
-              <a:rPr lang="zh-CN" altLang="en-US" sz="1000" dirty="0"/>
-              <a:t>提供了时间，最大最小，平均值一张图</a:t>
-            </a:r>
-          </a:p>
-          <a:p>
-            <a:pPr marL="0" indent="0">
-              <a:buNone/>
-            </a:pPr>
-            <a:r>
-              <a:rPr lang="zh-CN" altLang="en-US" sz="1000" dirty="0"/>
-              <a:t>       Timer.Context ctx = UMonitor.time("xxx");</a:t>
-            </a:r>
-          </a:p>
-          <a:p>
-            <a:pPr marL="0" indent="0">
-              <a:buNone/>
-            </a:pPr>
-            <a:r>
-              <a:rPr lang="zh-CN" altLang="en-US" sz="1000" dirty="0"/>
-              <a:t>             try {</a:t>
-            </a:r>
-          </a:p>
-          <a:p>
-            <a:pPr marL="0" indent="0">
-              <a:buNone/>
-            </a:pPr>
-            <a:r>
-              <a:rPr lang="zh-CN" altLang="en-US" sz="1000" dirty="0"/>
-              <a:t>                 业务代码</a:t>
-            </a:r>
-          </a:p>
-          <a:p>
-            <a:pPr marL="0" indent="0">
-              <a:buNone/>
-            </a:pPr>
-            <a:r>
-              <a:rPr lang="zh-CN" altLang="en-US" sz="1000" dirty="0"/>
-              <a:t>              } finally {</a:t>
-            </a:r>
-          </a:p>
-          <a:p>
-            <a:pPr marL="0" indent="0">
-              <a:buNone/>
-            </a:pPr>
-            <a:r>
-              <a:rPr lang="zh-CN" altLang="en-US" sz="1000" dirty="0"/>
-              <a:t>                  ctx.stop()</a:t>
-            </a:r>
-          </a:p>
-          <a:p>
-            <a:pPr marL="0" indent="0">
-              <a:buNone/>
-            </a:pPr>
-            <a:r>
-              <a:rPr lang="zh-CN" altLang="en-US" sz="1000" dirty="0"/>
-              <a:t>              }</a:t>
-            </a:r>
-          </a:p>
-          <a:p>
-            <a:pPr marL="0" indent="0">
-              <a:buNone/>
-            </a:pPr>
-            <a:r>
-              <a:rPr lang="zh-CN" altLang="en-US" sz="1000" dirty="0"/>
-              <a:t>② </a:t>
-            </a:r>
-            <a:r>
-              <a:rPr lang="en-US" altLang="zh-CN" sz="1000" dirty="0"/>
-              <a:t>counter</a:t>
-            </a:r>
-            <a:r>
-              <a:rPr lang="zh-CN" altLang="en-US" sz="1000" dirty="0"/>
-              <a:t>提供计数或者异常一张图</a:t>
-            </a:r>
-          </a:p>
-          <a:p>
-            <a:pPr marL="0" indent="0">
-              <a:buNone/>
-            </a:pPr>
-            <a:r>
-              <a:rPr lang="zh-CN" altLang="en-US" sz="1000" dirty="0"/>
-              <a:t>         UMonitor.count("ChargeStatusRemoteServiceImpl_queryEquipChargeStatus_err")</a:t>
-            </a:r>
-            <a:r>
-              <a:rPr lang="zh-CN" altLang="en-US" sz="1000" dirty="0" smtClean="0"/>
-              <a:t>;</a:t>
-            </a:r>
-            <a:endParaRPr lang="en-US" altLang="zh-CN" sz="1000" dirty="0" smtClean="0"/>
-          </a:p>
-          <a:p>
-            <a:pPr marL="0" indent="0">
-              <a:buNone/>
-            </a:pPr>
-            <a:r>
-              <a:rPr lang="zh-CN" altLang="en-US" sz="1000" dirty="0"/>
-              <a:t>③ </a:t>
-            </a:r>
-            <a:r>
-              <a:rPr lang="zh-CN" altLang="en-US" sz="1000" dirty="0" smtClean="0"/>
-              <a:t>启动测试方式</a:t>
-            </a:r>
-            <a:endParaRPr lang="en-US" altLang="zh-CN" sz="1000" dirty="0" smtClean="0"/>
-          </a:p>
-          <a:p>
-            <a:pPr marL="0" indent="0">
-              <a:buNone/>
-            </a:pPr>
-            <a:r>
-              <a:rPr lang="en-US" altLang="zh-CN" sz="1000" dirty="0" smtClean="0"/>
-              <a:t>       </a:t>
-            </a:r>
-            <a:r>
-              <a:rPr lang="zh-CN" altLang="en-US" sz="1000" dirty="0" smtClean="0"/>
-              <a:t>本地获取指标：启动</a:t>
-            </a:r>
-            <a:r>
-              <a:rPr lang="en-US" altLang="zh-CN" sz="1000" dirty="0" smtClean="0"/>
-              <a:t>tomcat </a:t>
-            </a:r>
-            <a:r>
-              <a:rPr lang="zh-CN" altLang="en-US" sz="1000" dirty="0" smtClean="0"/>
-              <a:t>，用测试的</a:t>
-            </a:r>
-            <a:r>
-              <a:rPr lang="en-US" altLang="zh-CN" sz="1000" dirty="0" err="1" smtClean="0"/>
-              <a:t>Rpc</a:t>
-            </a:r>
-            <a:r>
-              <a:rPr lang="zh-CN" altLang="en-US" sz="1000" dirty="0" smtClean="0"/>
-              <a:t>调用（采用</a:t>
-            </a:r>
-            <a:r>
-              <a:rPr lang="en-US" altLang="zh-CN" sz="1000" dirty="0" smtClean="0"/>
-              <a:t>1s</a:t>
-            </a:r>
-            <a:r>
-              <a:rPr lang="zh-CN" altLang="en-US" sz="1000" dirty="0" smtClean="0"/>
-              <a:t>异步存储</a:t>
-            </a:r>
-            <a:r>
-              <a:rPr lang="en-US" altLang="zh-CN" sz="1000" dirty="0" err="1" smtClean="0"/>
-              <a:t>influxdb</a:t>
-            </a:r>
-            <a:r>
-              <a:rPr lang="zh-CN" altLang="en-US" sz="1000" dirty="0" smtClean="0"/>
-              <a:t>）</a:t>
-            </a:r>
-            <a:endParaRPr lang="zh-CN" altLang="en-US" sz="1000" dirty="0"/>
-          </a:p>
-          <a:p>
-            <a:pPr marL="0" indent="0">
-              <a:buNone/>
-            </a:pPr>
-            <a:endParaRPr lang="zh-CN" altLang="en-US" sz="1000" dirty="0"/>
+              <a:t>谢谢观赏</a:t>
+            </a:r>
+            <a:endParaRPr lang="zh-CN" altLang="en-US">
+              <a:solidFill>
+                <a:srgbClr val="FFC000"/>
+              </a:solidFill>
+            </a:endParaRPr>
           </a:p>
         </p:txBody>
       </p:sp>
@@ -10472,8 +8250,6 @@
       </a:bgFillStyleLst>
     </a:fmtScheme>
   </a:themeElements>
-  <a:objectDefaults/>
-  <a:extraClrSchemeLst/>
   <a:extLst>
     <a:ext uri="{05A4C25C-085E-4340-85A3-A5531E510DB2}">
       <thm15:themeFamily xmlns:thm15="http://schemas.microsoft.com/office/thememl/2012/main" name="Office Theme" id="{62F939B6-93AF-4DB8-9C6B-D6C7DFDC589F}" vid="{4A3C46E8-61CC-4603-A589-7422A47A8E4A}"/>
@@ -10760,8 +8536,6 @@
       </a:bgFillStyleLst>
     </a:fmtScheme>
   </a:themeElements>
-  <a:objectDefaults/>
-  <a:extraClrSchemeLst/>
   <a:extLst>
     <a:ext uri="{05A4C25C-085E-4340-85A3-A5531E510DB2}">
       <thm15:themeFamily xmlns:thm15="http://schemas.microsoft.com/office/thememl/2012/main" name="Office Theme" id="{62F939B6-93AF-4DB8-9C6B-D6C7DFDC589F}" vid="{4A3C46E8-61CC-4603-A589-7422A47A8E4A}"/>
@@ -11021,8 +8795,6 @@
       </a:bgFillStyleLst>
     </a:fmtScheme>
   </a:themeElements>
-  <a:objectDefaults/>
-  <a:extraClrSchemeLst/>
   <a:extLst>
     <a:ext uri="{05A4C25C-085E-4340-85A3-A5531E510DB2}">
       <thm15:themeFamily xmlns:thm15="http://schemas.microsoft.com/office/thememl/2012/main" name="Office Theme" id="{62F939B6-93AF-4DB8-9C6B-D6C7DFDC589F}" vid="{4A3C46E8-61CC-4603-A589-7422A47A8E4A}"/>
